--- a/reference_content/Slides/images_cnn.pptx
+++ b/reference_content/Slides/images_cnn.pptx
@@ -9,27 +9,29 @@
     <p:sldId id="277" r:id="rId3"/>
     <p:sldId id="279" r:id="rId4"/>
     <p:sldId id="280" r:id="rId5"/>
-    <p:sldId id="278" r:id="rId6"/>
-    <p:sldId id="257" r:id="rId7"/>
-    <p:sldId id="258" r:id="rId8"/>
-    <p:sldId id="259" r:id="rId9"/>
-    <p:sldId id="260" r:id="rId10"/>
-    <p:sldId id="264" r:id="rId11"/>
-    <p:sldId id="261" r:id="rId12"/>
-    <p:sldId id="262" r:id="rId13"/>
-    <p:sldId id="263" r:id="rId14"/>
-    <p:sldId id="266" r:id="rId15"/>
-    <p:sldId id="267" r:id="rId16"/>
-    <p:sldId id="268" r:id="rId17"/>
-    <p:sldId id="269" r:id="rId18"/>
-    <p:sldId id="265" r:id="rId19"/>
-    <p:sldId id="271" r:id="rId20"/>
-    <p:sldId id="272" r:id="rId21"/>
-    <p:sldId id="276" r:id="rId22"/>
-    <p:sldId id="273" r:id="rId23"/>
-    <p:sldId id="274" r:id="rId24"/>
-    <p:sldId id="275" r:id="rId25"/>
-    <p:sldId id="270" r:id="rId26"/>
+    <p:sldId id="281" r:id="rId6"/>
+    <p:sldId id="278" r:id="rId7"/>
+    <p:sldId id="257" r:id="rId8"/>
+    <p:sldId id="258" r:id="rId9"/>
+    <p:sldId id="259" r:id="rId10"/>
+    <p:sldId id="260" r:id="rId11"/>
+    <p:sldId id="264" r:id="rId12"/>
+    <p:sldId id="261" r:id="rId13"/>
+    <p:sldId id="262" r:id="rId14"/>
+    <p:sldId id="263" r:id="rId15"/>
+    <p:sldId id="266" r:id="rId16"/>
+    <p:sldId id="267" r:id="rId17"/>
+    <p:sldId id="268" r:id="rId18"/>
+    <p:sldId id="269" r:id="rId19"/>
+    <p:sldId id="265" r:id="rId20"/>
+    <p:sldId id="271" r:id="rId21"/>
+    <p:sldId id="272" r:id="rId22"/>
+    <p:sldId id="282" r:id="rId23"/>
+    <p:sldId id="276" r:id="rId24"/>
+    <p:sldId id="273" r:id="rId25"/>
+    <p:sldId id="274" r:id="rId26"/>
+    <p:sldId id="275" r:id="rId27"/>
+    <p:sldId id="270" r:id="rId28"/>
   </p:sldIdLst>
   <p:sldSz cx="12192000" cy="6858000"/>
   <p:notesSz cx="6858000" cy="9144000"/>
@@ -3739,6 +3741,130 @@
           <p:cNvPr id="2" name="Title 1">
             <a:extLst>
               <a:ext uri="{FF2B5EF4-FFF2-40B4-BE49-F238E27FC236}">
+                <a16:creationId xmlns:a16="http://schemas.microsoft.com/office/drawing/2014/main" id="{2C9214A3-F495-2840-89CA-9D2DF72B8616}"/>
+              </a:ext>
+            </a:extLst>
+          </p:cNvPr>
+          <p:cNvSpPr>
+            <a:spLocks noGrp="1"/>
+          </p:cNvSpPr>
+          <p:nvPr>
+            <p:ph type="title"/>
+          </p:nvPr>
+        </p:nvSpPr>
+        <p:spPr/>
+        <p:txBody>
+          <a:bodyPr/>
+          <a:lstStyle/>
+          <a:p>
+            <a:r>
+              <a:rPr lang="en-US" dirty="0"/>
+              <a:t>Convolutional Neural Networks (CNN)</a:t>
+            </a:r>
+          </a:p>
+        </p:txBody>
+      </p:sp>
+      <p:sp>
+        <p:nvSpPr>
+          <p:cNvPr id="3" name="Content Placeholder 2">
+            <a:extLst>
+              <a:ext uri="{FF2B5EF4-FFF2-40B4-BE49-F238E27FC236}">
+                <a16:creationId xmlns:a16="http://schemas.microsoft.com/office/drawing/2014/main" id="{FAF6FFA3-7135-8741-8D1E-810E84584270}"/>
+              </a:ext>
+            </a:extLst>
+          </p:cNvPr>
+          <p:cNvSpPr>
+            <a:spLocks noGrp="1"/>
+          </p:cNvSpPr>
+          <p:nvPr>
+            <p:ph idx="1"/>
+          </p:nvPr>
+        </p:nvSpPr>
+        <p:spPr>
+          <a:xfrm>
+            <a:off x="1451579" y="2015732"/>
+            <a:ext cx="9603275" cy="4206164"/>
+          </a:xfrm>
+        </p:spPr>
+        <p:txBody>
+          <a:bodyPr/>
+          <a:lstStyle/>
+          <a:p>
+            <a:r>
+              <a:rPr lang="en-US" dirty="0"/>
+              <a:t>A CNN is a different variation of neural network that does well with images.</a:t>
+            </a:r>
+          </a:p>
+          <a:p>
+            <a:pPr lvl="1"/>
+            <a:r>
+              <a:rPr lang="en-US" dirty="0"/>
+              <a:t>Until now we’ve used “standard” dense neural networks. Feed-forward. </a:t>
+            </a:r>
+          </a:p>
+          <a:p>
+            <a:r>
+              <a:rPr lang="en-US" dirty="0"/>
+              <a:t>CNN is based on the concept of “convolution”, a mathematical technique:</a:t>
+            </a:r>
+          </a:p>
+          <a:p>
+            <a:pPr lvl="1"/>
+            <a:r>
+              <a:rPr lang="en-US" dirty="0"/>
+              <a:t>Convolution is a mathematical operation on two functions that produces a third function that expresses how the shape of one is modified by the other.</a:t>
+            </a:r>
+          </a:p>
+          <a:p>
+            <a:r>
+              <a:rPr lang="en-US" dirty="0"/>
+              <a:t>For our purposes CNN has a small window (kernel/filter) that looks at one section of an image (e.g. 5 x 5), transforms that for an output, and slides pixel by pixel (stride) over the entire image. </a:t>
+            </a:r>
+          </a:p>
+          <a:p>
+            <a:pPr lvl="1"/>
+            <a:r>
+              <a:rPr lang="en-US" dirty="0"/>
+              <a:t>Convoluted definition, simple idea to visualize…</a:t>
+            </a:r>
+          </a:p>
+        </p:txBody>
+      </p:sp>
+    </p:spTree>
+    <p:extLst>
+      <p:ext uri="{BB962C8B-B14F-4D97-AF65-F5344CB8AC3E}">
+        <p14:creationId xmlns:p14="http://schemas.microsoft.com/office/powerpoint/2010/main" val="197721867"/>
+      </p:ext>
+    </p:extLst>
+  </p:cSld>
+  <p:clrMapOvr>
+    <a:masterClrMapping/>
+  </p:clrMapOvr>
+</p:sld>
+</file>
+
+<file path=ppt/slides/slide11.xml><?xml version="1.0" encoding="utf-8"?>
+<p:sld xmlns:a="http://schemas.openxmlformats.org/drawingml/2006/main" xmlns:r="http://schemas.openxmlformats.org/officeDocument/2006/relationships" xmlns:p="http://schemas.openxmlformats.org/presentationml/2006/main">
+  <p:cSld>
+    <p:spTree>
+      <p:nvGrpSpPr>
+        <p:cNvPr id="1" name=""/>
+        <p:cNvGrpSpPr/>
+        <p:nvPr/>
+      </p:nvGrpSpPr>
+      <p:grpSpPr>
+        <a:xfrm>
+          <a:off x="0" y="0"/>
+          <a:ext cx="0" cy="0"/>
+          <a:chOff x="0" y="0"/>
+          <a:chExt cx="0" cy="0"/>
+        </a:xfrm>
+      </p:grpSpPr>
+      <p:sp>
+        <p:nvSpPr>
+          <p:cNvPr id="2" name="Title 1">
+            <a:extLst>
+              <a:ext uri="{FF2B5EF4-FFF2-40B4-BE49-F238E27FC236}">
                 <a16:creationId xmlns:a16="http://schemas.microsoft.com/office/drawing/2014/main" id="{2833260B-126C-1146-9F78-897B0CEF03A9}"/>
               </a:ext>
             </a:extLst>
@@ -3852,7 +3978,7 @@
 </p:sld>
 </file>
 
-<file path=ppt/slides/slide11.xml><?xml version="1.0" encoding="utf-8"?>
+<file path=ppt/slides/slide12.xml><?xml version="1.0" encoding="utf-8"?>
 <p:sld xmlns:a="http://schemas.openxmlformats.org/drawingml/2006/main" xmlns:r="http://schemas.openxmlformats.org/officeDocument/2006/relationships" xmlns:p="http://schemas.openxmlformats.org/presentationml/2006/main">
   <p:cSld>
     <p:spTree>
@@ -3979,7 +4105,7 @@
 </p:sld>
 </file>
 
-<file path=ppt/slides/slide12.xml><?xml version="1.0" encoding="utf-8"?>
+<file path=ppt/slides/slide13.xml><?xml version="1.0" encoding="utf-8"?>
 <p:sld xmlns:a="http://schemas.openxmlformats.org/drawingml/2006/main" xmlns:r="http://schemas.openxmlformats.org/officeDocument/2006/relationships" xmlns:p="http://schemas.openxmlformats.org/presentationml/2006/main">
   <p:cSld>
     <p:spTree>
@@ -4106,7 +4232,7 @@
 </p:sld>
 </file>
 
-<file path=ppt/slides/slide13.xml><?xml version="1.0" encoding="utf-8"?>
+<file path=ppt/slides/slide14.xml><?xml version="1.0" encoding="utf-8"?>
 <p:sld xmlns:a="http://schemas.openxmlformats.org/drawingml/2006/main" xmlns:r="http://schemas.openxmlformats.org/officeDocument/2006/relationships" xmlns:p="http://schemas.openxmlformats.org/presentationml/2006/main">
   <p:cSld>
     <p:spTree>
@@ -4296,7 +4422,7 @@
 </p:sld>
 </file>
 
-<file path=ppt/slides/slide14.xml><?xml version="1.0" encoding="utf-8"?>
+<file path=ppt/slides/slide15.xml><?xml version="1.0" encoding="utf-8"?>
 <p:sld xmlns:a="http://schemas.openxmlformats.org/drawingml/2006/main" xmlns:r="http://schemas.openxmlformats.org/officeDocument/2006/relationships" xmlns:p="http://schemas.openxmlformats.org/presentationml/2006/main">
   <p:cSld>
     <p:bg>
@@ -4475,7 +4601,7 @@
 </p:sld>
 </file>
 
-<file path=ppt/slides/slide15.xml><?xml version="1.0" encoding="utf-8"?>
+<file path=ppt/slides/slide16.xml><?xml version="1.0" encoding="utf-8"?>
 <p:sld xmlns:a="http://schemas.openxmlformats.org/drawingml/2006/main" xmlns:r="http://schemas.openxmlformats.org/officeDocument/2006/relationships" xmlns:p="http://schemas.openxmlformats.org/presentationml/2006/main">
   <p:cSld>
     <p:spTree>
@@ -4621,166 +4747,6 @@
     <p:extLst>
       <p:ext uri="{BB962C8B-B14F-4D97-AF65-F5344CB8AC3E}">
         <p14:creationId xmlns:p14="http://schemas.microsoft.com/office/powerpoint/2010/main" val="4085370797"/>
-      </p:ext>
-    </p:extLst>
-  </p:cSld>
-  <p:clrMapOvr>
-    <a:masterClrMapping/>
-  </p:clrMapOvr>
-</p:sld>
-</file>
-
-<file path=ppt/slides/slide16.xml><?xml version="1.0" encoding="utf-8"?>
-<p:sld xmlns:a="http://schemas.openxmlformats.org/drawingml/2006/main" xmlns:r="http://schemas.openxmlformats.org/officeDocument/2006/relationships" xmlns:p="http://schemas.openxmlformats.org/presentationml/2006/main">
-  <p:cSld>
-    <p:bg>
-      <p:bgPr>
-        <a:gradFill rotWithShape="1">
-          <a:gsLst>
-            <a:gs pos="0">
-              <a:schemeClr val="bg2">
-                <a:tint val="94000"/>
-                <a:satMod val="80000"/>
-                <a:lumMod val="106000"/>
-              </a:schemeClr>
-            </a:gs>
-            <a:gs pos="100000">
-              <a:schemeClr val="bg2">
-                <a:shade val="80000"/>
-              </a:schemeClr>
-            </a:gs>
-          </a:gsLst>
-          <a:path path="circle">
-            <a:fillToRect l="43000" r="43000" b="100000"/>
-          </a:path>
-        </a:gradFill>
-        <a:effectLst/>
-      </p:bgPr>
-    </p:bg>
-    <p:spTree>
-      <p:nvGrpSpPr>
-        <p:cNvPr id="1" name=""/>
-        <p:cNvGrpSpPr/>
-        <p:nvPr/>
-      </p:nvGrpSpPr>
-      <p:grpSpPr>
-        <a:xfrm>
-          <a:off x="0" y="0"/>
-          <a:ext cx="0" cy="0"/>
-          <a:chOff x="0" y="0"/>
-          <a:chExt cx="0" cy="0"/>
-        </a:xfrm>
-      </p:grpSpPr>
-      <p:sp>
-        <p:nvSpPr>
-          <p:cNvPr id="2" name="Title 1">
-            <a:extLst>
-              <a:ext uri="{FF2B5EF4-FFF2-40B4-BE49-F238E27FC236}">
-                <a16:creationId xmlns:a16="http://schemas.microsoft.com/office/drawing/2014/main" id="{9AF06192-4779-5949-8C14-44A1E5592A77}"/>
-              </a:ext>
-            </a:extLst>
-          </p:cNvPr>
-          <p:cNvSpPr>
-            <a:spLocks noGrp="1"/>
-          </p:cNvSpPr>
-          <p:nvPr>
-            <p:ph type="title"/>
-          </p:nvPr>
-        </p:nvSpPr>
-        <p:spPr>
-          <a:xfrm>
-            <a:off x="1451579" y="804519"/>
-            <a:ext cx="9603275" cy="1049235"/>
-          </a:xfrm>
-        </p:spPr>
-        <p:txBody>
-          <a:bodyPr>
-            <a:normAutofit/>
-          </a:bodyPr>
-          <a:lstStyle/>
-          <a:p>
-            <a:r>
-              <a:rPr lang="en-US" dirty="0"/>
-              <a:t>First Slice</a:t>
-            </a:r>
-          </a:p>
-        </p:txBody>
-      </p:sp>
-      <p:sp>
-        <p:nvSpPr>
-          <p:cNvPr id="3" name="Content Placeholder 2">
-            <a:extLst>
-              <a:ext uri="{FF2B5EF4-FFF2-40B4-BE49-F238E27FC236}">
-                <a16:creationId xmlns:a16="http://schemas.microsoft.com/office/drawing/2014/main" id="{0BFA2BE0-885B-494C-A121-D932A0183282}"/>
-              </a:ext>
-            </a:extLst>
-          </p:cNvPr>
-          <p:cNvSpPr>
-            <a:spLocks noGrp="1"/>
-          </p:cNvSpPr>
-          <p:nvPr>
-            <p:ph idx="1"/>
-          </p:nvPr>
-        </p:nvSpPr>
-        <p:spPr>
-          <a:xfrm>
-            <a:off x="333633" y="2015734"/>
-            <a:ext cx="3978875" cy="3450613"/>
-          </a:xfrm>
-        </p:spPr>
-        <p:txBody>
-          <a:bodyPr>
-            <a:normAutofit/>
-          </a:bodyPr>
-          <a:lstStyle/>
-          <a:p>
-            <a:r>
-              <a:rPr lang="en-US" dirty="0"/>
-              <a:t>Top left 9 pixels are multiplied by the filter and added. </a:t>
-            </a:r>
-          </a:p>
-          <a:p>
-            <a:r>
-              <a:rPr lang="en-US" dirty="0"/>
-              <a:t>All pixels are white (big number) so they end up cancelling each other. </a:t>
-            </a:r>
-          </a:p>
-        </p:txBody>
-      </p:sp>
-      <p:pic>
-        <p:nvPicPr>
-          <p:cNvPr id="5" name="Picture 4">
-            <a:extLst>
-              <a:ext uri="{FF2B5EF4-FFF2-40B4-BE49-F238E27FC236}">
-                <a16:creationId xmlns:a16="http://schemas.microsoft.com/office/drawing/2014/main" id="{56B47AFE-BA7A-0040-939F-CAA4AB90EDDB}"/>
-              </a:ext>
-            </a:extLst>
-          </p:cNvPr>
-          <p:cNvPicPr>
-            <a:picLocks noChangeAspect="1"/>
-          </p:cNvPicPr>
-          <p:nvPr/>
-        </p:nvPicPr>
-        <p:blipFill>
-          <a:blip r:embed="rId2"/>
-          <a:stretch>
-            <a:fillRect/>
-          </a:stretch>
-        </p:blipFill>
-        <p:spPr>
-          <a:xfrm>
-            <a:off x="4445275" y="1679353"/>
-            <a:ext cx="7810946" cy="4374128"/>
-          </a:xfrm>
-          <a:prstGeom prst="rect">
-            <a:avLst/>
-          </a:prstGeom>
-        </p:spPr>
-      </p:pic>
-    </p:spTree>
-    <p:extLst>
-      <p:ext uri="{BB962C8B-B14F-4D97-AF65-F5344CB8AC3E}">
-        <p14:creationId xmlns:p14="http://schemas.microsoft.com/office/powerpoint/2010/main" val="117587930"/>
       </p:ext>
     </p:extLst>
   </p:cSld>
@@ -4836,6 +4802,166 @@
           <p:cNvPr id="2" name="Title 1">
             <a:extLst>
               <a:ext uri="{FF2B5EF4-FFF2-40B4-BE49-F238E27FC236}">
+                <a16:creationId xmlns:a16="http://schemas.microsoft.com/office/drawing/2014/main" id="{9AF06192-4779-5949-8C14-44A1E5592A77}"/>
+              </a:ext>
+            </a:extLst>
+          </p:cNvPr>
+          <p:cNvSpPr>
+            <a:spLocks noGrp="1"/>
+          </p:cNvSpPr>
+          <p:nvPr>
+            <p:ph type="title"/>
+          </p:nvPr>
+        </p:nvSpPr>
+        <p:spPr>
+          <a:xfrm>
+            <a:off x="1451579" y="804519"/>
+            <a:ext cx="9603275" cy="1049235"/>
+          </a:xfrm>
+        </p:spPr>
+        <p:txBody>
+          <a:bodyPr>
+            <a:normAutofit/>
+          </a:bodyPr>
+          <a:lstStyle/>
+          <a:p>
+            <a:r>
+              <a:rPr lang="en-US" dirty="0"/>
+              <a:t>First Slice</a:t>
+            </a:r>
+          </a:p>
+        </p:txBody>
+      </p:sp>
+      <p:sp>
+        <p:nvSpPr>
+          <p:cNvPr id="3" name="Content Placeholder 2">
+            <a:extLst>
+              <a:ext uri="{FF2B5EF4-FFF2-40B4-BE49-F238E27FC236}">
+                <a16:creationId xmlns:a16="http://schemas.microsoft.com/office/drawing/2014/main" id="{0BFA2BE0-885B-494C-A121-D932A0183282}"/>
+              </a:ext>
+            </a:extLst>
+          </p:cNvPr>
+          <p:cNvSpPr>
+            <a:spLocks noGrp="1"/>
+          </p:cNvSpPr>
+          <p:nvPr>
+            <p:ph idx="1"/>
+          </p:nvPr>
+        </p:nvSpPr>
+        <p:spPr>
+          <a:xfrm>
+            <a:off x="333633" y="2015734"/>
+            <a:ext cx="3978875" cy="3450613"/>
+          </a:xfrm>
+        </p:spPr>
+        <p:txBody>
+          <a:bodyPr>
+            <a:normAutofit/>
+          </a:bodyPr>
+          <a:lstStyle/>
+          <a:p>
+            <a:r>
+              <a:rPr lang="en-US" dirty="0"/>
+              <a:t>Top left 9 pixels are multiplied by the filter and added. </a:t>
+            </a:r>
+          </a:p>
+          <a:p>
+            <a:r>
+              <a:rPr lang="en-US" dirty="0"/>
+              <a:t>All pixels are white (big number) so they end up cancelling each other. </a:t>
+            </a:r>
+          </a:p>
+        </p:txBody>
+      </p:sp>
+      <p:pic>
+        <p:nvPicPr>
+          <p:cNvPr id="5" name="Picture 4">
+            <a:extLst>
+              <a:ext uri="{FF2B5EF4-FFF2-40B4-BE49-F238E27FC236}">
+                <a16:creationId xmlns:a16="http://schemas.microsoft.com/office/drawing/2014/main" id="{56B47AFE-BA7A-0040-939F-CAA4AB90EDDB}"/>
+              </a:ext>
+            </a:extLst>
+          </p:cNvPr>
+          <p:cNvPicPr>
+            <a:picLocks noChangeAspect="1"/>
+          </p:cNvPicPr>
+          <p:nvPr/>
+        </p:nvPicPr>
+        <p:blipFill>
+          <a:blip r:embed="rId2"/>
+          <a:stretch>
+            <a:fillRect/>
+          </a:stretch>
+        </p:blipFill>
+        <p:spPr>
+          <a:xfrm>
+            <a:off x="4445275" y="1679353"/>
+            <a:ext cx="7810946" cy="4374128"/>
+          </a:xfrm>
+          <a:prstGeom prst="rect">
+            <a:avLst/>
+          </a:prstGeom>
+        </p:spPr>
+      </p:pic>
+    </p:spTree>
+    <p:extLst>
+      <p:ext uri="{BB962C8B-B14F-4D97-AF65-F5344CB8AC3E}">
+        <p14:creationId xmlns:p14="http://schemas.microsoft.com/office/powerpoint/2010/main" val="117587930"/>
+      </p:ext>
+    </p:extLst>
+  </p:cSld>
+  <p:clrMapOvr>
+    <a:masterClrMapping/>
+  </p:clrMapOvr>
+</p:sld>
+</file>
+
+<file path=ppt/slides/slide18.xml><?xml version="1.0" encoding="utf-8"?>
+<p:sld xmlns:a="http://schemas.openxmlformats.org/drawingml/2006/main" xmlns:r="http://schemas.openxmlformats.org/officeDocument/2006/relationships" xmlns:p="http://schemas.openxmlformats.org/presentationml/2006/main">
+  <p:cSld>
+    <p:bg>
+      <p:bgPr>
+        <a:gradFill rotWithShape="1">
+          <a:gsLst>
+            <a:gs pos="0">
+              <a:schemeClr val="bg2">
+                <a:tint val="94000"/>
+                <a:satMod val="80000"/>
+                <a:lumMod val="106000"/>
+              </a:schemeClr>
+            </a:gs>
+            <a:gs pos="100000">
+              <a:schemeClr val="bg2">
+                <a:shade val="80000"/>
+              </a:schemeClr>
+            </a:gs>
+          </a:gsLst>
+          <a:path path="circle">
+            <a:fillToRect l="43000" r="43000" b="100000"/>
+          </a:path>
+        </a:gradFill>
+        <a:effectLst/>
+      </p:bgPr>
+    </p:bg>
+    <p:spTree>
+      <p:nvGrpSpPr>
+        <p:cNvPr id="1" name=""/>
+        <p:cNvGrpSpPr/>
+        <p:nvPr/>
+      </p:nvGrpSpPr>
+      <p:grpSpPr>
+        <a:xfrm>
+          <a:off x="0" y="0"/>
+          <a:ext cx="0" cy="0"/>
+          <a:chOff x="0" y="0"/>
+          <a:chExt cx="0" cy="0"/>
+        </a:xfrm>
+      </p:grpSpPr>
+      <p:sp>
+        <p:nvSpPr>
+          <p:cNvPr id="2" name="Title 1">
+            <a:extLst>
+              <a:ext uri="{FF2B5EF4-FFF2-40B4-BE49-F238E27FC236}">
                 <a16:creationId xmlns:a16="http://schemas.microsoft.com/office/drawing/2014/main" id="{E4270F1F-6CCB-DE4A-A961-40F7FE3E6FED}"/>
               </a:ext>
             </a:extLst>
@@ -4984,7 +5110,7 @@
 </p:sld>
 </file>
 
-<file path=ppt/slides/slide18.xml><?xml version="1.0" encoding="utf-8"?>
+<file path=ppt/slides/slide19.xml><?xml version="1.0" encoding="utf-8"?>
 <p:sld xmlns:a="http://schemas.openxmlformats.org/drawingml/2006/main" xmlns:r="http://schemas.openxmlformats.org/officeDocument/2006/relationships" xmlns:p="http://schemas.openxmlformats.org/presentationml/2006/main">
   <p:cSld>
     <p:spTree>
@@ -5086,7 +5212,132 @@
 </p:sld>
 </file>
 
-<file path=ppt/slides/slide19.xml><?xml version="1.0" encoding="utf-8"?>
+<file path=ppt/slides/slide2.xml><?xml version="1.0" encoding="utf-8"?>
+<p:sld xmlns:a="http://schemas.openxmlformats.org/drawingml/2006/main" xmlns:r="http://schemas.openxmlformats.org/officeDocument/2006/relationships" xmlns:p="http://schemas.openxmlformats.org/presentationml/2006/main">
+  <p:cSld>
+    <p:spTree>
+      <p:nvGrpSpPr>
+        <p:cNvPr id="1" name=""/>
+        <p:cNvGrpSpPr/>
+        <p:nvPr/>
+      </p:nvGrpSpPr>
+      <p:grpSpPr>
+        <a:xfrm>
+          <a:off x="0" y="0"/>
+          <a:ext cx="0" cy="0"/>
+          <a:chOff x="0" y="0"/>
+          <a:chExt cx="0" cy="0"/>
+        </a:xfrm>
+      </p:grpSpPr>
+      <p:sp>
+        <p:nvSpPr>
+          <p:cNvPr id="2" name="Title 1">
+            <a:extLst>
+              <a:ext uri="{FF2B5EF4-FFF2-40B4-BE49-F238E27FC236}">
+                <a16:creationId xmlns:a16="http://schemas.microsoft.com/office/drawing/2014/main" id="{BF512CCA-4F11-3249-AED9-0D0D7D9D77E9}"/>
+              </a:ext>
+            </a:extLst>
+          </p:cNvPr>
+          <p:cNvSpPr>
+            <a:spLocks noGrp="1"/>
+          </p:cNvSpPr>
+          <p:nvPr>
+            <p:ph type="title"/>
+          </p:nvPr>
+        </p:nvSpPr>
+        <p:spPr/>
+        <p:txBody>
+          <a:bodyPr/>
+          <a:lstStyle/>
+          <a:p>
+            <a:r>
+              <a:rPr lang="en-US" dirty="0"/>
+              <a:t>Detour 1 – Sequential vs Functional</a:t>
+            </a:r>
+          </a:p>
+        </p:txBody>
+      </p:sp>
+      <p:sp>
+        <p:nvSpPr>
+          <p:cNvPr id="3" name="Content Placeholder 2">
+            <a:extLst>
+              <a:ext uri="{FF2B5EF4-FFF2-40B4-BE49-F238E27FC236}">
+                <a16:creationId xmlns:a16="http://schemas.microsoft.com/office/drawing/2014/main" id="{852D2B1B-77A8-6C42-83C7-6FEEC4193082}"/>
+              </a:ext>
+            </a:extLst>
+          </p:cNvPr>
+          <p:cNvSpPr>
+            <a:spLocks noGrp="1"/>
+          </p:cNvSpPr>
+          <p:nvPr>
+            <p:ph idx="1"/>
+          </p:nvPr>
+        </p:nvSpPr>
+        <p:spPr>
+          <a:xfrm>
+            <a:off x="1451579" y="2015732"/>
+            <a:ext cx="9603275" cy="4137642"/>
+          </a:xfrm>
+        </p:spPr>
+        <p:txBody>
+          <a:bodyPr>
+            <a:normAutofit/>
+          </a:bodyPr>
+          <a:lstStyle/>
+          <a:p>
+            <a:r>
+              <a:rPr lang="en-US" dirty="0"/>
+              <a:t>Sequential models work sequentially – one layer after the other. </a:t>
+            </a:r>
+          </a:p>
+          <a:p>
+            <a:r>
+              <a:rPr lang="en-US" dirty="0"/>
+              <a:t>Functional neural network types allow for that rule to be broken:</a:t>
+            </a:r>
+          </a:p>
+          <a:p>
+            <a:pPr lvl="1"/>
+            <a:r>
+              <a:rPr lang="en-US" dirty="0"/>
+              <a:t>Slicing and concatenating parts of a model. </a:t>
+            </a:r>
+          </a:p>
+          <a:p>
+            <a:pPr lvl="1"/>
+            <a:r>
+              <a:rPr lang="en-US" dirty="0"/>
+              <a:t>Looping inputs back to previous layers. </a:t>
+            </a:r>
+          </a:p>
+          <a:p>
+            <a:r>
+              <a:rPr lang="en-US" dirty="0"/>
+              <a:t>Image processing – examine different portions of an image differently. </a:t>
+            </a:r>
+          </a:p>
+          <a:p>
+            <a:r>
+              <a:rPr lang="en-US" dirty="0"/>
+              <a:t>Generally allows for task specific adaptation of the model to the data. </a:t>
+            </a:r>
+          </a:p>
+        </p:txBody>
+      </p:sp>
+    </p:spTree>
+    <p:extLst>
+      <p:ext uri="{BB962C8B-B14F-4D97-AF65-F5344CB8AC3E}">
+        <p14:creationId xmlns:p14="http://schemas.microsoft.com/office/powerpoint/2010/main" val="3592937072"/>
+      </p:ext>
+    </p:extLst>
+  </p:cSld>
+  <p:clrMapOvr>
+    <a:masterClrMapping/>
+  </p:clrMapOvr>
+</p:sld>
+</file>
+
+<file path=ppt/slides/slide20.xml><?xml version="1.0" encoding="utf-8"?>
 <p:sld xmlns:a="http://schemas.openxmlformats.org/drawingml/2006/main" xmlns:r="http://schemas.openxmlformats.org/officeDocument/2006/relationships" xmlns:p="http://schemas.openxmlformats.org/presentationml/2006/main">
   <p:cSld>
     <p:spTree>
@@ -5250,278 +5501,6 @@
 </p:sld>
 </file>
 
-<file path=ppt/slides/slide2.xml><?xml version="1.0" encoding="utf-8"?>
-<p:sld xmlns:a="http://schemas.openxmlformats.org/drawingml/2006/main" xmlns:r="http://schemas.openxmlformats.org/officeDocument/2006/relationships" xmlns:p="http://schemas.openxmlformats.org/presentationml/2006/main">
-  <p:cSld>
-    <p:spTree>
-      <p:nvGrpSpPr>
-        <p:cNvPr id="1" name=""/>
-        <p:cNvGrpSpPr/>
-        <p:nvPr/>
-      </p:nvGrpSpPr>
-      <p:grpSpPr>
-        <a:xfrm>
-          <a:off x="0" y="0"/>
-          <a:ext cx="0" cy="0"/>
-          <a:chOff x="0" y="0"/>
-          <a:chExt cx="0" cy="0"/>
-        </a:xfrm>
-      </p:grpSpPr>
-      <p:sp>
-        <p:nvSpPr>
-          <p:cNvPr id="2" name="Title 1">
-            <a:extLst>
-              <a:ext uri="{FF2B5EF4-FFF2-40B4-BE49-F238E27FC236}">
-                <a16:creationId xmlns:a16="http://schemas.microsoft.com/office/drawing/2014/main" id="{BF512CCA-4F11-3249-AED9-0D0D7D9D77E9}"/>
-              </a:ext>
-            </a:extLst>
-          </p:cNvPr>
-          <p:cNvSpPr>
-            <a:spLocks noGrp="1"/>
-          </p:cNvSpPr>
-          <p:nvPr>
-            <p:ph type="title"/>
-          </p:nvPr>
-        </p:nvSpPr>
-        <p:spPr/>
-        <p:txBody>
-          <a:bodyPr/>
-          <a:lstStyle/>
-          <a:p>
-            <a:r>
-              <a:rPr lang="en-US" dirty="0"/>
-              <a:t>Detour 1 – Sequential vs Functional</a:t>
-            </a:r>
-          </a:p>
-        </p:txBody>
-      </p:sp>
-      <p:sp>
-        <p:nvSpPr>
-          <p:cNvPr id="3" name="Content Placeholder 2">
-            <a:extLst>
-              <a:ext uri="{FF2B5EF4-FFF2-40B4-BE49-F238E27FC236}">
-                <a16:creationId xmlns:a16="http://schemas.microsoft.com/office/drawing/2014/main" id="{852D2B1B-77A8-6C42-83C7-6FEEC4193082}"/>
-              </a:ext>
-            </a:extLst>
-          </p:cNvPr>
-          <p:cNvSpPr>
-            <a:spLocks noGrp="1"/>
-          </p:cNvSpPr>
-          <p:nvPr>
-            <p:ph idx="1"/>
-          </p:nvPr>
-        </p:nvSpPr>
-        <p:spPr>
-          <a:xfrm>
-            <a:off x="1451579" y="2015732"/>
-            <a:ext cx="9603275" cy="4137642"/>
-          </a:xfrm>
-        </p:spPr>
-        <p:txBody>
-          <a:bodyPr>
-            <a:normAutofit/>
-          </a:bodyPr>
-          <a:lstStyle/>
-          <a:p>
-            <a:r>
-              <a:rPr lang="en-US" dirty="0"/>
-              <a:t>Sequential models work sequentially – one layer after the other. </a:t>
-            </a:r>
-          </a:p>
-          <a:p>
-            <a:r>
-              <a:rPr lang="en-US" dirty="0"/>
-              <a:t>Functional neural network types allow for that rule to be broken:</a:t>
-            </a:r>
-          </a:p>
-          <a:p>
-            <a:pPr lvl="1"/>
-            <a:r>
-              <a:rPr lang="en-US" dirty="0"/>
-              <a:t>Slicing and concatenating parts of a model. </a:t>
-            </a:r>
-          </a:p>
-          <a:p>
-            <a:pPr lvl="1"/>
-            <a:r>
-              <a:rPr lang="en-US" dirty="0"/>
-              <a:t>Looping inputs back to previous layers. </a:t>
-            </a:r>
-          </a:p>
-          <a:p>
-            <a:r>
-              <a:rPr lang="en-US" dirty="0"/>
-              <a:t>Image processing – examine different portions of an image differently. </a:t>
-            </a:r>
-          </a:p>
-          <a:p>
-            <a:r>
-              <a:rPr lang="en-US" dirty="0"/>
-              <a:t>Generally allows for task specific adaptation of the model to the data. </a:t>
-            </a:r>
-          </a:p>
-        </p:txBody>
-      </p:sp>
-    </p:spTree>
-    <p:extLst>
-      <p:ext uri="{BB962C8B-B14F-4D97-AF65-F5344CB8AC3E}">
-        <p14:creationId xmlns:p14="http://schemas.microsoft.com/office/powerpoint/2010/main" val="3592937072"/>
-      </p:ext>
-    </p:extLst>
-  </p:cSld>
-  <p:clrMapOvr>
-    <a:masterClrMapping/>
-  </p:clrMapOvr>
-</p:sld>
-</file>
-
-<file path=ppt/slides/slide20.xml><?xml version="1.0" encoding="utf-8"?>
-<p:sld xmlns:a="http://schemas.openxmlformats.org/drawingml/2006/main" xmlns:r="http://schemas.openxmlformats.org/officeDocument/2006/relationships" xmlns:p="http://schemas.openxmlformats.org/presentationml/2006/main">
-  <p:cSld>
-    <p:spTree>
-      <p:nvGrpSpPr>
-        <p:cNvPr id="1" name=""/>
-        <p:cNvGrpSpPr/>
-        <p:nvPr/>
-      </p:nvGrpSpPr>
-      <p:grpSpPr>
-        <a:xfrm>
-          <a:off x="0" y="0"/>
-          <a:ext cx="0" cy="0"/>
-          <a:chOff x="0" y="0"/>
-          <a:chExt cx="0" cy="0"/>
-        </a:xfrm>
-      </p:grpSpPr>
-      <p:sp>
-        <p:nvSpPr>
-          <p:cNvPr id="2" name="Title 1">
-            <a:extLst>
-              <a:ext uri="{FF2B5EF4-FFF2-40B4-BE49-F238E27FC236}">
-                <a16:creationId xmlns:a16="http://schemas.microsoft.com/office/drawing/2014/main" id="{82439B48-B76E-FA43-8931-D350934B45F1}"/>
-              </a:ext>
-            </a:extLst>
-          </p:cNvPr>
-          <p:cNvSpPr>
-            <a:spLocks noGrp="1"/>
-          </p:cNvSpPr>
-          <p:nvPr>
-            <p:ph type="title"/>
-          </p:nvPr>
-        </p:nvSpPr>
-        <p:spPr/>
-        <p:txBody>
-          <a:bodyPr/>
-          <a:lstStyle/>
-          <a:p>
-            <a:r>
-              <a:rPr lang="en-US" dirty="0"/>
-              <a:t>Pooling</a:t>
-            </a:r>
-          </a:p>
-        </p:txBody>
-      </p:sp>
-      <p:sp>
-        <p:nvSpPr>
-          <p:cNvPr id="3" name="Content Placeholder 2">
-            <a:extLst>
-              <a:ext uri="{FF2B5EF4-FFF2-40B4-BE49-F238E27FC236}">
-                <a16:creationId xmlns:a16="http://schemas.microsoft.com/office/drawing/2014/main" id="{7BAECDE2-7DFA-2140-8B96-BE7B4B18F53E}"/>
-              </a:ext>
-            </a:extLst>
-          </p:cNvPr>
-          <p:cNvSpPr>
-            <a:spLocks noGrp="1"/>
-          </p:cNvSpPr>
-          <p:nvPr>
-            <p:ph idx="1"/>
-          </p:nvPr>
-        </p:nvSpPr>
-        <p:spPr>
-          <a:xfrm>
-            <a:off x="1451579" y="2015732"/>
-            <a:ext cx="9603275" cy="4117439"/>
-          </a:xfrm>
-        </p:spPr>
-        <p:txBody>
-          <a:bodyPr>
-            <a:normAutofit lnSpcReduction="10000"/>
-          </a:bodyPr>
-          <a:lstStyle/>
-          <a:p>
-            <a:r>
-              <a:rPr lang="en-US" dirty="0"/>
-              <a:t>The other new type of layer is a pooling layer. </a:t>
-            </a:r>
-          </a:p>
-          <a:p>
-            <a:r>
-              <a:rPr lang="en-US" dirty="0"/>
-              <a:t>Pooling layers “down sample” the images passed to them. </a:t>
-            </a:r>
-          </a:p>
-          <a:p>
-            <a:pPr lvl="1"/>
-            <a:r>
-              <a:rPr lang="en-US" dirty="0"/>
-              <a:t>I.e. Reduces the resolution of the image. </a:t>
-            </a:r>
-          </a:p>
-          <a:p>
-            <a:r>
-              <a:rPr lang="en-US" dirty="0"/>
-              <a:t>Reduces amount of data to process, which can be large. </a:t>
-            </a:r>
-          </a:p>
-          <a:p>
-            <a:r>
-              <a:rPr lang="en-US" dirty="0"/>
-              <a:t>Makes features seen in the convolutional layer more generalizable:</a:t>
-            </a:r>
-          </a:p>
-          <a:p>
-            <a:pPr lvl="1"/>
-            <a:r>
-              <a:rPr lang="en-US" dirty="0"/>
-              <a:t>E.g. every edge won’t look exactly the same, but they’ll resemble each other. </a:t>
-            </a:r>
-          </a:p>
-          <a:p>
-            <a:pPr lvl="1"/>
-            <a:r>
-              <a:rPr lang="en-US" dirty="0"/>
-              <a:t>Intuitively, think of a sharp images of two people, it is easy to differentiate them. Now think of blurrier pictures (e.g. they are in the background of a photo) – the differences fade and they look more similar. </a:t>
-            </a:r>
-          </a:p>
-          <a:p>
-            <a:pPr lvl="1"/>
-            <a:r>
-              <a:rPr lang="en-US" dirty="0"/>
-              <a:t>The above is the goal – identify edges, circles, head shapes, </a:t>
-            </a:r>
-            <a:r>
-              <a:rPr lang="en-US" dirty="0" err="1"/>
-              <a:t>etc</a:t>
-            </a:r>
-            <a:r>
-              <a:rPr lang="en-US" dirty="0"/>
-              <a:t>… in their general form. </a:t>
-            </a:r>
-          </a:p>
-        </p:txBody>
-      </p:sp>
-    </p:spTree>
-    <p:extLst>
-      <p:ext uri="{BB962C8B-B14F-4D97-AF65-F5344CB8AC3E}">
-        <p14:creationId xmlns:p14="http://schemas.microsoft.com/office/powerpoint/2010/main" val="285721268"/>
-      </p:ext>
-    </p:extLst>
-  </p:cSld>
-  <p:clrMapOvr>
-    <a:masterClrMapping/>
-  </p:clrMapOvr>
-</p:sld>
-</file>
-
 <file path=ppt/slides/slide21.xml><?xml version="1.0" encoding="utf-8"?>
 <p:sld xmlns:a="http://schemas.openxmlformats.org/drawingml/2006/main" xmlns:r="http://schemas.openxmlformats.org/officeDocument/2006/relationships" xmlns:p="http://schemas.openxmlformats.org/presentationml/2006/main">
   <p:cSld>
@@ -5544,7 +5523,7 @@
           <p:cNvPr id="2" name="Title 1">
             <a:extLst>
               <a:ext uri="{FF2B5EF4-FFF2-40B4-BE49-F238E27FC236}">
-                <a16:creationId xmlns:a16="http://schemas.microsoft.com/office/drawing/2014/main" id="{AAA6434D-F1B0-8241-A5E2-9406155B278C}"/>
+                <a16:creationId xmlns:a16="http://schemas.microsoft.com/office/drawing/2014/main" id="{82439B48-B76E-FA43-8931-D350934B45F1}"/>
               </a:ext>
             </a:extLst>
           </p:cNvPr>
@@ -5562,7 +5541,7 @@
           <a:p>
             <a:r>
               <a:rPr lang="en-US" dirty="0"/>
-              <a:t>Batch Normalization</a:t>
+              <a:t>Pooling</a:t>
             </a:r>
           </a:p>
         </p:txBody>
@@ -5572,7 +5551,7 @@
           <p:cNvPr id="3" name="Content Placeholder 2">
             <a:extLst>
               <a:ext uri="{FF2B5EF4-FFF2-40B4-BE49-F238E27FC236}">
-                <a16:creationId xmlns:a16="http://schemas.microsoft.com/office/drawing/2014/main" id="{095ABC4B-532E-B641-9900-2BD7C61B478F}"/>
+                <a16:creationId xmlns:a16="http://schemas.microsoft.com/office/drawing/2014/main" id="{7BAECDE2-7DFA-2140-8B96-BE7B4B18F53E}"/>
               </a:ext>
             </a:extLst>
           </p:cNvPr>
@@ -5585,23 +5564,73 @@
         </p:nvSpPr>
         <p:spPr>
           <a:xfrm>
-            <a:off x="1451579" y="1853754"/>
-            <a:ext cx="9603275" cy="3612591"/>
+            <a:off x="1451579" y="2015732"/>
+            <a:ext cx="9603275" cy="4117439"/>
           </a:xfrm>
         </p:spPr>
         <p:txBody>
-          <a:bodyPr/>
-          <a:lstStyle/>
-          <a:p>
-            <a:r>
-              <a:rPr lang="en-US" dirty="0"/>
-              <a:t>Batch normalization is a common step used in CNNs. </a:t>
-            </a:r>
-          </a:p>
-          <a:p>
-            <a:r>
-              <a:rPr lang="en-US" dirty="0"/>
-              <a:t>Standardizes the data between layer and activation. </a:t>
+          <a:bodyPr>
+            <a:normAutofit lnSpcReduction="10000"/>
+          </a:bodyPr>
+          <a:lstStyle/>
+          <a:p>
+            <a:r>
+              <a:rPr lang="en-US" dirty="0"/>
+              <a:t>The other new type of layer is a pooling layer. </a:t>
+            </a:r>
+          </a:p>
+          <a:p>
+            <a:r>
+              <a:rPr lang="en-US" dirty="0"/>
+              <a:t>Pooling layers “down sample” the images passed to them. </a:t>
+            </a:r>
+          </a:p>
+          <a:p>
+            <a:pPr lvl="1"/>
+            <a:r>
+              <a:rPr lang="en-US" dirty="0"/>
+              <a:t>I.e. Reduces the resolution of the image. </a:t>
+            </a:r>
+          </a:p>
+          <a:p>
+            <a:r>
+              <a:rPr lang="en-US" dirty="0"/>
+              <a:t>Reduces amount of data to process, which can be large. </a:t>
+            </a:r>
+          </a:p>
+          <a:p>
+            <a:r>
+              <a:rPr lang="en-US" dirty="0"/>
+              <a:t>Makes features seen in the convolutional layer more generalizable:</a:t>
+            </a:r>
+          </a:p>
+          <a:p>
+            <a:pPr lvl="1"/>
+            <a:r>
+              <a:rPr lang="en-US" dirty="0"/>
+              <a:t>E.g. every edge won’t look exactly the same, but they’ll resemble each other. </a:t>
+            </a:r>
+          </a:p>
+          <a:p>
+            <a:pPr lvl="1"/>
+            <a:r>
+              <a:rPr lang="en-US" dirty="0"/>
+              <a:t>Intuitively, think of a sharp images of two people, it is easy to differentiate them. Now think of blurrier pictures (e.g. they are in the background of a photo) – the differences fade and they look more similar. </a:t>
+            </a:r>
+          </a:p>
+          <a:p>
+            <a:pPr lvl="1"/>
+            <a:r>
+              <a:rPr lang="en-US" dirty="0"/>
+              <a:t>The above is the goal – identify edges, circles, head shapes, </a:t>
+            </a:r>
+            <a:r>
+              <a:rPr lang="en-US" dirty="0" err="1"/>
+              <a:t>etc</a:t>
+            </a:r>
+            <a:r>
+              <a:rPr lang="en-US" dirty="0"/>
+              <a:t>… in their general form. </a:t>
             </a:r>
           </a:p>
         </p:txBody>
@@ -5609,7 +5638,7 @@
     </p:spTree>
     <p:extLst>
       <p:ext uri="{BB962C8B-B14F-4D97-AF65-F5344CB8AC3E}">
-        <p14:creationId xmlns:p14="http://schemas.microsoft.com/office/powerpoint/2010/main" val="2557233317"/>
+        <p14:creationId xmlns:p14="http://schemas.microsoft.com/office/powerpoint/2010/main" val="285721268"/>
       </p:ext>
     </p:extLst>
   </p:cSld>
@@ -5641,7 +5670,7 @@
           <p:cNvPr id="2" name="Title 1">
             <a:extLst>
               <a:ext uri="{FF2B5EF4-FFF2-40B4-BE49-F238E27FC236}">
-                <a16:creationId xmlns:a16="http://schemas.microsoft.com/office/drawing/2014/main" id="{03771A9C-C120-464F-975D-15A7A52C9BBE}"/>
+                <a16:creationId xmlns:a16="http://schemas.microsoft.com/office/drawing/2014/main" id="{6C5F180D-765D-024B-B502-7E5432F846E8}"/>
               </a:ext>
             </a:extLst>
           </p:cNvPr>
@@ -5658,8 +5687,8 @@
           <a:lstStyle/>
           <a:p>
             <a:r>
-              <a:rPr lang="en-US" dirty="0"/>
-              <a:t>Convolutional Portion</a:t>
+              <a:rPr lang="en-US"/>
+              <a:t>Pooling</a:t>
             </a:r>
           </a:p>
         </p:txBody>
@@ -5669,7 +5698,7 @@
           <p:cNvPr id="3" name="Content Placeholder 2">
             <a:extLst>
               <a:ext uri="{FF2B5EF4-FFF2-40B4-BE49-F238E27FC236}">
-                <a16:creationId xmlns:a16="http://schemas.microsoft.com/office/drawing/2014/main" id="{3BEFB6C6-C30E-A34C-80CD-1114FFB7AFC1}"/>
+                <a16:creationId xmlns:a16="http://schemas.microsoft.com/office/drawing/2014/main" id="{2B7E718D-D621-A247-A674-26ACBD4EDB30}"/>
               </a:ext>
             </a:extLst>
           </p:cNvPr>
@@ -5685,34 +5714,14 @@
           <a:bodyPr/>
           <a:lstStyle/>
           <a:p>
-            <a:r>
-              <a:rPr lang="en-US" dirty="0"/>
-              <a:t>The convolutional parts of a CNN normally repeat this through several layers:</a:t>
-            </a:r>
-          </a:p>
-          <a:p>
-            <a:pPr lvl="1"/>
-            <a:r>
-              <a:rPr lang="en-US" dirty="0"/>
-              <a:t>Convolutional layer finds component image features. </a:t>
-            </a:r>
-          </a:p>
-          <a:p>
-            <a:pPr lvl="1"/>
-            <a:r>
-              <a:rPr lang="en-US" dirty="0"/>
-              <a:t>Pooling layer generalizes. </a:t>
-            </a:r>
-          </a:p>
-          <a:p>
-            <a:endParaRPr lang="en-US" dirty="0"/>
+            <a:endParaRPr lang="en-US"/>
           </a:p>
         </p:txBody>
       </p:sp>
     </p:spTree>
     <p:extLst>
       <p:ext uri="{BB962C8B-B14F-4D97-AF65-F5344CB8AC3E}">
-        <p14:creationId xmlns:p14="http://schemas.microsoft.com/office/powerpoint/2010/main" val="2981774519"/>
+        <p14:creationId xmlns:p14="http://schemas.microsoft.com/office/powerpoint/2010/main" val="2655928309"/>
       </p:ext>
     </p:extLst>
   </p:cSld>
@@ -5744,6 +5753,206 @@
           <p:cNvPr id="2" name="Title 1">
             <a:extLst>
               <a:ext uri="{FF2B5EF4-FFF2-40B4-BE49-F238E27FC236}">
+                <a16:creationId xmlns:a16="http://schemas.microsoft.com/office/drawing/2014/main" id="{AAA6434D-F1B0-8241-A5E2-9406155B278C}"/>
+              </a:ext>
+            </a:extLst>
+          </p:cNvPr>
+          <p:cNvSpPr>
+            <a:spLocks noGrp="1"/>
+          </p:cNvSpPr>
+          <p:nvPr>
+            <p:ph type="title"/>
+          </p:nvPr>
+        </p:nvSpPr>
+        <p:spPr/>
+        <p:txBody>
+          <a:bodyPr/>
+          <a:lstStyle/>
+          <a:p>
+            <a:r>
+              <a:rPr lang="en-US" dirty="0"/>
+              <a:t>Batch Normalization</a:t>
+            </a:r>
+          </a:p>
+        </p:txBody>
+      </p:sp>
+      <p:sp>
+        <p:nvSpPr>
+          <p:cNvPr id="3" name="Content Placeholder 2">
+            <a:extLst>
+              <a:ext uri="{FF2B5EF4-FFF2-40B4-BE49-F238E27FC236}">
+                <a16:creationId xmlns:a16="http://schemas.microsoft.com/office/drawing/2014/main" id="{095ABC4B-532E-B641-9900-2BD7C61B478F}"/>
+              </a:ext>
+            </a:extLst>
+          </p:cNvPr>
+          <p:cNvSpPr>
+            <a:spLocks noGrp="1"/>
+          </p:cNvSpPr>
+          <p:nvPr>
+            <p:ph idx="1"/>
+          </p:nvPr>
+        </p:nvSpPr>
+        <p:spPr>
+          <a:xfrm>
+            <a:off x="1451579" y="1853754"/>
+            <a:ext cx="9603275" cy="3612591"/>
+          </a:xfrm>
+        </p:spPr>
+        <p:txBody>
+          <a:bodyPr/>
+          <a:lstStyle/>
+          <a:p>
+            <a:r>
+              <a:rPr lang="en-US" dirty="0"/>
+              <a:t>Batch normalization is a common step used in CNNs. </a:t>
+            </a:r>
+          </a:p>
+          <a:p>
+            <a:r>
+              <a:rPr lang="en-US" dirty="0"/>
+              <a:t>Standardizes the data between layer and activation. </a:t>
+            </a:r>
+          </a:p>
+        </p:txBody>
+      </p:sp>
+    </p:spTree>
+    <p:extLst>
+      <p:ext uri="{BB962C8B-B14F-4D97-AF65-F5344CB8AC3E}">
+        <p14:creationId xmlns:p14="http://schemas.microsoft.com/office/powerpoint/2010/main" val="2557233317"/>
+      </p:ext>
+    </p:extLst>
+  </p:cSld>
+  <p:clrMapOvr>
+    <a:masterClrMapping/>
+  </p:clrMapOvr>
+</p:sld>
+</file>
+
+<file path=ppt/slides/slide24.xml><?xml version="1.0" encoding="utf-8"?>
+<p:sld xmlns:a="http://schemas.openxmlformats.org/drawingml/2006/main" xmlns:r="http://schemas.openxmlformats.org/officeDocument/2006/relationships" xmlns:p="http://schemas.openxmlformats.org/presentationml/2006/main">
+  <p:cSld>
+    <p:spTree>
+      <p:nvGrpSpPr>
+        <p:cNvPr id="1" name=""/>
+        <p:cNvGrpSpPr/>
+        <p:nvPr/>
+      </p:nvGrpSpPr>
+      <p:grpSpPr>
+        <a:xfrm>
+          <a:off x="0" y="0"/>
+          <a:ext cx="0" cy="0"/>
+          <a:chOff x="0" y="0"/>
+          <a:chExt cx="0" cy="0"/>
+        </a:xfrm>
+      </p:grpSpPr>
+      <p:sp>
+        <p:nvSpPr>
+          <p:cNvPr id="2" name="Title 1">
+            <a:extLst>
+              <a:ext uri="{FF2B5EF4-FFF2-40B4-BE49-F238E27FC236}">
+                <a16:creationId xmlns:a16="http://schemas.microsoft.com/office/drawing/2014/main" id="{03771A9C-C120-464F-975D-15A7A52C9BBE}"/>
+              </a:ext>
+            </a:extLst>
+          </p:cNvPr>
+          <p:cNvSpPr>
+            <a:spLocks noGrp="1"/>
+          </p:cNvSpPr>
+          <p:nvPr>
+            <p:ph type="title"/>
+          </p:nvPr>
+        </p:nvSpPr>
+        <p:spPr/>
+        <p:txBody>
+          <a:bodyPr/>
+          <a:lstStyle/>
+          <a:p>
+            <a:r>
+              <a:rPr lang="en-US" dirty="0"/>
+              <a:t>Convolutional Portion</a:t>
+            </a:r>
+          </a:p>
+        </p:txBody>
+      </p:sp>
+      <p:sp>
+        <p:nvSpPr>
+          <p:cNvPr id="3" name="Content Placeholder 2">
+            <a:extLst>
+              <a:ext uri="{FF2B5EF4-FFF2-40B4-BE49-F238E27FC236}">
+                <a16:creationId xmlns:a16="http://schemas.microsoft.com/office/drawing/2014/main" id="{3BEFB6C6-C30E-A34C-80CD-1114FFB7AFC1}"/>
+              </a:ext>
+            </a:extLst>
+          </p:cNvPr>
+          <p:cNvSpPr>
+            <a:spLocks noGrp="1"/>
+          </p:cNvSpPr>
+          <p:nvPr>
+            <p:ph idx="1"/>
+          </p:nvPr>
+        </p:nvSpPr>
+        <p:spPr/>
+        <p:txBody>
+          <a:bodyPr/>
+          <a:lstStyle/>
+          <a:p>
+            <a:r>
+              <a:rPr lang="en-US" dirty="0"/>
+              <a:t>The convolutional parts of a CNN normally repeat this through several layers:</a:t>
+            </a:r>
+          </a:p>
+          <a:p>
+            <a:pPr lvl="1"/>
+            <a:r>
+              <a:rPr lang="en-US" dirty="0"/>
+              <a:t>Convolutional layer finds component image features. </a:t>
+            </a:r>
+          </a:p>
+          <a:p>
+            <a:pPr lvl="1"/>
+            <a:r>
+              <a:rPr lang="en-US" dirty="0"/>
+              <a:t>Pooling layer generalizes. </a:t>
+            </a:r>
+          </a:p>
+          <a:p>
+            <a:endParaRPr lang="en-US" dirty="0"/>
+          </a:p>
+        </p:txBody>
+      </p:sp>
+    </p:spTree>
+    <p:extLst>
+      <p:ext uri="{BB962C8B-B14F-4D97-AF65-F5344CB8AC3E}">
+        <p14:creationId xmlns:p14="http://schemas.microsoft.com/office/powerpoint/2010/main" val="2981774519"/>
+      </p:ext>
+    </p:extLst>
+  </p:cSld>
+  <p:clrMapOvr>
+    <a:masterClrMapping/>
+  </p:clrMapOvr>
+</p:sld>
+</file>
+
+<file path=ppt/slides/slide25.xml><?xml version="1.0" encoding="utf-8"?>
+<p:sld xmlns:a="http://schemas.openxmlformats.org/drawingml/2006/main" xmlns:r="http://schemas.openxmlformats.org/officeDocument/2006/relationships" xmlns:p="http://schemas.openxmlformats.org/presentationml/2006/main">
+  <p:cSld>
+    <p:spTree>
+      <p:nvGrpSpPr>
+        <p:cNvPr id="1" name=""/>
+        <p:cNvGrpSpPr/>
+        <p:nvPr/>
+      </p:nvGrpSpPr>
+      <p:grpSpPr>
+        <a:xfrm>
+          <a:off x="0" y="0"/>
+          <a:ext cx="0" cy="0"/>
+          <a:chOff x="0" y="0"/>
+          <a:chExt cx="0" cy="0"/>
+        </a:xfrm>
+      </p:grpSpPr>
+      <p:sp>
+        <p:nvSpPr>
+          <p:cNvPr id="2" name="Title 1">
+            <a:extLst>
+              <a:ext uri="{FF2B5EF4-FFF2-40B4-BE49-F238E27FC236}">
                 <a16:creationId xmlns:a16="http://schemas.microsoft.com/office/drawing/2014/main" id="{FBA22446-0940-1C4C-A480-6DE6DD8AA8D8}"/>
               </a:ext>
             </a:extLst>
@@ -5915,7 +6124,7 @@
 </p:sld>
 </file>
 
-<file path=ppt/slides/slide24.xml><?xml version="1.0" encoding="utf-8"?>
+<file path=ppt/slides/slide26.xml><?xml version="1.0" encoding="utf-8"?>
 <p:sld xmlns:a="http://schemas.openxmlformats.org/drawingml/2006/main" xmlns:r="http://schemas.openxmlformats.org/officeDocument/2006/relationships" xmlns:p="http://schemas.openxmlformats.org/presentationml/2006/main">
   <p:cSld>
     <p:spTree>
@@ -6079,7 +6288,7 @@
 </p:sld>
 </file>
 
-<file path=ppt/slides/slide25.xml><?xml version="1.0" encoding="utf-8"?>
+<file path=ppt/slides/slide27.xml><?xml version="1.0" encoding="utf-8"?>
 <p:sld xmlns:a="http://schemas.openxmlformats.org/drawingml/2006/main" xmlns:r="http://schemas.openxmlformats.org/officeDocument/2006/relationships" xmlns:p="http://schemas.openxmlformats.org/presentationml/2006/main">
   <p:cSld>
     <p:spTree>
@@ -6514,6 +6723,135 @@
 </file>
 
 <file path=ppt/slides/slide5.xml><?xml version="1.0" encoding="utf-8"?>
+<p:sld xmlns:a="http://schemas.openxmlformats.org/drawingml/2006/main" xmlns:r="http://schemas.openxmlformats.org/officeDocument/2006/relationships" xmlns:p="http://schemas.openxmlformats.org/presentationml/2006/main">
+  <p:cSld>
+    <p:spTree>
+      <p:nvGrpSpPr>
+        <p:cNvPr id="1" name=""/>
+        <p:cNvGrpSpPr/>
+        <p:nvPr/>
+      </p:nvGrpSpPr>
+      <p:grpSpPr>
+        <a:xfrm>
+          <a:off x="0" y="0"/>
+          <a:ext cx="0" cy="0"/>
+          <a:chOff x="0" y="0"/>
+          <a:chExt cx="0" cy="0"/>
+        </a:xfrm>
+      </p:grpSpPr>
+      <p:sp>
+        <p:nvSpPr>
+          <p:cNvPr id="2" name="Title 1">
+            <a:extLst>
+              <a:ext uri="{FF2B5EF4-FFF2-40B4-BE49-F238E27FC236}">
+                <a16:creationId xmlns:a16="http://schemas.microsoft.com/office/drawing/2014/main" id="{E179639E-D8B6-CB40-91C6-3D99651A369B}"/>
+              </a:ext>
+            </a:extLst>
+          </p:cNvPr>
+          <p:cNvSpPr>
+            <a:spLocks noGrp="1"/>
+          </p:cNvSpPr>
+          <p:nvPr>
+            <p:ph type="title"/>
+          </p:nvPr>
+        </p:nvSpPr>
+        <p:spPr/>
+        <p:txBody>
+          <a:bodyPr/>
+          <a:lstStyle/>
+          <a:p>
+            <a:r>
+              <a:rPr lang="en-US" dirty="0"/>
+              <a:t>Hinge Loss</a:t>
+            </a:r>
+          </a:p>
+        </p:txBody>
+      </p:sp>
+      <p:sp>
+        <p:nvSpPr>
+          <p:cNvPr id="3" name="Content Placeholder 2">
+            <a:extLst>
+              <a:ext uri="{FF2B5EF4-FFF2-40B4-BE49-F238E27FC236}">
+                <a16:creationId xmlns:a16="http://schemas.microsoft.com/office/drawing/2014/main" id="{72208AE0-52A3-194A-B3E7-60A25894A3EF}"/>
+              </a:ext>
+            </a:extLst>
+          </p:cNvPr>
+          <p:cNvSpPr>
+            <a:spLocks noGrp="1"/>
+          </p:cNvSpPr>
+          <p:nvPr>
+            <p:ph idx="1"/>
+          </p:nvPr>
+        </p:nvSpPr>
+        <p:spPr/>
+        <p:txBody>
+          <a:bodyPr/>
+          <a:lstStyle/>
+          <a:p>
+            <a:r>
+              <a:rPr lang="en-US" dirty="0"/>
+              <a:t>Hinge loss is another common loss for classifications. </a:t>
+            </a:r>
+          </a:p>
+          <a:p>
+            <a:pPr lvl="1"/>
+            <a:r>
+              <a:rPr lang="en-US" dirty="0"/>
+              <a:t>Sometimes referred to as SVM loss. </a:t>
+            </a:r>
+          </a:p>
+          <a:p>
+            <a:r>
+              <a:rPr lang="en-US" dirty="0"/>
+              <a:t>Hinge loss </a:t>
+            </a:r>
+          </a:p>
+        </p:txBody>
+      </p:sp>
+      <p:pic>
+        <p:nvPicPr>
+          <p:cNvPr id="4" name="Picture 3">
+            <a:extLst>
+              <a:ext uri="{FF2B5EF4-FFF2-40B4-BE49-F238E27FC236}">
+                <a16:creationId xmlns:a16="http://schemas.microsoft.com/office/drawing/2014/main" id="{E77C7464-381A-074B-8F03-589069D6E3D6}"/>
+              </a:ext>
+            </a:extLst>
+          </p:cNvPr>
+          <p:cNvPicPr>
+            <a:picLocks noChangeAspect="1"/>
+          </p:cNvPicPr>
+          <p:nvPr/>
+        </p:nvPicPr>
+        <p:blipFill>
+          <a:blip r:embed="rId2"/>
+          <a:stretch>
+            <a:fillRect/>
+          </a:stretch>
+        </p:blipFill>
+        <p:spPr>
+          <a:xfrm>
+            <a:off x="8748485" y="721062"/>
+            <a:ext cx="1574800" cy="419100"/>
+          </a:xfrm>
+          <a:prstGeom prst="rect">
+            <a:avLst/>
+          </a:prstGeom>
+        </p:spPr>
+      </p:pic>
+    </p:spTree>
+    <p:extLst>
+      <p:ext uri="{BB962C8B-B14F-4D97-AF65-F5344CB8AC3E}">
+        <p14:creationId xmlns:p14="http://schemas.microsoft.com/office/powerpoint/2010/main" val="78068358"/>
+      </p:ext>
+    </p:extLst>
+  </p:cSld>
+  <p:clrMapOvr>
+    <a:masterClrMapping/>
+  </p:clrMapOvr>
+</p:sld>
+</file>
+
+<file path=ppt/slides/slide6.xml><?xml version="1.0" encoding="utf-8"?>
 <p:sld xmlns:a="http://schemas.openxmlformats.org/drawingml/2006/main" xmlns:r="http://schemas.openxmlformats.org/officeDocument/2006/relationships" xmlns:p="http://schemas.openxmlformats.org/presentationml/2006/main">
   <p:cSld>
     <p:spTree>
@@ -7007,7 +7345,7 @@
 </p:sld>
 </file>
 
-<file path=ppt/slides/slide6.xml><?xml version="1.0" encoding="utf-8"?>
+<file path=ppt/slides/slide7.xml><?xml version="1.0" encoding="utf-8"?>
 <p:sld xmlns:a="http://schemas.openxmlformats.org/drawingml/2006/main" xmlns:r="http://schemas.openxmlformats.org/officeDocument/2006/relationships" xmlns:p="http://schemas.openxmlformats.org/presentationml/2006/main">
   <p:cSld>
     <p:bg>
@@ -7255,7 +7593,7 @@
 </p:sld>
 </file>
 
-<file path=ppt/slides/slide7.xml><?xml version="1.0" encoding="utf-8"?>
+<file path=ppt/slides/slide8.xml><?xml version="1.0" encoding="utf-8"?>
 <p:sld xmlns:a="http://schemas.openxmlformats.org/drawingml/2006/main" xmlns:r="http://schemas.openxmlformats.org/officeDocument/2006/relationships" xmlns:p="http://schemas.openxmlformats.org/presentationml/2006/main">
   <p:cSld>
     <p:spTree>
@@ -7443,136 +7781,6 @@
 </p:sld>
 </file>
 
-<file path=ppt/slides/slide8.xml><?xml version="1.0" encoding="utf-8"?>
-<p:sld xmlns:a="http://schemas.openxmlformats.org/drawingml/2006/main" xmlns:r="http://schemas.openxmlformats.org/officeDocument/2006/relationships" xmlns:p="http://schemas.openxmlformats.org/presentationml/2006/main">
-  <p:cSld>
-    <p:spTree>
-      <p:nvGrpSpPr>
-        <p:cNvPr id="1" name=""/>
-        <p:cNvGrpSpPr/>
-        <p:nvPr/>
-      </p:nvGrpSpPr>
-      <p:grpSpPr>
-        <a:xfrm>
-          <a:off x="0" y="0"/>
-          <a:ext cx="0" cy="0"/>
-          <a:chOff x="0" y="0"/>
-          <a:chExt cx="0" cy="0"/>
-        </a:xfrm>
-      </p:grpSpPr>
-      <p:sp>
-        <p:nvSpPr>
-          <p:cNvPr id="2" name="Title 1">
-            <a:extLst>
-              <a:ext uri="{FF2B5EF4-FFF2-40B4-BE49-F238E27FC236}">
-                <a16:creationId xmlns:a16="http://schemas.microsoft.com/office/drawing/2014/main" id="{A9DF2AF1-B6CB-F74F-B8D0-3ABC4C802CB1}"/>
-              </a:ext>
-            </a:extLst>
-          </p:cNvPr>
-          <p:cNvSpPr>
-            <a:spLocks noGrp="1"/>
-          </p:cNvSpPr>
-          <p:nvPr>
-            <p:ph type="title"/>
-          </p:nvPr>
-        </p:nvSpPr>
-        <p:spPr/>
-        <p:txBody>
-          <a:bodyPr/>
-          <a:lstStyle/>
-          <a:p>
-            <a:r>
-              <a:rPr lang="en-US" dirty="0"/>
-              <a:t>Images in Neural Networks</a:t>
-            </a:r>
-          </a:p>
-        </p:txBody>
-      </p:sp>
-      <p:sp>
-        <p:nvSpPr>
-          <p:cNvPr id="3" name="Content Placeholder 2">
-            <a:extLst>
-              <a:ext uri="{FF2B5EF4-FFF2-40B4-BE49-F238E27FC236}">
-                <a16:creationId xmlns:a16="http://schemas.microsoft.com/office/drawing/2014/main" id="{C46F2DBC-406F-2840-82C9-58C0B16CC630}"/>
-              </a:ext>
-            </a:extLst>
-          </p:cNvPr>
-          <p:cNvSpPr>
-            <a:spLocks noGrp="1"/>
-          </p:cNvSpPr>
-          <p:nvPr>
-            <p:ph idx="1"/>
-          </p:nvPr>
-        </p:nvSpPr>
-        <p:spPr>
-          <a:xfrm>
-            <a:off x="1451579" y="2015732"/>
-            <a:ext cx="9603275" cy="4037749"/>
-          </a:xfrm>
-        </p:spPr>
-        <p:txBody>
-          <a:bodyPr/>
-          <a:lstStyle/>
-          <a:p>
-            <a:r>
-              <a:rPr lang="en-US" dirty="0"/>
-              <a:t>Image recognition is one of the big leaders in modern neural networks. </a:t>
-            </a:r>
-          </a:p>
-          <a:p>
-            <a:r>
-              <a:rPr lang="en-US" dirty="0"/>
-              <a:t>Can be far more accurate, especially in big data. </a:t>
-            </a:r>
-          </a:p>
-          <a:p>
-            <a:r>
-              <a:rPr lang="en-US" dirty="0"/>
-              <a:t>Images have spatial relationships not well represented in linear arrays:</a:t>
-            </a:r>
-          </a:p>
-          <a:p>
-            <a:pPr lvl="1"/>
-            <a:r>
-              <a:rPr lang="en-US" dirty="0"/>
-              <a:t>E.g. a bike has two wheels, and a triangle in between. </a:t>
-            </a:r>
-          </a:p>
-          <a:p>
-            <a:pPr lvl="1"/>
-            <a:r>
-              <a:rPr lang="en-US" dirty="0"/>
-              <a:t>It doesn’t matter where in an image this object is, only the location relative each other. </a:t>
-            </a:r>
-          </a:p>
-          <a:p>
-            <a:r>
-              <a:rPr lang="en-US" dirty="0"/>
-              <a:t>Convolutional neural networks are able to examine images in a way that captures spatial relationships. </a:t>
-            </a:r>
-          </a:p>
-          <a:p>
-            <a:pPr lvl="1"/>
-            <a:r>
-              <a:rPr lang="en-US" dirty="0"/>
-              <a:t>The deep networks from last time that do well at image recognition are CNNs. </a:t>
-            </a:r>
-          </a:p>
-        </p:txBody>
-      </p:sp>
-    </p:spTree>
-    <p:extLst>
-      <p:ext uri="{BB962C8B-B14F-4D97-AF65-F5344CB8AC3E}">
-        <p14:creationId xmlns:p14="http://schemas.microsoft.com/office/powerpoint/2010/main" val="4171629867"/>
-      </p:ext>
-    </p:extLst>
-  </p:cSld>
-  <p:clrMapOvr>
-    <a:masterClrMapping/>
-  </p:clrMapOvr>
-</p:sld>
-</file>
-
 <file path=ppt/slides/slide9.xml><?xml version="1.0" encoding="utf-8"?>
 <p:sld xmlns:a="http://schemas.openxmlformats.org/drawingml/2006/main" xmlns:r="http://schemas.openxmlformats.org/officeDocument/2006/relationships" xmlns:p="http://schemas.openxmlformats.org/presentationml/2006/main">
   <p:cSld>
@@ -7595,7 +7803,7 @@
           <p:cNvPr id="2" name="Title 1">
             <a:extLst>
               <a:ext uri="{FF2B5EF4-FFF2-40B4-BE49-F238E27FC236}">
-                <a16:creationId xmlns:a16="http://schemas.microsoft.com/office/drawing/2014/main" id="{2C9214A3-F495-2840-89CA-9D2DF72B8616}"/>
+                <a16:creationId xmlns:a16="http://schemas.microsoft.com/office/drawing/2014/main" id="{A9DF2AF1-B6CB-F74F-B8D0-3ABC4C802CB1}"/>
               </a:ext>
             </a:extLst>
           </p:cNvPr>
@@ -7613,7 +7821,7 @@
           <a:p>
             <a:r>
               <a:rPr lang="en-US" dirty="0"/>
-              <a:t>Convolutional Neural Networks (CNN)</a:t>
+              <a:t>Images in Neural Networks</a:t>
             </a:r>
           </a:p>
         </p:txBody>
@@ -7623,7 +7831,7 @@
           <p:cNvPr id="3" name="Content Placeholder 2">
             <a:extLst>
               <a:ext uri="{FF2B5EF4-FFF2-40B4-BE49-F238E27FC236}">
-                <a16:creationId xmlns:a16="http://schemas.microsoft.com/office/drawing/2014/main" id="{FAF6FFA3-7135-8741-8D1E-810E84584270}"/>
+                <a16:creationId xmlns:a16="http://schemas.microsoft.com/office/drawing/2014/main" id="{C46F2DBC-406F-2840-82C9-58C0B16CC630}"/>
               </a:ext>
             </a:extLst>
           </p:cNvPr>
@@ -7637,7 +7845,7 @@
         <p:spPr>
           <a:xfrm>
             <a:off x="1451579" y="2015732"/>
-            <a:ext cx="9603275" cy="4206164"/>
+            <a:ext cx="9603275" cy="4037749"/>
           </a:xfrm>
         </p:spPr>
         <p:txBody>
@@ -7646,40 +7854,46 @@
           <a:p>
             <a:r>
               <a:rPr lang="en-US" dirty="0"/>
-              <a:t>A CNN is a different variation of neural network that does well with images.</a:t>
+              <a:t>Image recognition is one of the big leaders in modern neural networks. </a:t>
+            </a:r>
+          </a:p>
+          <a:p>
+            <a:r>
+              <a:rPr lang="en-US" dirty="0"/>
+              <a:t>Can be far more accurate, especially in big data. </a:t>
+            </a:r>
+          </a:p>
+          <a:p>
+            <a:r>
+              <a:rPr lang="en-US" dirty="0"/>
+              <a:t>Images have spatial relationships not well represented in linear arrays:</a:t>
             </a:r>
           </a:p>
           <a:p>
             <a:pPr lvl="1"/>
             <a:r>
               <a:rPr lang="en-US" dirty="0"/>
-              <a:t>Until now we’ve used “standard” dense neural networks. Feed-forward. </a:t>
-            </a:r>
-          </a:p>
-          <a:p>
-            <a:r>
-              <a:rPr lang="en-US" dirty="0"/>
-              <a:t>CNN is based on the concept of “convolution”, a mathematical technique:</a:t>
+              <a:t>E.g. a bike has two wheels, and a triangle in between. </a:t>
             </a:r>
           </a:p>
           <a:p>
             <a:pPr lvl="1"/>
             <a:r>
               <a:rPr lang="en-US" dirty="0"/>
-              <a:t>Convolution is a mathematical operation on two functions that produces a third function that expresses how the shape of one is modified by the other.</a:t>
-            </a:r>
-          </a:p>
-          <a:p>
-            <a:r>
-              <a:rPr lang="en-US" dirty="0"/>
-              <a:t>For our purposes CNN has a small window (kernel/filter) that looks at one section of an image (e.g. 5 x 5), transforms that for an output, and slides pixel by pixel (stride) over the entire image. </a:t>
+              <a:t>It doesn’t matter where in an image this object is, only the location relative each other. </a:t>
+            </a:r>
+          </a:p>
+          <a:p>
+            <a:r>
+              <a:rPr lang="en-US" dirty="0"/>
+              <a:t>Convolutional neural networks are able to examine images in a way that captures spatial relationships. </a:t>
             </a:r>
           </a:p>
           <a:p>
             <a:pPr lvl="1"/>
             <a:r>
               <a:rPr lang="en-US" dirty="0"/>
-              <a:t>Convoluted definition, simple idea to visualize…</a:t>
+              <a:t>The deep networks from last time that do well at image recognition are CNNs. </a:t>
             </a:r>
           </a:p>
         </p:txBody>
@@ -7687,7 +7901,7 @@
     </p:spTree>
     <p:extLst>
       <p:ext uri="{BB962C8B-B14F-4D97-AF65-F5344CB8AC3E}">
-        <p14:creationId xmlns:p14="http://schemas.microsoft.com/office/powerpoint/2010/main" val="197721867"/>
+        <p14:creationId xmlns:p14="http://schemas.microsoft.com/office/powerpoint/2010/main" val="4171629867"/>
       </p:ext>
     </p:extLst>
   </p:cSld>

--- a/reference_content/Slides/images_cnn.pptx
+++ b/reference_content/Slides/images_cnn.pptx
@@ -27,11 +27,13 @@
     <p:sldId id="271" r:id="rId21"/>
     <p:sldId id="272" r:id="rId22"/>
     <p:sldId id="282" r:id="rId23"/>
-    <p:sldId id="276" r:id="rId24"/>
-    <p:sldId id="273" r:id="rId25"/>
-    <p:sldId id="274" r:id="rId26"/>
-    <p:sldId id="275" r:id="rId27"/>
-    <p:sldId id="270" r:id="rId28"/>
+    <p:sldId id="284" r:id="rId24"/>
+    <p:sldId id="283" r:id="rId25"/>
+    <p:sldId id="276" r:id="rId26"/>
+    <p:sldId id="273" r:id="rId27"/>
+    <p:sldId id="274" r:id="rId28"/>
+    <p:sldId id="275" r:id="rId29"/>
+    <p:sldId id="270" r:id="rId30"/>
   </p:sldIdLst>
   <p:sldSz cx="12192000" cy="6858000"/>
   <p:notesSz cx="6858000" cy="9144000"/>
@@ -5687,7 +5689,7 @@
           <a:lstStyle/>
           <a:p>
             <a:r>
-              <a:rPr lang="en-US"/>
+              <a:rPr lang="en-US" dirty="0"/>
               <a:t>Pooling</a:t>
             </a:r>
           </a:p>
@@ -5709,12 +5711,82 @@
             <p:ph idx="1"/>
           </p:nvPr>
         </p:nvSpPr>
-        <p:spPr/>
+        <p:spPr>
+          <a:xfrm>
+            <a:off x="1451579" y="2015732"/>
+            <a:ext cx="9603275" cy="4037749"/>
+          </a:xfrm>
+        </p:spPr>
         <p:txBody>
           <a:bodyPr/>
           <a:lstStyle/>
           <a:p>
-            <a:endParaRPr lang="en-US"/>
+            <a:r>
+              <a:rPr lang="en-US" dirty="0"/>
+              <a:t>Pooling down samples, or transforms the data into a lower pixel representation. </a:t>
+            </a:r>
+          </a:p>
+          <a:p>
+            <a:r>
+              <a:rPr lang="en-US" dirty="0"/>
+              <a:t>Reduces the resolution (# of pixels) of the data, making processing easier. </a:t>
+            </a:r>
+          </a:p>
+          <a:p>
+            <a:r>
+              <a:rPr lang="en-US" dirty="0"/>
+              <a:t>Makes the characteristics found in the images more generalizable. </a:t>
+            </a:r>
+          </a:p>
+          <a:p>
+            <a:pPr lvl="1"/>
+            <a:r>
+              <a:rPr lang="en-US" dirty="0"/>
+              <a:t>The filter learns to identify some characteristic. </a:t>
+            </a:r>
+          </a:p>
+          <a:p>
+            <a:pPr lvl="1"/>
+            <a:r>
+              <a:rPr lang="en-US" dirty="0"/>
+              <a:t>We want to be able to identify said characteristic in other images. </a:t>
+            </a:r>
+          </a:p>
+          <a:p>
+            <a:pPr lvl="1"/>
+            <a:r>
+              <a:rPr lang="en-US" dirty="0"/>
+              <a:t>The pooling makes it into a lower definition representation, removing details. </a:t>
+            </a:r>
+          </a:p>
+          <a:p>
+            <a:pPr lvl="1"/>
+            <a:r>
+              <a:rPr lang="en-US" dirty="0"/>
+              <a:t>Our characteristic is now more tolerant to small changes. </a:t>
+            </a:r>
+          </a:p>
+          <a:p>
+            <a:pPr lvl="1"/>
+            <a:r>
+              <a:rPr lang="en-US" dirty="0"/>
+              <a:t>I.E. a very HD photo of a bike wheel will allow you to identify spokes, rim thickness, </a:t>
+            </a:r>
+            <a:r>
+              <a:rPr lang="en-US" dirty="0" err="1"/>
+              <a:t>etc</a:t>
+            </a:r>
+            <a:r>
+              <a:rPr lang="en-US" dirty="0"/>
+              <a:t>…</a:t>
+            </a:r>
+          </a:p>
+          <a:p>
+            <a:pPr lvl="1"/>
+            <a:r>
+              <a:rPr lang="en-US" dirty="0"/>
+              <a:t>A lower definition one will just look like a circle – this is what we (generally) want. </a:t>
+            </a:r>
           </a:p>
         </p:txBody>
       </p:sp>
@@ -5753,7 +5825,7 @@
           <p:cNvPr id="2" name="Title 1">
             <a:extLst>
               <a:ext uri="{FF2B5EF4-FFF2-40B4-BE49-F238E27FC236}">
-                <a16:creationId xmlns:a16="http://schemas.microsoft.com/office/drawing/2014/main" id="{AAA6434D-F1B0-8241-A5E2-9406155B278C}"/>
+                <a16:creationId xmlns:a16="http://schemas.microsoft.com/office/drawing/2014/main" id="{F7169BC0-7C39-4D4E-B428-EDEAAEA16D83}"/>
               </a:ext>
             </a:extLst>
           </p:cNvPr>
@@ -5769,10 +5841,7 @@
           <a:bodyPr/>
           <a:lstStyle/>
           <a:p>
-            <a:r>
-              <a:rPr lang="en-US" dirty="0"/>
-              <a:t>Batch Normalization</a:t>
-            </a:r>
+            <a:endParaRPr lang="en-US"/>
           </a:p>
         </p:txBody>
       </p:sp>
@@ -5781,7 +5850,7 @@
           <p:cNvPr id="3" name="Content Placeholder 2">
             <a:extLst>
               <a:ext uri="{FF2B5EF4-FFF2-40B4-BE49-F238E27FC236}">
-                <a16:creationId xmlns:a16="http://schemas.microsoft.com/office/drawing/2014/main" id="{095ABC4B-532E-B641-9900-2BD7C61B478F}"/>
+                <a16:creationId xmlns:a16="http://schemas.microsoft.com/office/drawing/2014/main" id="{08A783C3-5887-DB41-B5E2-29CAAB69961E}"/>
               </a:ext>
             </a:extLst>
           </p:cNvPr>
@@ -5792,33 +5861,144 @@
             <p:ph idx="1"/>
           </p:nvPr>
         </p:nvSpPr>
+        <p:spPr/>
+        <p:txBody>
+          <a:bodyPr/>
+          <a:lstStyle/>
+          <a:p>
+            <a:endParaRPr lang="en-US"/>
+          </a:p>
+        </p:txBody>
+      </p:sp>
+      <p:pic>
+        <p:nvPicPr>
+          <p:cNvPr id="7170" name="Picture 2" descr="Convolutional neural net Part 3 Downsampling">
+            <a:extLst>
+              <a:ext uri="{FF2B5EF4-FFF2-40B4-BE49-F238E27FC236}">
+                <a16:creationId xmlns:a16="http://schemas.microsoft.com/office/drawing/2014/main" id="{7DC2CE24-CF74-5E48-8F1E-F173F2BDA98E}"/>
+              </a:ext>
+            </a:extLst>
+          </p:cNvPr>
+          <p:cNvPicPr>
+            <a:picLocks noChangeAspect="1" noChangeArrowheads="1"/>
+          </p:cNvPicPr>
+          <p:nvPr/>
+        </p:nvPicPr>
+        <p:blipFill>
+          <a:blip r:embed="rId2">
+            <a:extLst>
+              <a:ext uri="{28A0092B-C50C-407E-A947-70E740481C1C}">
+                <a14:useLocalDpi xmlns:a14="http://schemas.microsoft.com/office/drawing/2010/main" val="0"/>
+              </a:ext>
+            </a:extLst>
+          </a:blip>
+          <a:srcRect/>
+          <a:stretch>
+            <a:fillRect/>
+          </a:stretch>
+        </p:blipFill>
+        <p:spPr bwMode="auto">
+          <a:xfrm>
+            <a:off x="0" y="428625"/>
+            <a:ext cx="12192000" cy="5999163"/>
+          </a:xfrm>
+          <a:prstGeom prst="rect">
+            <a:avLst/>
+          </a:prstGeom>
+          <a:noFill/>
+          <a:extLst>
+            <a:ext uri="{909E8E84-426E-40DD-AFC4-6F175D3DCCD1}">
+              <a14:hiddenFill xmlns:a14="http://schemas.microsoft.com/office/drawing/2010/main">
+                <a:solidFill>
+                  <a:srgbClr val="FFFFFF"/>
+                </a:solidFill>
+              </a14:hiddenFill>
+            </a:ext>
+          </a:extLst>
+        </p:spPr>
+      </p:pic>
+      <p:sp>
+        <p:nvSpPr>
+          <p:cNvPr id="5" name="Rectangle 4">
+            <a:extLst>
+              <a:ext uri="{FF2B5EF4-FFF2-40B4-BE49-F238E27FC236}">
+                <a16:creationId xmlns:a16="http://schemas.microsoft.com/office/drawing/2014/main" id="{5D68F2B2-BF9B-E247-9A18-A1A619BAEA81}"/>
+              </a:ext>
+            </a:extLst>
+          </p:cNvPr>
+          <p:cNvSpPr/>
+          <p:nvPr/>
+        </p:nvSpPr>
         <p:spPr>
           <a:xfrm>
-            <a:off x="1451579" y="1853754"/>
-            <a:ext cx="9603275" cy="3612591"/>
-          </a:xfrm>
+            <a:off x="3325967" y="1554067"/>
+            <a:ext cx="8035854" cy="923330"/>
+          </a:xfrm>
+          <a:prstGeom prst="rect">
+            <a:avLst/>
+          </a:prstGeom>
+          <a:noFill/>
         </p:spPr>
         <p:txBody>
-          <a:bodyPr/>
-          <a:lstStyle/>
-          <a:p>
-            <a:r>
-              <a:rPr lang="en-US" dirty="0"/>
-              <a:t>Batch normalization is a common step used in CNNs. </a:t>
-            </a:r>
-          </a:p>
-          <a:p>
-            <a:r>
-              <a:rPr lang="en-US" dirty="0"/>
-              <a:t>Standardizes the data between layer and activation. </a:t>
-            </a:r>
+          <a:bodyPr wrap="none" lIns="91440" tIns="45720" rIns="91440" bIns="45720">
+            <a:spAutoFit/>
+          </a:bodyPr>
+          <a:lstStyle/>
+          <a:p>
+            <a:pPr algn="ctr"/>
+            <a:r>
+              <a:rPr lang="en-US" sz="5400" b="0" cap="none" spc="0" dirty="0">
+                <a:ln w="0"/>
+                <a:solidFill>
+                  <a:schemeClr val="tx1"/>
+                </a:solidFill>
+                <a:effectLst>
+                  <a:outerShdw blurRad="38100" dist="19050" dir="2700000" algn="tl" rotWithShape="0">
+                    <a:schemeClr val="dk1">
+                      <a:alpha val="40000"/>
+                    </a:schemeClr>
+                  </a:outerShdw>
+                </a:effectLst>
+              </a:rPr>
+              <a:t>Higher def -------</a:t>
+            </a:r>
+            <a:r>
+              <a:rPr lang="en-US" sz="5400" b="0" cap="none" spc="0" dirty="0">
+                <a:ln w="0"/>
+                <a:solidFill>
+                  <a:schemeClr val="tx1"/>
+                </a:solidFill>
+                <a:effectLst>
+                  <a:outerShdw blurRad="38100" dist="19050" dir="2700000" algn="tl" rotWithShape="0">
+                    <a:schemeClr val="dk1">
+                      <a:alpha val="40000"/>
+                    </a:schemeClr>
+                  </a:outerShdw>
+                </a:effectLst>
+                <a:sym typeface="Wingdings" pitchFamily="2" charset="2"/>
+              </a:rPr>
+              <a:t> Low def</a:t>
+            </a:r>
+            <a:endParaRPr lang="en-US" sz="5400" b="0" cap="none" spc="0" dirty="0">
+              <a:ln w="0"/>
+              <a:solidFill>
+                <a:schemeClr val="tx1"/>
+              </a:solidFill>
+              <a:effectLst>
+                <a:outerShdw blurRad="38100" dist="19050" dir="2700000" algn="tl" rotWithShape="0">
+                  <a:schemeClr val="dk1">
+                    <a:alpha val="40000"/>
+                  </a:schemeClr>
+                </a:outerShdw>
+              </a:effectLst>
+            </a:endParaRPr>
           </a:p>
         </p:txBody>
       </p:sp>
     </p:spTree>
     <p:extLst>
       <p:ext uri="{BB962C8B-B14F-4D97-AF65-F5344CB8AC3E}">
-        <p14:creationId xmlns:p14="http://schemas.microsoft.com/office/powerpoint/2010/main" val="2557233317"/>
+        <p14:creationId xmlns:p14="http://schemas.microsoft.com/office/powerpoint/2010/main" val="2971895048"/>
       </p:ext>
     </p:extLst>
   </p:cSld>
@@ -5831,6 +6011,30 @@
 <file path=ppt/slides/slide24.xml><?xml version="1.0" encoding="utf-8"?>
 <p:sld xmlns:a="http://schemas.openxmlformats.org/drawingml/2006/main" xmlns:r="http://schemas.openxmlformats.org/officeDocument/2006/relationships" xmlns:p="http://schemas.openxmlformats.org/presentationml/2006/main">
   <p:cSld>
+    <p:bg>
+      <p:bgPr>
+        <a:gradFill rotWithShape="1">
+          <a:gsLst>
+            <a:gs pos="0">
+              <a:schemeClr val="bg2">
+                <a:tint val="94000"/>
+                <a:satMod val="80000"/>
+                <a:lumMod val="106000"/>
+              </a:schemeClr>
+            </a:gs>
+            <a:gs pos="100000">
+              <a:schemeClr val="bg2">
+                <a:shade val="80000"/>
+              </a:schemeClr>
+            </a:gs>
+          </a:gsLst>
+          <a:path path="circle">
+            <a:fillToRect l="43000" r="43000" b="100000"/>
+          </a:path>
+        </a:gradFill>
+        <a:effectLst/>
+      </p:bgPr>
+    </p:bg>
     <p:spTree>
       <p:nvGrpSpPr>
         <p:cNvPr id="1" name=""/>
@@ -5850,7 +6054,7 @@
           <p:cNvPr id="2" name="Title 1">
             <a:extLst>
               <a:ext uri="{FF2B5EF4-FFF2-40B4-BE49-F238E27FC236}">
-                <a16:creationId xmlns:a16="http://schemas.microsoft.com/office/drawing/2014/main" id="{03771A9C-C120-464F-975D-15A7A52C9BBE}"/>
+                <a16:creationId xmlns:a16="http://schemas.microsoft.com/office/drawing/2014/main" id="{C4A0C369-05A4-D342-83D0-156E6DF2FA96}"/>
               </a:ext>
             </a:extLst>
           </p:cNvPr>
@@ -5861,24 +6065,77 @@
             <p:ph type="title"/>
           </p:nvPr>
         </p:nvSpPr>
-        <p:spPr/>
-        <p:txBody>
-          <a:bodyPr/>
-          <a:lstStyle/>
-          <a:p>
-            <a:r>
-              <a:rPr lang="en-US" dirty="0"/>
-              <a:t>Convolutional Portion</a:t>
-            </a:r>
-          </a:p>
-        </p:txBody>
-      </p:sp>
+        <p:spPr>
+          <a:xfrm>
+            <a:off x="1451579" y="804519"/>
+            <a:ext cx="9603275" cy="1049235"/>
+          </a:xfrm>
+        </p:spPr>
+        <p:txBody>
+          <a:bodyPr>
+            <a:normAutofit/>
+          </a:bodyPr>
+          <a:lstStyle/>
+          <a:p>
+            <a:r>
+              <a:rPr lang="en-US" dirty="0"/>
+              <a:t>Pooling Types</a:t>
+            </a:r>
+          </a:p>
+        </p:txBody>
+      </p:sp>
+      <p:pic>
+        <p:nvPicPr>
+          <p:cNvPr id="5122" name="Picture 2" descr="Example of down sampling operation using max-pooling and average-pooling. |  Download Scientific Diagram">
+            <a:extLst>
+              <a:ext uri="{FF2B5EF4-FFF2-40B4-BE49-F238E27FC236}">
+                <a16:creationId xmlns:a16="http://schemas.microsoft.com/office/drawing/2014/main" id="{5549231E-E2DA-B544-B26C-D698C1C6E7DE}"/>
+              </a:ext>
+            </a:extLst>
+          </p:cNvPr>
+          <p:cNvPicPr>
+            <a:picLocks noChangeAspect="1" noChangeArrowheads="1"/>
+          </p:cNvPicPr>
+          <p:nvPr/>
+        </p:nvPicPr>
+        <p:blipFill>
+          <a:blip r:embed="rId2">
+            <a:extLst>
+              <a:ext uri="{28A0092B-C50C-407E-A947-70E740481C1C}">
+                <a14:useLocalDpi xmlns:a14="http://schemas.microsoft.com/office/drawing/2010/main" val="0"/>
+              </a:ext>
+            </a:extLst>
+          </a:blip>
+          <a:stretch>
+            <a:fillRect/>
+          </a:stretch>
+        </p:blipFill>
+        <p:spPr bwMode="auto">
+          <a:xfrm>
+            <a:off x="0" y="1929673"/>
+            <a:ext cx="6352460" cy="3524454"/>
+          </a:xfrm>
+          <a:prstGeom prst="rect">
+            <a:avLst/>
+          </a:prstGeom>
+          <a:noFill/>
+          <a:extLst>
+            <a:ext uri="{909E8E84-426E-40DD-AFC4-6F175D3DCCD1}">
+              <a14:hiddenFill xmlns:a14="http://schemas.microsoft.com/office/drawing/2010/main">
+                <a:solidFill>
+                  <a:srgbClr val="FFFFFF"/>
+                </a:solidFill>
+              </a14:hiddenFill>
+            </a:ext>
+          </a:extLst>
+        </p:spPr>
+      </p:pic>
       <p:sp>
         <p:nvSpPr>
           <p:cNvPr id="3" name="Content Placeholder 2">
             <a:extLst>
               <a:ext uri="{FF2B5EF4-FFF2-40B4-BE49-F238E27FC236}">
-                <a16:creationId xmlns:a16="http://schemas.microsoft.com/office/drawing/2014/main" id="{3BEFB6C6-C30E-A34C-80CD-1114FFB7AFC1}"/>
+                <a16:creationId xmlns:a16="http://schemas.microsoft.com/office/drawing/2014/main" id="{AE24174B-63BE-504B-988C-A4D1655B6210}"/>
               </a:ext>
             </a:extLst>
           </p:cNvPr>
@@ -5889,28 +6146,73 @@
             <p:ph idx="1"/>
           </p:nvPr>
         </p:nvSpPr>
-        <p:spPr/>
-        <p:txBody>
-          <a:bodyPr/>
-          <a:lstStyle/>
-          <a:p>
-            <a:r>
-              <a:rPr lang="en-US" dirty="0"/>
-              <a:t>The convolutional parts of a CNN normally repeat this through several layers:</a:t>
+        <p:spPr>
+          <a:xfrm>
+            <a:off x="6443830" y="2015734"/>
+            <a:ext cx="5748169" cy="4137640"/>
+          </a:xfrm>
+        </p:spPr>
+        <p:txBody>
+          <a:bodyPr>
+            <a:normAutofit fontScale="85000" lnSpcReduction="10000"/>
+          </a:bodyPr>
+          <a:lstStyle/>
+          <a:p>
+            <a:r>
+              <a:rPr lang="en-US" dirty="0"/>
+              <a:t>Pooling is a simple concept – we take a set of pixels and reduce it to one pixel. </a:t>
+            </a:r>
+          </a:p>
+          <a:p>
+            <a:r>
+              <a:rPr lang="en-US" dirty="0"/>
+              <a:t>Pooling size defaults to 2 x 2. </a:t>
+            </a:r>
+          </a:p>
+          <a:p>
+            <a:r>
+              <a:rPr lang="en-US" dirty="0"/>
+              <a:t>Common pooling techniques:</a:t>
             </a:r>
           </a:p>
           <a:p>
             <a:pPr lvl="1"/>
             <a:r>
               <a:rPr lang="en-US" dirty="0"/>
-              <a:t>Convolutional layer finds component image features. </a:t>
+              <a:t>Max pooling – the output value is the max of the pool values. </a:t>
             </a:r>
           </a:p>
           <a:p>
             <a:pPr lvl="1"/>
             <a:r>
               <a:rPr lang="en-US" dirty="0"/>
-              <a:t>Pooling layer generalizes. </a:t>
+              <a:t>Average pooling – the output value is the mean. </a:t>
+            </a:r>
+          </a:p>
+          <a:p>
+            <a:r>
+              <a:rPr lang="en-US" dirty="0"/>
+              <a:t>What’s the difference?</a:t>
+            </a:r>
+          </a:p>
+          <a:p>
+            <a:pPr lvl="1"/>
+            <a:r>
+              <a:rPr lang="en-US" dirty="0"/>
+              <a:t>Max – better at extracting contrast, e.g. foreground/background. </a:t>
+            </a:r>
+          </a:p>
+          <a:p>
+            <a:pPr lvl="1"/>
+            <a:r>
+              <a:rPr lang="en-US" dirty="0"/>
+              <a:t>Average – smooths sharp features. Captures more info across the entire image. </a:t>
+            </a:r>
+          </a:p>
+          <a:p>
+            <a:r>
+              <a:rPr lang="en-US" dirty="0"/>
+              <a:t>Max is used the majority of the time. </a:t>
             </a:r>
           </a:p>
           <a:p>
@@ -5921,7 +6223,7 @@
     </p:spTree>
     <p:extLst>
       <p:ext uri="{BB962C8B-B14F-4D97-AF65-F5344CB8AC3E}">
-        <p14:creationId xmlns:p14="http://schemas.microsoft.com/office/powerpoint/2010/main" val="2981774519"/>
+        <p14:creationId xmlns:p14="http://schemas.microsoft.com/office/powerpoint/2010/main" val="920481959"/>
       </p:ext>
     </p:extLst>
   </p:cSld>
@@ -5953,6 +6255,206 @@
           <p:cNvPr id="2" name="Title 1">
             <a:extLst>
               <a:ext uri="{FF2B5EF4-FFF2-40B4-BE49-F238E27FC236}">
+                <a16:creationId xmlns:a16="http://schemas.microsoft.com/office/drawing/2014/main" id="{AAA6434D-F1B0-8241-A5E2-9406155B278C}"/>
+              </a:ext>
+            </a:extLst>
+          </p:cNvPr>
+          <p:cNvSpPr>
+            <a:spLocks noGrp="1"/>
+          </p:cNvSpPr>
+          <p:nvPr>
+            <p:ph type="title"/>
+          </p:nvPr>
+        </p:nvSpPr>
+        <p:spPr/>
+        <p:txBody>
+          <a:bodyPr/>
+          <a:lstStyle/>
+          <a:p>
+            <a:r>
+              <a:rPr lang="en-US" dirty="0"/>
+              <a:t>Batch Normalization</a:t>
+            </a:r>
+          </a:p>
+        </p:txBody>
+      </p:sp>
+      <p:sp>
+        <p:nvSpPr>
+          <p:cNvPr id="3" name="Content Placeholder 2">
+            <a:extLst>
+              <a:ext uri="{FF2B5EF4-FFF2-40B4-BE49-F238E27FC236}">
+                <a16:creationId xmlns:a16="http://schemas.microsoft.com/office/drawing/2014/main" id="{095ABC4B-532E-B641-9900-2BD7C61B478F}"/>
+              </a:ext>
+            </a:extLst>
+          </p:cNvPr>
+          <p:cNvSpPr>
+            <a:spLocks noGrp="1"/>
+          </p:cNvSpPr>
+          <p:nvPr>
+            <p:ph idx="1"/>
+          </p:nvPr>
+        </p:nvSpPr>
+        <p:spPr>
+          <a:xfrm>
+            <a:off x="1451579" y="1853754"/>
+            <a:ext cx="9603275" cy="3612591"/>
+          </a:xfrm>
+        </p:spPr>
+        <p:txBody>
+          <a:bodyPr/>
+          <a:lstStyle/>
+          <a:p>
+            <a:r>
+              <a:rPr lang="en-US" dirty="0"/>
+              <a:t>Batch normalization is a common step used in CNNs. </a:t>
+            </a:r>
+          </a:p>
+          <a:p>
+            <a:r>
+              <a:rPr lang="en-US" dirty="0"/>
+              <a:t>Standardizes the data between layer and activation. </a:t>
+            </a:r>
+          </a:p>
+        </p:txBody>
+      </p:sp>
+    </p:spTree>
+    <p:extLst>
+      <p:ext uri="{BB962C8B-B14F-4D97-AF65-F5344CB8AC3E}">
+        <p14:creationId xmlns:p14="http://schemas.microsoft.com/office/powerpoint/2010/main" val="2557233317"/>
+      </p:ext>
+    </p:extLst>
+  </p:cSld>
+  <p:clrMapOvr>
+    <a:masterClrMapping/>
+  </p:clrMapOvr>
+</p:sld>
+</file>
+
+<file path=ppt/slides/slide26.xml><?xml version="1.0" encoding="utf-8"?>
+<p:sld xmlns:a="http://schemas.openxmlformats.org/drawingml/2006/main" xmlns:r="http://schemas.openxmlformats.org/officeDocument/2006/relationships" xmlns:p="http://schemas.openxmlformats.org/presentationml/2006/main">
+  <p:cSld>
+    <p:spTree>
+      <p:nvGrpSpPr>
+        <p:cNvPr id="1" name=""/>
+        <p:cNvGrpSpPr/>
+        <p:nvPr/>
+      </p:nvGrpSpPr>
+      <p:grpSpPr>
+        <a:xfrm>
+          <a:off x="0" y="0"/>
+          <a:ext cx="0" cy="0"/>
+          <a:chOff x="0" y="0"/>
+          <a:chExt cx="0" cy="0"/>
+        </a:xfrm>
+      </p:grpSpPr>
+      <p:sp>
+        <p:nvSpPr>
+          <p:cNvPr id="2" name="Title 1">
+            <a:extLst>
+              <a:ext uri="{FF2B5EF4-FFF2-40B4-BE49-F238E27FC236}">
+                <a16:creationId xmlns:a16="http://schemas.microsoft.com/office/drawing/2014/main" id="{03771A9C-C120-464F-975D-15A7A52C9BBE}"/>
+              </a:ext>
+            </a:extLst>
+          </p:cNvPr>
+          <p:cNvSpPr>
+            <a:spLocks noGrp="1"/>
+          </p:cNvSpPr>
+          <p:nvPr>
+            <p:ph type="title"/>
+          </p:nvPr>
+        </p:nvSpPr>
+        <p:spPr/>
+        <p:txBody>
+          <a:bodyPr/>
+          <a:lstStyle/>
+          <a:p>
+            <a:r>
+              <a:rPr lang="en-US" dirty="0"/>
+              <a:t>Convolutional Portion</a:t>
+            </a:r>
+          </a:p>
+        </p:txBody>
+      </p:sp>
+      <p:sp>
+        <p:nvSpPr>
+          <p:cNvPr id="3" name="Content Placeholder 2">
+            <a:extLst>
+              <a:ext uri="{FF2B5EF4-FFF2-40B4-BE49-F238E27FC236}">
+                <a16:creationId xmlns:a16="http://schemas.microsoft.com/office/drawing/2014/main" id="{3BEFB6C6-C30E-A34C-80CD-1114FFB7AFC1}"/>
+              </a:ext>
+            </a:extLst>
+          </p:cNvPr>
+          <p:cNvSpPr>
+            <a:spLocks noGrp="1"/>
+          </p:cNvSpPr>
+          <p:nvPr>
+            <p:ph idx="1"/>
+          </p:nvPr>
+        </p:nvSpPr>
+        <p:spPr/>
+        <p:txBody>
+          <a:bodyPr/>
+          <a:lstStyle/>
+          <a:p>
+            <a:r>
+              <a:rPr lang="en-US" dirty="0"/>
+              <a:t>The convolutional parts of a CNN normally repeat this through several layers:</a:t>
+            </a:r>
+          </a:p>
+          <a:p>
+            <a:pPr lvl="1"/>
+            <a:r>
+              <a:rPr lang="en-US" dirty="0"/>
+              <a:t>Convolutional layer finds component image features. </a:t>
+            </a:r>
+          </a:p>
+          <a:p>
+            <a:pPr lvl="1"/>
+            <a:r>
+              <a:rPr lang="en-US" dirty="0"/>
+              <a:t>Pooling layer generalizes. </a:t>
+            </a:r>
+          </a:p>
+          <a:p>
+            <a:endParaRPr lang="en-US" dirty="0"/>
+          </a:p>
+        </p:txBody>
+      </p:sp>
+    </p:spTree>
+    <p:extLst>
+      <p:ext uri="{BB962C8B-B14F-4D97-AF65-F5344CB8AC3E}">
+        <p14:creationId xmlns:p14="http://schemas.microsoft.com/office/powerpoint/2010/main" val="2981774519"/>
+      </p:ext>
+    </p:extLst>
+  </p:cSld>
+  <p:clrMapOvr>
+    <a:masterClrMapping/>
+  </p:clrMapOvr>
+</p:sld>
+</file>
+
+<file path=ppt/slides/slide27.xml><?xml version="1.0" encoding="utf-8"?>
+<p:sld xmlns:a="http://schemas.openxmlformats.org/drawingml/2006/main" xmlns:r="http://schemas.openxmlformats.org/officeDocument/2006/relationships" xmlns:p="http://schemas.openxmlformats.org/presentationml/2006/main">
+  <p:cSld>
+    <p:spTree>
+      <p:nvGrpSpPr>
+        <p:cNvPr id="1" name=""/>
+        <p:cNvGrpSpPr/>
+        <p:nvPr/>
+      </p:nvGrpSpPr>
+      <p:grpSpPr>
+        <a:xfrm>
+          <a:off x="0" y="0"/>
+          <a:ext cx="0" cy="0"/>
+          <a:chOff x="0" y="0"/>
+          <a:chExt cx="0" cy="0"/>
+        </a:xfrm>
+      </p:grpSpPr>
+      <p:sp>
+        <p:nvSpPr>
+          <p:cNvPr id="2" name="Title 1">
+            <a:extLst>
+              <a:ext uri="{FF2B5EF4-FFF2-40B4-BE49-F238E27FC236}">
                 <a16:creationId xmlns:a16="http://schemas.microsoft.com/office/drawing/2014/main" id="{FBA22446-0940-1C4C-A480-6DE6DD8AA8D8}"/>
               </a:ext>
             </a:extLst>
@@ -6124,7 +6626,7 @@
 </p:sld>
 </file>
 
-<file path=ppt/slides/slide26.xml><?xml version="1.0" encoding="utf-8"?>
+<file path=ppt/slides/slide28.xml><?xml version="1.0" encoding="utf-8"?>
 <p:sld xmlns:a="http://schemas.openxmlformats.org/drawingml/2006/main" xmlns:r="http://schemas.openxmlformats.org/officeDocument/2006/relationships" xmlns:p="http://schemas.openxmlformats.org/presentationml/2006/main">
   <p:cSld>
     <p:spTree>
@@ -6288,7 +6790,7 @@
 </p:sld>
 </file>
 
-<file path=ppt/slides/slide27.xml><?xml version="1.0" encoding="utf-8"?>
+<file path=ppt/slides/slide29.xml><?xml version="1.0" encoding="utf-8"?>
 <p:sld xmlns:a="http://schemas.openxmlformats.org/drawingml/2006/main" xmlns:r="http://schemas.openxmlformats.org/officeDocument/2006/relationships" xmlns:p="http://schemas.openxmlformats.org/presentationml/2006/main">
   <p:cSld>
     <p:spTree>

--- a/reference_content/Slides/images_cnn.pptx
+++ b/reference_content/Slides/images_cnn.pptx
@@ -7,33 +7,32 @@
   <p:sldIdLst>
     <p:sldId id="256" r:id="rId2"/>
     <p:sldId id="277" r:id="rId3"/>
-    <p:sldId id="279" r:id="rId4"/>
-    <p:sldId id="280" r:id="rId5"/>
-    <p:sldId id="281" r:id="rId6"/>
-    <p:sldId id="278" r:id="rId7"/>
-    <p:sldId id="257" r:id="rId8"/>
-    <p:sldId id="258" r:id="rId9"/>
-    <p:sldId id="259" r:id="rId10"/>
-    <p:sldId id="260" r:id="rId11"/>
-    <p:sldId id="264" r:id="rId12"/>
-    <p:sldId id="261" r:id="rId13"/>
-    <p:sldId id="262" r:id="rId14"/>
-    <p:sldId id="263" r:id="rId15"/>
-    <p:sldId id="266" r:id="rId16"/>
-    <p:sldId id="267" r:id="rId17"/>
-    <p:sldId id="268" r:id="rId18"/>
-    <p:sldId id="269" r:id="rId19"/>
-    <p:sldId id="265" r:id="rId20"/>
-    <p:sldId id="271" r:id="rId21"/>
-    <p:sldId id="272" r:id="rId22"/>
-    <p:sldId id="282" r:id="rId23"/>
-    <p:sldId id="284" r:id="rId24"/>
-    <p:sldId id="283" r:id="rId25"/>
-    <p:sldId id="276" r:id="rId26"/>
-    <p:sldId id="273" r:id="rId27"/>
-    <p:sldId id="274" r:id="rId28"/>
-    <p:sldId id="275" r:id="rId29"/>
-    <p:sldId id="270" r:id="rId30"/>
+    <p:sldId id="278" r:id="rId4"/>
+    <p:sldId id="279" r:id="rId5"/>
+    <p:sldId id="280" r:id="rId6"/>
+    <p:sldId id="257" r:id="rId7"/>
+    <p:sldId id="258" r:id="rId8"/>
+    <p:sldId id="259" r:id="rId9"/>
+    <p:sldId id="260" r:id="rId10"/>
+    <p:sldId id="264" r:id="rId11"/>
+    <p:sldId id="261" r:id="rId12"/>
+    <p:sldId id="262" r:id="rId13"/>
+    <p:sldId id="263" r:id="rId14"/>
+    <p:sldId id="266" r:id="rId15"/>
+    <p:sldId id="267" r:id="rId16"/>
+    <p:sldId id="268" r:id="rId17"/>
+    <p:sldId id="269" r:id="rId18"/>
+    <p:sldId id="265" r:id="rId19"/>
+    <p:sldId id="271" r:id="rId20"/>
+    <p:sldId id="272" r:id="rId21"/>
+    <p:sldId id="282" r:id="rId22"/>
+    <p:sldId id="284" r:id="rId23"/>
+    <p:sldId id="283" r:id="rId24"/>
+    <p:sldId id="276" r:id="rId25"/>
+    <p:sldId id="273" r:id="rId26"/>
+    <p:sldId id="274" r:id="rId27"/>
+    <p:sldId id="275" r:id="rId28"/>
+    <p:sldId id="270" r:id="rId29"/>
   </p:sldIdLst>
   <p:sldSz cx="12192000" cy="6858000"/>
   <p:notesSz cx="6858000" cy="9144000"/>
@@ -3743,130 +3742,6 @@
           <p:cNvPr id="2" name="Title 1">
             <a:extLst>
               <a:ext uri="{FF2B5EF4-FFF2-40B4-BE49-F238E27FC236}">
-                <a16:creationId xmlns:a16="http://schemas.microsoft.com/office/drawing/2014/main" id="{2C9214A3-F495-2840-89CA-9D2DF72B8616}"/>
-              </a:ext>
-            </a:extLst>
-          </p:cNvPr>
-          <p:cNvSpPr>
-            <a:spLocks noGrp="1"/>
-          </p:cNvSpPr>
-          <p:nvPr>
-            <p:ph type="title"/>
-          </p:nvPr>
-        </p:nvSpPr>
-        <p:spPr/>
-        <p:txBody>
-          <a:bodyPr/>
-          <a:lstStyle/>
-          <a:p>
-            <a:r>
-              <a:rPr lang="en-US" dirty="0"/>
-              <a:t>Convolutional Neural Networks (CNN)</a:t>
-            </a:r>
-          </a:p>
-        </p:txBody>
-      </p:sp>
-      <p:sp>
-        <p:nvSpPr>
-          <p:cNvPr id="3" name="Content Placeholder 2">
-            <a:extLst>
-              <a:ext uri="{FF2B5EF4-FFF2-40B4-BE49-F238E27FC236}">
-                <a16:creationId xmlns:a16="http://schemas.microsoft.com/office/drawing/2014/main" id="{FAF6FFA3-7135-8741-8D1E-810E84584270}"/>
-              </a:ext>
-            </a:extLst>
-          </p:cNvPr>
-          <p:cNvSpPr>
-            <a:spLocks noGrp="1"/>
-          </p:cNvSpPr>
-          <p:nvPr>
-            <p:ph idx="1"/>
-          </p:nvPr>
-        </p:nvSpPr>
-        <p:spPr>
-          <a:xfrm>
-            <a:off x="1451579" y="2015732"/>
-            <a:ext cx="9603275" cy="4206164"/>
-          </a:xfrm>
-        </p:spPr>
-        <p:txBody>
-          <a:bodyPr/>
-          <a:lstStyle/>
-          <a:p>
-            <a:r>
-              <a:rPr lang="en-US" dirty="0"/>
-              <a:t>A CNN is a different variation of neural network that does well with images.</a:t>
-            </a:r>
-          </a:p>
-          <a:p>
-            <a:pPr lvl="1"/>
-            <a:r>
-              <a:rPr lang="en-US" dirty="0"/>
-              <a:t>Until now we’ve used “standard” dense neural networks. Feed-forward. </a:t>
-            </a:r>
-          </a:p>
-          <a:p>
-            <a:r>
-              <a:rPr lang="en-US" dirty="0"/>
-              <a:t>CNN is based on the concept of “convolution”, a mathematical technique:</a:t>
-            </a:r>
-          </a:p>
-          <a:p>
-            <a:pPr lvl="1"/>
-            <a:r>
-              <a:rPr lang="en-US" dirty="0"/>
-              <a:t>Convolution is a mathematical operation on two functions that produces a third function that expresses how the shape of one is modified by the other.</a:t>
-            </a:r>
-          </a:p>
-          <a:p>
-            <a:r>
-              <a:rPr lang="en-US" dirty="0"/>
-              <a:t>For our purposes CNN has a small window (kernel/filter) that looks at one section of an image (e.g. 5 x 5), transforms that for an output, and slides pixel by pixel (stride) over the entire image. </a:t>
-            </a:r>
-          </a:p>
-          <a:p>
-            <a:pPr lvl="1"/>
-            <a:r>
-              <a:rPr lang="en-US" dirty="0"/>
-              <a:t>Convoluted definition, simple idea to visualize…</a:t>
-            </a:r>
-          </a:p>
-        </p:txBody>
-      </p:sp>
-    </p:spTree>
-    <p:extLst>
-      <p:ext uri="{BB962C8B-B14F-4D97-AF65-F5344CB8AC3E}">
-        <p14:creationId xmlns:p14="http://schemas.microsoft.com/office/powerpoint/2010/main" val="197721867"/>
-      </p:ext>
-    </p:extLst>
-  </p:cSld>
-  <p:clrMapOvr>
-    <a:masterClrMapping/>
-  </p:clrMapOvr>
-</p:sld>
-</file>
-
-<file path=ppt/slides/slide11.xml><?xml version="1.0" encoding="utf-8"?>
-<p:sld xmlns:a="http://schemas.openxmlformats.org/drawingml/2006/main" xmlns:r="http://schemas.openxmlformats.org/officeDocument/2006/relationships" xmlns:p="http://schemas.openxmlformats.org/presentationml/2006/main">
-  <p:cSld>
-    <p:spTree>
-      <p:nvGrpSpPr>
-        <p:cNvPr id="1" name=""/>
-        <p:cNvGrpSpPr/>
-        <p:nvPr/>
-      </p:nvGrpSpPr>
-      <p:grpSpPr>
-        <a:xfrm>
-          <a:off x="0" y="0"/>
-          <a:ext cx="0" cy="0"/>
-          <a:chOff x="0" y="0"/>
-          <a:chExt cx="0" cy="0"/>
-        </a:xfrm>
-      </p:grpSpPr>
-      <p:sp>
-        <p:nvSpPr>
-          <p:cNvPr id="2" name="Title 1">
-            <a:extLst>
-              <a:ext uri="{FF2B5EF4-FFF2-40B4-BE49-F238E27FC236}">
                 <a16:creationId xmlns:a16="http://schemas.microsoft.com/office/drawing/2014/main" id="{2833260B-126C-1146-9F78-897B0CEF03A9}"/>
               </a:ext>
             </a:extLst>
@@ -3980,7 +3855,7 @@
 </p:sld>
 </file>
 
-<file path=ppt/slides/slide12.xml><?xml version="1.0" encoding="utf-8"?>
+<file path=ppt/slides/slide11.xml><?xml version="1.0" encoding="utf-8"?>
 <p:sld xmlns:a="http://schemas.openxmlformats.org/drawingml/2006/main" xmlns:r="http://schemas.openxmlformats.org/officeDocument/2006/relationships" xmlns:p="http://schemas.openxmlformats.org/presentationml/2006/main">
   <p:cSld>
     <p:spTree>
@@ -4107,7 +3982,7 @@
 </p:sld>
 </file>
 
-<file path=ppt/slides/slide13.xml><?xml version="1.0" encoding="utf-8"?>
+<file path=ppt/slides/slide12.xml><?xml version="1.0" encoding="utf-8"?>
 <p:sld xmlns:a="http://schemas.openxmlformats.org/drawingml/2006/main" xmlns:r="http://schemas.openxmlformats.org/officeDocument/2006/relationships" xmlns:p="http://schemas.openxmlformats.org/presentationml/2006/main">
   <p:cSld>
     <p:spTree>
@@ -4234,7 +4109,7 @@
 </p:sld>
 </file>
 
-<file path=ppt/slides/slide14.xml><?xml version="1.0" encoding="utf-8"?>
+<file path=ppt/slides/slide13.xml><?xml version="1.0" encoding="utf-8"?>
 <p:sld xmlns:a="http://schemas.openxmlformats.org/drawingml/2006/main" xmlns:r="http://schemas.openxmlformats.org/officeDocument/2006/relationships" xmlns:p="http://schemas.openxmlformats.org/presentationml/2006/main">
   <p:cSld>
     <p:spTree>
@@ -4424,7 +4299,7 @@
 </p:sld>
 </file>
 
-<file path=ppt/slides/slide15.xml><?xml version="1.0" encoding="utf-8"?>
+<file path=ppt/slides/slide14.xml><?xml version="1.0" encoding="utf-8"?>
 <p:sld xmlns:a="http://schemas.openxmlformats.org/drawingml/2006/main" xmlns:r="http://schemas.openxmlformats.org/officeDocument/2006/relationships" xmlns:p="http://schemas.openxmlformats.org/presentationml/2006/main">
   <p:cSld>
     <p:bg>
@@ -4603,7 +4478,7 @@
 </p:sld>
 </file>
 
-<file path=ppt/slides/slide16.xml><?xml version="1.0" encoding="utf-8"?>
+<file path=ppt/slides/slide15.xml><?xml version="1.0" encoding="utf-8"?>
 <p:sld xmlns:a="http://schemas.openxmlformats.org/drawingml/2006/main" xmlns:r="http://schemas.openxmlformats.org/officeDocument/2006/relationships" xmlns:p="http://schemas.openxmlformats.org/presentationml/2006/main">
   <p:cSld>
     <p:spTree>
@@ -4749,6 +4624,166 @@
     <p:extLst>
       <p:ext uri="{BB962C8B-B14F-4D97-AF65-F5344CB8AC3E}">
         <p14:creationId xmlns:p14="http://schemas.microsoft.com/office/powerpoint/2010/main" val="4085370797"/>
+      </p:ext>
+    </p:extLst>
+  </p:cSld>
+  <p:clrMapOvr>
+    <a:masterClrMapping/>
+  </p:clrMapOvr>
+</p:sld>
+</file>
+
+<file path=ppt/slides/slide16.xml><?xml version="1.0" encoding="utf-8"?>
+<p:sld xmlns:a="http://schemas.openxmlformats.org/drawingml/2006/main" xmlns:r="http://schemas.openxmlformats.org/officeDocument/2006/relationships" xmlns:p="http://schemas.openxmlformats.org/presentationml/2006/main">
+  <p:cSld>
+    <p:bg>
+      <p:bgPr>
+        <a:gradFill rotWithShape="1">
+          <a:gsLst>
+            <a:gs pos="0">
+              <a:schemeClr val="bg2">
+                <a:tint val="94000"/>
+                <a:satMod val="80000"/>
+                <a:lumMod val="106000"/>
+              </a:schemeClr>
+            </a:gs>
+            <a:gs pos="100000">
+              <a:schemeClr val="bg2">
+                <a:shade val="80000"/>
+              </a:schemeClr>
+            </a:gs>
+          </a:gsLst>
+          <a:path path="circle">
+            <a:fillToRect l="43000" r="43000" b="100000"/>
+          </a:path>
+        </a:gradFill>
+        <a:effectLst/>
+      </p:bgPr>
+    </p:bg>
+    <p:spTree>
+      <p:nvGrpSpPr>
+        <p:cNvPr id="1" name=""/>
+        <p:cNvGrpSpPr/>
+        <p:nvPr/>
+      </p:nvGrpSpPr>
+      <p:grpSpPr>
+        <a:xfrm>
+          <a:off x="0" y="0"/>
+          <a:ext cx="0" cy="0"/>
+          <a:chOff x="0" y="0"/>
+          <a:chExt cx="0" cy="0"/>
+        </a:xfrm>
+      </p:grpSpPr>
+      <p:sp>
+        <p:nvSpPr>
+          <p:cNvPr id="2" name="Title 1">
+            <a:extLst>
+              <a:ext uri="{FF2B5EF4-FFF2-40B4-BE49-F238E27FC236}">
+                <a16:creationId xmlns:a16="http://schemas.microsoft.com/office/drawing/2014/main" id="{9AF06192-4779-5949-8C14-44A1E5592A77}"/>
+              </a:ext>
+            </a:extLst>
+          </p:cNvPr>
+          <p:cNvSpPr>
+            <a:spLocks noGrp="1"/>
+          </p:cNvSpPr>
+          <p:nvPr>
+            <p:ph type="title"/>
+          </p:nvPr>
+        </p:nvSpPr>
+        <p:spPr>
+          <a:xfrm>
+            <a:off x="1451579" y="804519"/>
+            <a:ext cx="9603275" cy="1049235"/>
+          </a:xfrm>
+        </p:spPr>
+        <p:txBody>
+          <a:bodyPr>
+            <a:normAutofit/>
+          </a:bodyPr>
+          <a:lstStyle/>
+          <a:p>
+            <a:r>
+              <a:rPr lang="en-US" dirty="0"/>
+              <a:t>First Slice</a:t>
+            </a:r>
+          </a:p>
+        </p:txBody>
+      </p:sp>
+      <p:sp>
+        <p:nvSpPr>
+          <p:cNvPr id="3" name="Content Placeholder 2">
+            <a:extLst>
+              <a:ext uri="{FF2B5EF4-FFF2-40B4-BE49-F238E27FC236}">
+                <a16:creationId xmlns:a16="http://schemas.microsoft.com/office/drawing/2014/main" id="{0BFA2BE0-885B-494C-A121-D932A0183282}"/>
+              </a:ext>
+            </a:extLst>
+          </p:cNvPr>
+          <p:cNvSpPr>
+            <a:spLocks noGrp="1"/>
+          </p:cNvSpPr>
+          <p:nvPr>
+            <p:ph idx="1"/>
+          </p:nvPr>
+        </p:nvSpPr>
+        <p:spPr>
+          <a:xfrm>
+            <a:off x="333633" y="2015734"/>
+            <a:ext cx="3978875" cy="3450613"/>
+          </a:xfrm>
+        </p:spPr>
+        <p:txBody>
+          <a:bodyPr>
+            <a:normAutofit/>
+          </a:bodyPr>
+          <a:lstStyle/>
+          <a:p>
+            <a:r>
+              <a:rPr lang="en-US" dirty="0"/>
+              <a:t>Top left 9 pixels are multiplied by the filter and added. </a:t>
+            </a:r>
+          </a:p>
+          <a:p>
+            <a:r>
+              <a:rPr lang="en-US" dirty="0"/>
+              <a:t>All pixels are white (big number) so they end up cancelling each other. </a:t>
+            </a:r>
+          </a:p>
+        </p:txBody>
+      </p:sp>
+      <p:pic>
+        <p:nvPicPr>
+          <p:cNvPr id="5" name="Picture 4">
+            <a:extLst>
+              <a:ext uri="{FF2B5EF4-FFF2-40B4-BE49-F238E27FC236}">
+                <a16:creationId xmlns:a16="http://schemas.microsoft.com/office/drawing/2014/main" id="{56B47AFE-BA7A-0040-939F-CAA4AB90EDDB}"/>
+              </a:ext>
+            </a:extLst>
+          </p:cNvPr>
+          <p:cNvPicPr>
+            <a:picLocks noChangeAspect="1"/>
+          </p:cNvPicPr>
+          <p:nvPr/>
+        </p:nvPicPr>
+        <p:blipFill>
+          <a:blip r:embed="rId2"/>
+          <a:stretch>
+            <a:fillRect/>
+          </a:stretch>
+        </p:blipFill>
+        <p:spPr>
+          <a:xfrm>
+            <a:off x="4445275" y="1679353"/>
+            <a:ext cx="7810946" cy="4374128"/>
+          </a:xfrm>
+          <a:prstGeom prst="rect">
+            <a:avLst/>
+          </a:prstGeom>
+        </p:spPr>
+      </p:pic>
+    </p:spTree>
+    <p:extLst>
+      <p:ext uri="{BB962C8B-B14F-4D97-AF65-F5344CB8AC3E}">
+        <p14:creationId xmlns:p14="http://schemas.microsoft.com/office/powerpoint/2010/main" val="117587930"/>
       </p:ext>
     </p:extLst>
   </p:cSld>
@@ -4804,7 +4839,7 @@
           <p:cNvPr id="2" name="Title 1">
             <a:extLst>
               <a:ext uri="{FF2B5EF4-FFF2-40B4-BE49-F238E27FC236}">
-                <a16:creationId xmlns:a16="http://schemas.microsoft.com/office/drawing/2014/main" id="{9AF06192-4779-5949-8C14-44A1E5592A77}"/>
+                <a16:creationId xmlns:a16="http://schemas.microsoft.com/office/drawing/2014/main" id="{E4270F1F-6CCB-DE4A-A961-40F7FE3E6FED}"/>
               </a:ext>
             </a:extLst>
           </p:cNvPr>
@@ -4829,58 +4864,17 @@
           <a:p>
             <a:r>
               <a:rPr lang="en-US" dirty="0"/>
-              <a:t>First Slice</a:t>
-            </a:r>
-          </a:p>
-        </p:txBody>
-      </p:sp>
-      <p:sp>
-        <p:nvSpPr>
-          <p:cNvPr id="3" name="Content Placeholder 2">
+              <a:t>Second Slice</a:t>
+            </a:r>
+          </a:p>
+        </p:txBody>
+      </p:sp>
+      <p:pic>
+        <p:nvPicPr>
+          <p:cNvPr id="4" name="Picture 3">
             <a:extLst>
               <a:ext uri="{FF2B5EF4-FFF2-40B4-BE49-F238E27FC236}">
-                <a16:creationId xmlns:a16="http://schemas.microsoft.com/office/drawing/2014/main" id="{0BFA2BE0-885B-494C-A121-D932A0183282}"/>
-              </a:ext>
-            </a:extLst>
-          </p:cNvPr>
-          <p:cNvSpPr>
-            <a:spLocks noGrp="1"/>
-          </p:cNvSpPr>
-          <p:nvPr>
-            <p:ph idx="1"/>
-          </p:nvPr>
-        </p:nvSpPr>
-        <p:spPr>
-          <a:xfrm>
-            <a:off x="333633" y="2015734"/>
-            <a:ext cx="3978875" cy="3450613"/>
-          </a:xfrm>
-        </p:spPr>
-        <p:txBody>
-          <a:bodyPr>
-            <a:normAutofit/>
-          </a:bodyPr>
-          <a:lstStyle/>
-          <a:p>
-            <a:r>
-              <a:rPr lang="en-US" dirty="0"/>
-              <a:t>Top left 9 pixels are multiplied by the filter and added. </a:t>
-            </a:r>
-          </a:p>
-          <a:p>
-            <a:r>
-              <a:rPr lang="en-US" dirty="0"/>
-              <a:t>All pixels are white (big number) so they end up cancelling each other. </a:t>
-            </a:r>
-          </a:p>
-        </p:txBody>
-      </p:sp>
-      <p:pic>
-        <p:nvPicPr>
-          <p:cNvPr id="5" name="Picture 4">
-            <a:extLst>
-              <a:ext uri="{FF2B5EF4-FFF2-40B4-BE49-F238E27FC236}">
-                <a16:creationId xmlns:a16="http://schemas.microsoft.com/office/drawing/2014/main" id="{56B47AFE-BA7A-0040-939F-CAA4AB90EDDB}"/>
+                <a16:creationId xmlns:a16="http://schemas.microsoft.com/office/drawing/2014/main" id="{3E481004-8FAE-6B40-AA59-D7EF546B4C4E}"/>
               </a:ext>
             </a:extLst>
           </p:cNvPr>
@@ -4897,18 +4891,93 @@
         </p:blipFill>
         <p:spPr>
           <a:xfrm>
-            <a:off x="4445275" y="1679353"/>
-            <a:ext cx="7810946" cy="4374128"/>
+            <a:off x="117050" y="1853754"/>
+            <a:ext cx="7343174" cy="3781733"/>
           </a:xfrm>
           <a:prstGeom prst="rect">
             <a:avLst/>
           </a:prstGeom>
         </p:spPr>
       </p:pic>
+      <p:sp>
+        <p:nvSpPr>
+          <p:cNvPr id="3" name="Content Placeholder 2">
+            <a:extLst>
+              <a:ext uri="{FF2B5EF4-FFF2-40B4-BE49-F238E27FC236}">
+                <a16:creationId xmlns:a16="http://schemas.microsoft.com/office/drawing/2014/main" id="{31D6D86E-661F-314A-B889-B2B83EF1E64F}"/>
+              </a:ext>
+            </a:extLst>
+          </p:cNvPr>
+          <p:cNvSpPr>
+            <a:spLocks noGrp="1"/>
+          </p:cNvSpPr>
+          <p:nvPr>
+            <p:ph idx="1"/>
+          </p:nvPr>
+        </p:nvSpPr>
+        <p:spPr>
+          <a:xfrm>
+            <a:off x="7573617" y="1952368"/>
+            <a:ext cx="4618383" cy="4101113"/>
+          </a:xfrm>
+        </p:spPr>
+        <p:txBody>
+          <a:bodyPr>
+            <a:normAutofit fontScale="92500" lnSpcReduction="10000"/>
+          </a:bodyPr>
+          <a:lstStyle/>
+          <a:p>
+            <a:r>
+              <a:rPr lang="en-US" sz="2400" dirty="0"/>
+              <a:t>Range of window slides 1 pixel (stride length) to the right. </a:t>
+            </a:r>
+          </a:p>
+          <a:p>
+            <a:r>
+              <a:rPr lang="en-US" sz="2400" dirty="0"/>
+              <a:t>Left pixels are white (big number), right pixels are black (small number). </a:t>
+            </a:r>
+          </a:p>
+          <a:p>
+            <a:r>
+              <a:rPr lang="en-US" sz="2400" dirty="0"/>
+              <a:t>When </a:t>
+            </a:r>
+            <a:r>
+              <a:rPr lang="en-US" sz="2800" dirty="0"/>
+              <a:t>added</a:t>
+            </a:r>
+            <a:r>
+              <a:rPr lang="en-US" sz="2400" dirty="0"/>
+              <a:t> this means all except left are 0, so we have a </a:t>
+            </a:r>
+            <a:r>
+              <a:rPr lang="en-US" sz="2800" dirty="0"/>
+              <a:t>big</a:t>
+            </a:r>
+            <a:r>
+              <a:rPr lang="en-US" sz="2400" dirty="0"/>
+              <a:t> number as a result. </a:t>
+            </a:r>
+          </a:p>
+          <a:p>
+            <a:r>
+              <a:rPr lang="en-US" sz="2400" dirty="0"/>
+              <a:t>We found an edge!!</a:t>
+            </a:r>
+          </a:p>
+          <a:p>
+            <a:r>
+              <a:rPr lang="en-US" sz="2400" dirty="0"/>
+              <a:t>The output ”sees” vertical edges.</a:t>
+            </a:r>
+          </a:p>
+        </p:txBody>
+      </p:sp>
     </p:spTree>
     <p:extLst>
       <p:ext uri="{BB962C8B-B14F-4D97-AF65-F5344CB8AC3E}">
-        <p14:creationId xmlns:p14="http://schemas.microsoft.com/office/powerpoint/2010/main" val="117587930"/>
+        <p14:creationId xmlns:p14="http://schemas.microsoft.com/office/powerpoint/2010/main" val="2581238970"/>
       </p:ext>
     </p:extLst>
   </p:cSld>
@@ -4919,6 +4988,902 @@
 </file>
 
 <file path=ppt/slides/slide18.xml><?xml version="1.0" encoding="utf-8"?>
+<p:sld xmlns:a="http://schemas.openxmlformats.org/drawingml/2006/main" xmlns:r="http://schemas.openxmlformats.org/officeDocument/2006/relationships" xmlns:p="http://schemas.openxmlformats.org/presentationml/2006/main">
+  <p:cSld>
+    <p:spTree>
+      <p:nvGrpSpPr>
+        <p:cNvPr id="1" name=""/>
+        <p:cNvGrpSpPr/>
+        <p:nvPr/>
+      </p:nvGrpSpPr>
+      <p:grpSpPr>
+        <a:xfrm>
+          <a:off x="0" y="0"/>
+          <a:ext cx="0" cy="0"/>
+          <a:chOff x="0" y="0"/>
+          <a:chExt cx="0" cy="0"/>
+        </a:xfrm>
+      </p:grpSpPr>
+      <p:sp>
+        <p:nvSpPr>
+          <p:cNvPr id="2" name="Title 1">
+            <a:extLst>
+              <a:ext uri="{FF2B5EF4-FFF2-40B4-BE49-F238E27FC236}">
+                <a16:creationId xmlns:a16="http://schemas.microsoft.com/office/drawing/2014/main" id="{DDBCE7D5-9876-9147-8D13-7B001AFF59DC}"/>
+              </a:ext>
+            </a:extLst>
+          </p:cNvPr>
+          <p:cNvSpPr>
+            <a:spLocks noGrp="1"/>
+          </p:cNvSpPr>
+          <p:nvPr>
+            <p:ph type="title"/>
+          </p:nvPr>
+        </p:nvSpPr>
+        <p:spPr/>
+        <p:txBody>
+          <a:bodyPr/>
+          <a:lstStyle/>
+          <a:p>
+            <a:r>
+              <a:rPr lang="en-US" dirty="0"/>
+              <a:t>Filters in Practice</a:t>
+            </a:r>
+          </a:p>
+        </p:txBody>
+      </p:sp>
+      <p:sp>
+        <p:nvSpPr>
+          <p:cNvPr id="3" name="Content Placeholder 2">
+            <a:extLst>
+              <a:ext uri="{FF2B5EF4-FFF2-40B4-BE49-F238E27FC236}">
+                <a16:creationId xmlns:a16="http://schemas.microsoft.com/office/drawing/2014/main" id="{A73155D5-89A7-EC4B-B589-D9A74A29464D}"/>
+              </a:ext>
+            </a:extLst>
+          </p:cNvPr>
+          <p:cNvSpPr>
+            <a:spLocks noGrp="1"/>
+          </p:cNvSpPr>
+          <p:nvPr>
+            <p:ph idx="1"/>
+          </p:nvPr>
+        </p:nvSpPr>
+        <p:spPr/>
+        <p:txBody>
+          <a:bodyPr/>
+          <a:lstStyle/>
+          <a:p>
+            <a:r>
+              <a:rPr lang="en-US" dirty="0"/>
+              <a:t>Like other layers in a NN, the filters in a convolutional layer learn during fitting. </a:t>
+            </a:r>
+          </a:p>
+          <a:p>
+            <a:r>
+              <a:rPr lang="en-US" dirty="0"/>
+              <a:t>Each filter learns to identify some aspect of the image. </a:t>
+            </a:r>
+          </a:p>
+          <a:p>
+            <a:pPr lvl="1"/>
+            <a:r>
+              <a:rPr lang="en-US" dirty="0"/>
+              <a:t>E.g. a model trained to differentiate cars from trucks might identify the horizontal rectangle shape of a truck bed. Another filter might recognize the slope of a car rear window. </a:t>
+            </a:r>
+          </a:p>
+          <a:p>
+            <a:endParaRPr lang="en-US" dirty="0"/>
+          </a:p>
+        </p:txBody>
+      </p:sp>
+    </p:spTree>
+    <p:extLst>
+      <p:ext uri="{BB962C8B-B14F-4D97-AF65-F5344CB8AC3E}">
+        <p14:creationId xmlns:p14="http://schemas.microsoft.com/office/powerpoint/2010/main" val="2221904628"/>
+      </p:ext>
+    </p:extLst>
+  </p:cSld>
+  <p:clrMapOvr>
+    <a:masterClrMapping/>
+  </p:clrMapOvr>
+</p:sld>
+</file>
+
+<file path=ppt/slides/slide19.xml><?xml version="1.0" encoding="utf-8"?>
+<p:sld xmlns:a="http://schemas.openxmlformats.org/drawingml/2006/main" xmlns:r="http://schemas.openxmlformats.org/officeDocument/2006/relationships" xmlns:p="http://schemas.openxmlformats.org/presentationml/2006/main">
+  <p:cSld>
+    <p:spTree>
+      <p:nvGrpSpPr>
+        <p:cNvPr id="1" name=""/>
+        <p:cNvGrpSpPr/>
+        <p:nvPr/>
+      </p:nvGrpSpPr>
+      <p:grpSpPr>
+        <a:xfrm>
+          <a:off x="0" y="0"/>
+          <a:ext cx="0" cy="0"/>
+          <a:chOff x="0" y="0"/>
+          <a:chExt cx="0" cy="0"/>
+        </a:xfrm>
+      </p:grpSpPr>
+      <p:sp>
+        <p:nvSpPr>
+          <p:cNvPr id="2" name="Title 1">
+            <a:extLst>
+              <a:ext uri="{FF2B5EF4-FFF2-40B4-BE49-F238E27FC236}">
+                <a16:creationId xmlns:a16="http://schemas.microsoft.com/office/drawing/2014/main" id="{4DABF1C1-41FC-2E40-A08D-984A261CE072}"/>
+              </a:ext>
+            </a:extLst>
+          </p:cNvPr>
+          <p:cNvSpPr>
+            <a:spLocks noGrp="1"/>
+          </p:cNvSpPr>
+          <p:nvPr>
+            <p:ph type="title"/>
+          </p:nvPr>
+        </p:nvSpPr>
+        <p:spPr/>
+        <p:txBody>
+          <a:bodyPr/>
+          <a:lstStyle/>
+          <a:p>
+            <a:r>
+              <a:rPr lang="en-US" dirty="0"/>
+              <a:t>Padding</a:t>
+            </a:r>
+          </a:p>
+        </p:txBody>
+      </p:sp>
+      <p:sp>
+        <p:nvSpPr>
+          <p:cNvPr id="3" name="Content Placeholder 2">
+            <a:extLst>
+              <a:ext uri="{FF2B5EF4-FFF2-40B4-BE49-F238E27FC236}">
+                <a16:creationId xmlns:a16="http://schemas.microsoft.com/office/drawing/2014/main" id="{D335DCCD-D9B8-EA42-94E9-4CBCFA0D777F}"/>
+              </a:ext>
+            </a:extLst>
+          </p:cNvPr>
+          <p:cNvSpPr>
+            <a:spLocks noGrp="1"/>
+          </p:cNvSpPr>
+          <p:nvPr>
+            <p:ph idx="1"/>
+          </p:nvPr>
+        </p:nvSpPr>
+        <p:spPr>
+          <a:xfrm>
+            <a:off x="903249" y="1853755"/>
+            <a:ext cx="10549053" cy="2398932"/>
+          </a:xfrm>
+        </p:spPr>
+        <p:txBody>
+          <a:bodyPr/>
+          <a:lstStyle/>
+          <a:p>
+            <a:r>
+              <a:rPr lang="en-US" dirty="0"/>
+              <a:t>Padding determines what happens at the edge of an image.</a:t>
+            </a:r>
+          </a:p>
+          <a:p>
+            <a:r>
+              <a:rPr lang="en-US" dirty="0"/>
+              <a:t>The filter window can either:</a:t>
+            </a:r>
+          </a:p>
+          <a:p>
+            <a:pPr lvl="1"/>
+            <a:r>
+              <a:rPr lang="en-US" dirty="0"/>
+              <a:t>Stop at the edge. Reduces dimension. Valid padding.</a:t>
+            </a:r>
+          </a:p>
+          <a:p>
+            <a:pPr lvl="1"/>
+            <a:r>
+              <a:rPr lang="en-US" dirty="0"/>
+              <a:t>Go over the edge, filling in a border of 0s. Maintaining dimension. Same padding. </a:t>
+            </a:r>
+          </a:p>
+          <a:p>
+            <a:r>
+              <a:rPr lang="en-US" dirty="0"/>
+              <a:t>Padding does what we’d expect, better maintains information in the corners. (Border effects).</a:t>
+            </a:r>
+          </a:p>
+        </p:txBody>
+      </p:sp>
+      <p:pic>
+        <p:nvPicPr>
+          <p:cNvPr id="1026" name="Picture 2">
+            <a:extLst>
+              <a:ext uri="{FF2B5EF4-FFF2-40B4-BE49-F238E27FC236}">
+                <a16:creationId xmlns:a16="http://schemas.microsoft.com/office/drawing/2014/main" id="{C742A5F5-BEDF-3B40-973A-D9260A686487}"/>
+              </a:ext>
+            </a:extLst>
+          </p:cNvPr>
+          <p:cNvPicPr>
+            <a:picLocks noChangeAspect="1" noChangeArrowheads="1"/>
+          </p:cNvPicPr>
+          <p:nvPr/>
+        </p:nvPicPr>
+        <p:blipFill>
+          <a:blip r:embed="rId2">
+            <a:extLst>
+              <a:ext uri="{28A0092B-C50C-407E-A947-70E740481C1C}">
+                <a14:useLocalDpi xmlns:a14="http://schemas.microsoft.com/office/drawing/2010/main" val="0"/>
+              </a:ext>
+            </a:extLst>
+          </a:blip>
+          <a:srcRect/>
+          <a:stretch>
+            <a:fillRect/>
+          </a:stretch>
+        </p:blipFill>
+        <p:spPr bwMode="auto">
+          <a:xfrm>
+            <a:off x="3178629" y="4107838"/>
+            <a:ext cx="6229960" cy="2750162"/>
+          </a:xfrm>
+          <a:prstGeom prst="rect">
+            <a:avLst/>
+          </a:prstGeom>
+          <a:noFill/>
+          <a:extLst>
+            <a:ext uri="{909E8E84-426E-40DD-AFC4-6F175D3DCCD1}">
+              <a14:hiddenFill xmlns:a14="http://schemas.microsoft.com/office/drawing/2010/main">
+                <a:solidFill>
+                  <a:srgbClr val="FFFFFF"/>
+                </a:solidFill>
+              </a14:hiddenFill>
+            </a:ext>
+          </a:extLst>
+        </p:spPr>
+      </p:pic>
+    </p:spTree>
+    <p:extLst>
+      <p:ext uri="{BB962C8B-B14F-4D97-AF65-F5344CB8AC3E}">
+        <p14:creationId xmlns:p14="http://schemas.microsoft.com/office/powerpoint/2010/main" val="4121109973"/>
+      </p:ext>
+    </p:extLst>
+  </p:cSld>
+  <p:clrMapOvr>
+    <a:masterClrMapping/>
+  </p:clrMapOvr>
+</p:sld>
+</file>
+
+<file path=ppt/slides/slide2.xml><?xml version="1.0" encoding="utf-8"?>
+<p:sld xmlns:a="http://schemas.openxmlformats.org/drawingml/2006/main" xmlns:r="http://schemas.openxmlformats.org/officeDocument/2006/relationships" xmlns:p="http://schemas.openxmlformats.org/presentationml/2006/main">
+  <p:cSld>
+    <p:spTree>
+      <p:nvGrpSpPr>
+        <p:cNvPr id="1" name=""/>
+        <p:cNvGrpSpPr/>
+        <p:nvPr/>
+      </p:nvGrpSpPr>
+      <p:grpSpPr>
+        <a:xfrm>
+          <a:off x="0" y="0"/>
+          <a:ext cx="0" cy="0"/>
+          <a:chOff x="0" y="0"/>
+          <a:chExt cx="0" cy="0"/>
+        </a:xfrm>
+      </p:grpSpPr>
+      <p:sp>
+        <p:nvSpPr>
+          <p:cNvPr id="2" name="Title 1">
+            <a:extLst>
+              <a:ext uri="{FF2B5EF4-FFF2-40B4-BE49-F238E27FC236}">
+                <a16:creationId xmlns:a16="http://schemas.microsoft.com/office/drawing/2014/main" id="{BF512CCA-4F11-3249-AED9-0D0D7D9D77E9}"/>
+              </a:ext>
+            </a:extLst>
+          </p:cNvPr>
+          <p:cNvSpPr>
+            <a:spLocks noGrp="1"/>
+          </p:cNvSpPr>
+          <p:nvPr>
+            <p:ph type="title"/>
+          </p:nvPr>
+        </p:nvSpPr>
+        <p:spPr/>
+        <p:txBody>
+          <a:bodyPr/>
+          <a:lstStyle/>
+          <a:p>
+            <a:r>
+              <a:rPr lang="en-US" dirty="0"/>
+              <a:t>Detour 1 – Sequential vs Functional</a:t>
+            </a:r>
+          </a:p>
+        </p:txBody>
+      </p:sp>
+      <p:sp>
+        <p:nvSpPr>
+          <p:cNvPr id="3" name="Content Placeholder 2">
+            <a:extLst>
+              <a:ext uri="{FF2B5EF4-FFF2-40B4-BE49-F238E27FC236}">
+                <a16:creationId xmlns:a16="http://schemas.microsoft.com/office/drawing/2014/main" id="{852D2B1B-77A8-6C42-83C7-6FEEC4193082}"/>
+              </a:ext>
+            </a:extLst>
+          </p:cNvPr>
+          <p:cNvSpPr>
+            <a:spLocks noGrp="1"/>
+          </p:cNvSpPr>
+          <p:nvPr>
+            <p:ph idx="1"/>
+          </p:nvPr>
+        </p:nvSpPr>
+        <p:spPr>
+          <a:xfrm>
+            <a:off x="1451579" y="2015732"/>
+            <a:ext cx="9603275" cy="4137642"/>
+          </a:xfrm>
+        </p:spPr>
+        <p:txBody>
+          <a:bodyPr>
+            <a:normAutofit/>
+          </a:bodyPr>
+          <a:lstStyle/>
+          <a:p>
+            <a:r>
+              <a:rPr lang="en-US" dirty="0"/>
+              <a:t>Sequential models work sequentially – one layer after the other. </a:t>
+            </a:r>
+          </a:p>
+          <a:p>
+            <a:r>
+              <a:rPr lang="en-US" dirty="0"/>
+              <a:t>Functional neural network types allow for that rule to be broken:</a:t>
+            </a:r>
+          </a:p>
+          <a:p>
+            <a:pPr lvl="1"/>
+            <a:r>
+              <a:rPr lang="en-US" dirty="0"/>
+              <a:t>Slicing and concatenating parts of a model. </a:t>
+            </a:r>
+          </a:p>
+          <a:p>
+            <a:pPr lvl="1"/>
+            <a:r>
+              <a:rPr lang="en-US" dirty="0"/>
+              <a:t>Looping inputs back to previous layers. </a:t>
+            </a:r>
+          </a:p>
+          <a:p>
+            <a:r>
+              <a:rPr lang="en-US" dirty="0"/>
+              <a:t>Image processing – examine different portions of an image differently. </a:t>
+            </a:r>
+          </a:p>
+          <a:p>
+            <a:r>
+              <a:rPr lang="en-US" dirty="0"/>
+              <a:t>Generally allows for task specific adaptation of the model to the data. </a:t>
+            </a:r>
+          </a:p>
+        </p:txBody>
+      </p:sp>
+    </p:spTree>
+    <p:extLst>
+      <p:ext uri="{BB962C8B-B14F-4D97-AF65-F5344CB8AC3E}">
+        <p14:creationId xmlns:p14="http://schemas.microsoft.com/office/powerpoint/2010/main" val="3592937072"/>
+      </p:ext>
+    </p:extLst>
+  </p:cSld>
+  <p:clrMapOvr>
+    <a:masterClrMapping/>
+  </p:clrMapOvr>
+</p:sld>
+</file>
+
+<file path=ppt/slides/slide20.xml><?xml version="1.0" encoding="utf-8"?>
+<p:sld xmlns:a="http://schemas.openxmlformats.org/drawingml/2006/main" xmlns:r="http://schemas.openxmlformats.org/officeDocument/2006/relationships" xmlns:p="http://schemas.openxmlformats.org/presentationml/2006/main">
+  <p:cSld>
+    <p:spTree>
+      <p:nvGrpSpPr>
+        <p:cNvPr id="1" name=""/>
+        <p:cNvGrpSpPr/>
+        <p:nvPr/>
+      </p:nvGrpSpPr>
+      <p:grpSpPr>
+        <a:xfrm>
+          <a:off x="0" y="0"/>
+          <a:ext cx="0" cy="0"/>
+          <a:chOff x="0" y="0"/>
+          <a:chExt cx="0" cy="0"/>
+        </a:xfrm>
+      </p:grpSpPr>
+      <p:sp>
+        <p:nvSpPr>
+          <p:cNvPr id="2" name="Title 1">
+            <a:extLst>
+              <a:ext uri="{FF2B5EF4-FFF2-40B4-BE49-F238E27FC236}">
+                <a16:creationId xmlns:a16="http://schemas.microsoft.com/office/drawing/2014/main" id="{82439B48-B76E-FA43-8931-D350934B45F1}"/>
+              </a:ext>
+            </a:extLst>
+          </p:cNvPr>
+          <p:cNvSpPr>
+            <a:spLocks noGrp="1"/>
+          </p:cNvSpPr>
+          <p:nvPr>
+            <p:ph type="title"/>
+          </p:nvPr>
+        </p:nvSpPr>
+        <p:spPr/>
+        <p:txBody>
+          <a:bodyPr/>
+          <a:lstStyle/>
+          <a:p>
+            <a:r>
+              <a:rPr lang="en-US" dirty="0"/>
+              <a:t>Pooling</a:t>
+            </a:r>
+          </a:p>
+        </p:txBody>
+      </p:sp>
+      <p:sp>
+        <p:nvSpPr>
+          <p:cNvPr id="3" name="Content Placeholder 2">
+            <a:extLst>
+              <a:ext uri="{FF2B5EF4-FFF2-40B4-BE49-F238E27FC236}">
+                <a16:creationId xmlns:a16="http://schemas.microsoft.com/office/drawing/2014/main" id="{7BAECDE2-7DFA-2140-8B96-BE7B4B18F53E}"/>
+              </a:ext>
+            </a:extLst>
+          </p:cNvPr>
+          <p:cNvSpPr>
+            <a:spLocks noGrp="1"/>
+          </p:cNvSpPr>
+          <p:nvPr>
+            <p:ph idx="1"/>
+          </p:nvPr>
+        </p:nvSpPr>
+        <p:spPr>
+          <a:xfrm>
+            <a:off x="1451579" y="2015732"/>
+            <a:ext cx="9603275" cy="4117439"/>
+          </a:xfrm>
+        </p:spPr>
+        <p:txBody>
+          <a:bodyPr>
+            <a:normAutofit lnSpcReduction="10000"/>
+          </a:bodyPr>
+          <a:lstStyle/>
+          <a:p>
+            <a:r>
+              <a:rPr lang="en-US" dirty="0"/>
+              <a:t>The other new type of layer is a pooling layer. </a:t>
+            </a:r>
+          </a:p>
+          <a:p>
+            <a:r>
+              <a:rPr lang="en-US" dirty="0"/>
+              <a:t>Pooling layers “down sample” the images passed to them. </a:t>
+            </a:r>
+          </a:p>
+          <a:p>
+            <a:pPr lvl="1"/>
+            <a:r>
+              <a:rPr lang="en-US" dirty="0"/>
+              <a:t>I.e. Reduces the resolution of the image. </a:t>
+            </a:r>
+          </a:p>
+          <a:p>
+            <a:r>
+              <a:rPr lang="en-US" dirty="0"/>
+              <a:t>Reduces amount of data to process, which can be large. </a:t>
+            </a:r>
+          </a:p>
+          <a:p>
+            <a:r>
+              <a:rPr lang="en-US" dirty="0"/>
+              <a:t>Makes features seen in the convolutional layer more generalizable:</a:t>
+            </a:r>
+          </a:p>
+          <a:p>
+            <a:pPr lvl="1"/>
+            <a:r>
+              <a:rPr lang="en-US" dirty="0"/>
+              <a:t>E.g. every edge won’t look exactly the same, but they’ll resemble each other. </a:t>
+            </a:r>
+          </a:p>
+          <a:p>
+            <a:pPr lvl="1"/>
+            <a:r>
+              <a:rPr lang="en-US" dirty="0"/>
+              <a:t>Intuitively, think of a sharp images of two people, it is easy to differentiate them. Now think of blurrier pictures (e.g. they are in the background of a photo) – the differences fade and they look more similar. </a:t>
+            </a:r>
+          </a:p>
+          <a:p>
+            <a:pPr lvl="1"/>
+            <a:r>
+              <a:rPr lang="en-US" dirty="0"/>
+              <a:t>The above is the goal – identify edges, circles, head shapes, </a:t>
+            </a:r>
+            <a:r>
+              <a:rPr lang="en-US" dirty="0" err="1"/>
+              <a:t>etc</a:t>
+            </a:r>
+            <a:r>
+              <a:rPr lang="en-US" dirty="0"/>
+              <a:t>… in their general form. </a:t>
+            </a:r>
+          </a:p>
+        </p:txBody>
+      </p:sp>
+    </p:spTree>
+    <p:extLst>
+      <p:ext uri="{BB962C8B-B14F-4D97-AF65-F5344CB8AC3E}">
+        <p14:creationId xmlns:p14="http://schemas.microsoft.com/office/powerpoint/2010/main" val="285721268"/>
+      </p:ext>
+    </p:extLst>
+  </p:cSld>
+  <p:clrMapOvr>
+    <a:masterClrMapping/>
+  </p:clrMapOvr>
+</p:sld>
+</file>
+
+<file path=ppt/slides/slide21.xml><?xml version="1.0" encoding="utf-8"?>
+<p:sld xmlns:a="http://schemas.openxmlformats.org/drawingml/2006/main" xmlns:r="http://schemas.openxmlformats.org/officeDocument/2006/relationships" xmlns:p="http://schemas.openxmlformats.org/presentationml/2006/main">
+  <p:cSld>
+    <p:spTree>
+      <p:nvGrpSpPr>
+        <p:cNvPr id="1" name=""/>
+        <p:cNvGrpSpPr/>
+        <p:nvPr/>
+      </p:nvGrpSpPr>
+      <p:grpSpPr>
+        <a:xfrm>
+          <a:off x="0" y="0"/>
+          <a:ext cx="0" cy="0"/>
+          <a:chOff x="0" y="0"/>
+          <a:chExt cx="0" cy="0"/>
+        </a:xfrm>
+      </p:grpSpPr>
+      <p:sp>
+        <p:nvSpPr>
+          <p:cNvPr id="2" name="Title 1">
+            <a:extLst>
+              <a:ext uri="{FF2B5EF4-FFF2-40B4-BE49-F238E27FC236}">
+                <a16:creationId xmlns:a16="http://schemas.microsoft.com/office/drawing/2014/main" id="{6C5F180D-765D-024B-B502-7E5432F846E8}"/>
+              </a:ext>
+            </a:extLst>
+          </p:cNvPr>
+          <p:cNvSpPr>
+            <a:spLocks noGrp="1"/>
+          </p:cNvSpPr>
+          <p:nvPr>
+            <p:ph type="title"/>
+          </p:nvPr>
+        </p:nvSpPr>
+        <p:spPr/>
+        <p:txBody>
+          <a:bodyPr/>
+          <a:lstStyle/>
+          <a:p>
+            <a:r>
+              <a:rPr lang="en-US" dirty="0"/>
+              <a:t>Pooling</a:t>
+            </a:r>
+          </a:p>
+        </p:txBody>
+      </p:sp>
+      <p:sp>
+        <p:nvSpPr>
+          <p:cNvPr id="3" name="Content Placeholder 2">
+            <a:extLst>
+              <a:ext uri="{FF2B5EF4-FFF2-40B4-BE49-F238E27FC236}">
+                <a16:creationId xmlns:a16="http://schemas.microsoft.com/office/drawing/2014/main" id="{2B7E718D-D621-A247-A674-26ACBD4EDB30}"/>
+              </a:ext>
+            </a:extLst>
+          </p:cNvPr>
+          <p:cNvSpPr>
+            <a:spLocks noGrp="1"/>
+          </p:cNvSpPr>
+          <p:nvPr>
+            <p:ph idx="1"/>
+          </p:nvPr>
+        </p:nvSpPr>
+        <p:spPr>
+          <a:xfrm>
+            <a:off x="1451579" y="2015732"/>
+            <a:ext cx="9603275" cy="4037749"/>
+          </a:xfrm>
+        </p:spPr>
+        <p:txBody>
+          <a:bodyPr/>
+          <a:lstStyle/>
+          <a:p>
+            <a:r>
+              <a:rPr lang="en-US" dirty="0"/>
+              <a:t>Pooling down samples, or transforms the data into a lower pixel representation. </a:t>
+            </a:r>
+          </a:p>
+          <a:p>
+            <a:r>
+              <a:rPr lang="en-US" dirty="0"/>
+              <a:t>Reduces the resolution (# of pixels) of the data, making processing easier. </a:t>
+            </a:r>
+          </a:p>
+          <a:p>
+            <a:r>
+              <a:rPr lang="en-US" dirty="0"/>
+              <a:t>Makes the characteristics found in the images more generalizable. </a:t>
+            </a:r>
+          </a:p>
+          <a:p>
+            <a:pPr lvl="1"/>
+            <a:r>
+              <a:rPr lang="en-US" dirty="0"/>
+              <a:t>The filter learns to identify some characteristic. </a:t>
+            </a:r>
+          </a:p>
+          <a:p>
+            <a:pPr lvl="1"/>
+            <a:r>
+              <a:rPr lang="en-US" dirty="0"/>
+              <a:t>We want to be able to identify said characteristic in other images. </a:t>
+            </a:r>
+          </a:p>
+          <a:p>
+            <a:pPr lvl="1"/>
+            <a:r>
+              <a:rPr lang="en-US" dirty="0"/>
+              <a:t>The pooling makes it into a lower definition representation, removing details. </a:t>
+            </a:r>
+          </a:p>
+          <a:p>
+            <a:pPr lvl="1"/>
+            <a:r>
+              <a:rPr lang="en-US" dirty="0"/>
+              <a:t>Our characteristic is now more tolerant to small changes. </a:t>
+            </a:r>
+          </a:p>
+          <a:p>
+            <a:pPr lvl="1"/>
+            <a:r>
+              <a:rPr lang="en-US" dirty="0"/>
+              <a:t>I.E. a very HD photo of a bike wheel will allow you to identify spokes, rim thickness, </a:t>
+            </a:r>
+            <a:r>
+              <a:rPr lang="en-US" dirty="0" err="1"/>
+              <a:t>etc</a:t>
+            </a:r>
+            <a:r>
+              <a:rPr lang="en-US" dirty="0"/>
+              <a:t>…</a:t>
+            </a:r>
+          </a:p>
+          <a:p>
+            <a:pPr lvl="1"/>
+            <a:r>
+              <a:rPr lang="en-US" dirty="0"/>
+              <a:t>A lower definition one will just look like a circle – this is what we (generally) want. </a:t>
+            </a:r>
+          </a:p>
+        </p:txBody>
+      </p:sp>
+    </p:spTree>
+    <p:extLst>
+      <p:ext uri="{BB962C8B-B14F-4D97-AF65-F5344CB8AC3E}">
+        <p14:creationId xmlns:p14="http://schemas.microsoft.com/office/powerpoint/2010/main" val="2655928309"/>
+      </p:ext>
+    </p:extLst>
+  </p:cSld>
+  <p:clrMapOvr>
+    <a:masterClrMapping/>
+  </p:clrMapOvr>
+</p:sld>
+</file>
+
+<file path=ppt/slides/slide22.xml><?xml version="1.0" encoding="utf-8"?>
+<p:sld xmlns:a="http://schemas.openxmlformats.org/drawingml/2006/main" xmlns:r="http://schemas.openxmlformats.org/officeDocument/2006/relationships" xmlns:p="http://schemas.openxmlformats.org/presentationml/2006/main">
+  <p:cSld>
+    <p:spTree>
+      <p:nvGrpSpPr>
+        <p:cNvPr id="1" name=""/>
+        <p:cNvGrpSpPr/>
+        <p:nvPr/>
+      </p:nvGrpSpPr>
+      <p:grpSpPr>
+        <a:xfrm>
+          <a:off x="0" y="0"/>
+          <a:ext cx="0" cy="0"/>
+          <a:chOff x="0" y="0"/>
+          <a:chExt cx="0" cy="0"/>
+        </a:xfrm>
+      </p:grpSpPr>
+      <p:sp>
+        <p:nvSpPr>
+          <p:cNvPr id="2" name="Title 1">
+            <a:extLst>
+              <a:ext uri="{FF2B5EF4-FFF2-40B4-BE49-F238E27FC236}">
+                <a16:creationId xmlns:a16="http://schemas.microsoft.com/office/drawing/2014/main" id="{F7169BC0-7C39-4D4E-B428-EDEAAEA16D83}"/>
+              </a:ext>
+            </a:extLst>
+          </p:cNvPr>
+          <p:cNvSpPr>
+            <a:spLocks noGrp="1"/>
+          </p:cNvSpPr>
+          <p:nvPr>
+            <p:ph type="title"/>
+          </p:nvPr>
+        </p:nvSpPr>
+        <p:spPr/>
+        <p:txBody>
+          <a:bodyPr/>
+          <a:lstStyle/>
+          <a:p>
+            <a:endParaRPr lang="en-US"/>
+          </a:p>
+        </p:txBody>
+      </p:sp>
+      <p:sp>
+        <p:nvSpPr>
+          <p:cNvPr id="3" name="Content Placeholder 2">
+            <a:extLst>
+              <a:ext uri="{FF2B5EF4-FFF2-40B4-BE49-F238E27FC236}">
+                <a16:creationId xmlns:a16="http://schemas.microsoft.com/office/drawing/2014/main" id="{08A783C3-5887-DB41-B5E2-29CAAB69961E}"/>
+              </a:ext>
+            </a:extLst>
+          </p:cNvPr>
+          <p:cNvSpPr>
+            <a:spLocks noGrp="1"/>
+          </p:cNvSpPr>
+          <p:nvPr>
+            <p:ph idx="1"/>
+          </p:nvPr>
+        </p:nvSpPr>
+        <p:spPr/>
+        <p:txBody>
+          <a:bodyPr/>
+          <a:lstStyle/>
+          <a:p>
+            <a:endParaRPr lang="en-US"/>
+          </a:p>
+        </p:txBody>
+      </p:sp>
+      <p:pic>
+        <p:nvPicPr>
+          <p:cNvPr id="7170" name="Picture 2" descr="Convolutional neural net Part 3 Downsampling">
+            <a:extLst>
+              <a:ext uri="{FF2B5EF4-FFF2-40B4-BE49-F238E27FC236}">
+                <a16:creationId xmlns:a16="http://schemas.microsoft.com/office/drawing/2014/main" id="{7DC2CE24-CF74-5E48-8F1E-F173F2BDA98E}"/>
+              </a:ext>
+            </a:extLst>
+          </p:cNvPr>
+          <p:cNvPicPr>
+            <a:picLocks noChangeAspect="1" noChangeArrowheads="1"/>
+          </p:cNvPicPr>
+          <p:nvPr/>
+        </p:nvPicPr>
+        <p:blipFill>
+          <a:blip r:embed="rId2">
+            <a:extLst>
+              <a:ext uri="{28A0092B-C50C-407E-A947-70E740481C1C}">
+                <a14:useLocalDpi xmlns:a14="http://schemas.microsoft.com/office/drawing/2010/main" val="0"/>
+              </a:ext>
+            </a:extLst>
+          </a:blip>
+          <a:srcRect/>
+          <a:stretch>
+            <a:fillRect/>
+          </a:stretch>
+        </p:blipFill>
+        <p:spPr bwMode="auto">
+          <a:xfrm>
+            <a:off x="0" y="428625"/>
+            <a:ext cx="12192000" cy="5999163"/>
+          </a:xfrm>
+          <a:prstGeom prst="rect">
+            <a:avLst/>
+          </a:prstGeom>
+          <a:noFill/>
+          <a:extLst>
+            <a:ext uri="{909E8E84-426E-40DD-AFC4-6F175D3DCCD1}">
+              <a14:hiddenFill xmlns:a14="http://schemas.microsoft.com/office/drawing/2010/main">
+                <a:solidFill>
+                  <a:srgbClr val="FFFFFF"/>
+                </a:solidFill>
+              </a14:hiddenFill>
+            </a:ext>
+          </a:extLst>
+        </p:spPr>
+      </p:pic>
+      <p:sp>
+        <p:nvSpPr>
+          <p:cNvPr id="5" name="Rectangle 4">
+            <a:extLst>
+              <a:ext uri="{FF2B5EF4-FFF2-40B4-BE49-F238E27FC236}">
+                <a16:creationId xmlns:a16="http://schemas.microsoft.com/office/drawing/2014/main" id="{5D68F2B2-BF9B-E247-9A18-A1A619BAEA81}"/>
+              </a:ext>
+            </a:extLst>
+          </p:cNvPr>
+          <p:cNvSpPr/>
+          <p:nvPr/>
+        </p:nvSpPr>
+        <p:spPr>
+          <a:xfrm>
+            <a:off x="3325967" y="1554067"/>
+            <a:ext cx="8035854" cy="923330"/>
+          </a:xfrm>
+          <a:prstGeom prst="rect">
+            <a:avLst/>
+          </a:prstGeom>
+          <a:noFill/>
+        </p:spPr>
+        <p:txBody>
+          <a:bodyPr wrap="none" lIns="91440" tIns="45720" rIns="91440" bIns="45720">
+            <a:spAutoFit/>
+          </a:bodyPr>
+          <a:lstStyle/>
+          <a:p>
+            <a:pPr algn="ctr"/>
+            <a:r>
+              <a:rPr lang="en-US" sz="5400" b="0" cap="none" spc="0" dirty="0">
+                <a:ln w="0"/>
+                <a:solidFill>
+                  <a:schemeClr val="tx1"/>
+                </a:solidFill>
+                <a:effectLst>
+                  <a:outerShdw blurRad="38100" dist="19050" dir="2700000" algn="tl" rotWithShape="0">
+                    <a:schemeClr val="dk1">
+                      <a:alpha val="40000"/>
+                    </a:schemeClr>
+                  </a:outerShdw>
+                </a:effectLst>
+              </a:rPr>
+              <a:t>Higher def -------</a:t>
+            </a:r>
+            <a:r>
+              <a:rPr lang="en-US" sz="5400" b="0" cap="none" spc="0" dirty="0">
+                <a:ln w="0"/>
+                <a:solidFill>
+                  <a:schemeClr val="tx1"/>
+                </a:solidFill>
+                <a:effectLst>
+                  <a:outerShdw blurRad="38100" dist="19050" dir="2700000" algn="tl" rotWithShape="0">
+                    <a:schemeClr val="dk1">
+                      <a:alpha val="40000"/>
+                    </a:schemeClr>
+                  </a:outerShdw>
+                </a:effectLst>
+                <a:sym typeface="Wingdings" pitchFamily="2" charset="2"/>
+              </a:rPr>
+              <a:t> Low def</a:t>
+            </a:r>
+            <a:endParaRPr lang="en-US" sz="5400" b="0" cap="none" spc="0" dirty="0">
+              <a:ln w="0"/>
+              <a:solidFill>
+                <a:schemeClr val="tx1"/>
+              </a:solidFill>
+              <a:effectLst>
+                <a:outerShdw blurRad="38100" dist="19050" dir="2700000" algn="tl" rotWithShape="0">
+                  <a:schemeClr val="dk1">
+                    <a:alpha val="40000"/>
+                  </a:schemeClr>
+                </a:outerShdw>
+              </a:effectLst>
+            </a:endParaRPr>
+          </a:p>
+        </p:txBody>
+      </p:sp>
+    </p:spTree>
+    <p:extLst>
+      <p:ext uri="{BB962C8B-B14F-4D97-AF65-F5344CB8AC3E}">
+        <p14:creationId xmlns:p14="http://schemas.microsoft.com/office/powerpoint/2010/main" val="2971895048"/>
+      </p:ext>
+    </p:extLst>
+  </p:cSld>
+  <p:clrMapOvr>
+    <a:masterClrMapping/>
+  </p:clrMapOvr>
+</p:sld>
+</file>
+
+<file path=ppt/slides/slide23.xml><?xml version="1.0" encoding="utf-8"?>
 <p:sld xmlns:a="http://schemas.openxmlformats.org/drawingml/2006/main" xmlns:r="http://schemas.openxmlformats.org/officeDocument/2006/relationships" xmlns:p="http://schemas.openxmlformats.org/presentationml/2006/main">
   <p:cSld>
     <p:bg>
@@ -4964,1096 +5929,6 @@
           <p:cNvPr id="2" name="Title 1">
             <a:extLst>
               <a:ext uri="{FF2B5EF4-FFF2-40B4-BE49-F238E27FC236}">
-                <a16:creationId xmlns:a16="http://schemas.microsoft.com/office/drawing/2014/main" id="{E4270F1F-6CCB-DE4A-A961-40F7FE3E6FED}"/>
-              </a:ext>
-            </a:extLst>
-          </p:cNvPr>
-          <p:cNvSpPr>
-            <a:spLocks noGrp="1"/>
-          </p:cNvSpPr>
-          <p:nvPr>
-            <p:ph type="title"/>
-          </p:nvPr>
-        </p:nvSpPr>
-        <p:spPr>
-          <a:xfrm>
-            <a:off x="1451579" y="804519"/>
-            <a:ext cx="9603275" cy="1049235"/>
-          </a:xfrm>
-        </p:spPr>
-        <p:txBody>
-          <a:bodyPr>
-            <a:normAutofit/>
-          </a:bodyPr>
-          <a:lstStyle/>
-          <a:p>
-            <a:r>
-              <a:rPr lang="en-US" dirty="0"/>
-              <a:t>Second Slice</a:t>
-            </a:r>
-          </a:p>
-        </p:txBody>
-      </p:sp>
-      <p:pic>
-        <p:nvPicPr>
-          <p:cNvPr id="4" name="Picture 3">
-            <a:extLst>
-              <a:ext uri="{FF2B5EF4-FFF2-40B4-BE49-F238E27FC236}">
-                <a16:creationId xmlns:a16="http://schemas.microsoft.com/office/drawing/2014/main" id="{3E481004-8FAE-6B40-AA59-D7EF546B4C4E}"/>
-              </a:ext>
-            </a:extLst>
-          </p:cNvPr>
-          <p:cNvPicPr>
-            <a:picLocks noChangeAspect="1"/>
-          </p:cNvPicPr>
-          <p:nvPr/>
-        </p:nvPicPr>
-        <p:blipFill>
-          <a:blip r:embed="rId2"/>
-          <a:stretch>
-            <a:fillRect/>
-          </a:stretch>
-        </p:blipFill>
-        <p:spPr>
-          <a:xfrm>
-            <a:off x="117050" y="1853754"/>
-            <a:ext cx="7343174" cy="3781733"/>
-          </a:xfrm>
-          <a:prstGeom prst="rect">
-            <a:avLst/>
-          </a:prstGeom>
-        </p:spPr>
-      </p:pic>
-      <p:sp>
-        <p:nvSpPr>
-          <p:cNvPr id="3" name="Content Placeholder 2">
-            <a:extLst>
-              <a:ext uri="{FF2B5EF4-FFF2-40B4-BE49-F238E27FC236}">
-                <a16:creationId xmlns:a16="http://schemas.microsoft.com/office/drawing/2014/main" id="{31D6D86E-661F-314A-B889-B2B83EF1E64F}"/>
-              </a:ext>
-            </a:extLst>
-          </p:cNvPr>
-          <p:cNvSpPr>
-            <a:spLocks noGrp="1"/>
-          </p:cNvSpPr>
-          <p:nvPr>
-            <p:ph idx="1"/>
-          </p:nvPr>
-        </p:nvSpPr>
-        <p:spPr>
-          <a:xfrm>
-            <a:off x="7573617" y="1952368"/>
-            <a:ext cx="4618383" cy="4101113"/>
-          </a:xfrm>
-        </p:spPr>
-        <p:txBody>
-          <a:bodyPr>
-            <a:normAutofit fontScale="92500" lnSpcReduction="10000"/>
-          </a:bodyPr>
-          <a:lstStyle/>
-          <a:p>
-            <a:r>
-              <a:rPr lang="en-US" sz="2400" dirty="0"/>
-              <a:t>Range of window slides 1 pixel (stride length) to the right. </a:t>
-            </a:r>
-          </a:p>
-          <a:p>
-            <a:r>
-              <a:rPr lang="en-US" sz="2400" dirty="0"/>
-              <a:t>Left pixels are white (big number), right pixels are black (small number). </a:t>
-            </a:r>
-          </a:p>
-          <a:p>
-            <a:r>
-              <a:rPr lang="en-US" sz="2400" dirty="0"/>
-              <a:t>When </a:t>
-            </a:r>
-            <a:r>
-              <a:rPr lang="en-US" sz="2800" dirty="0"/>
-              <a:t>added</a:t>
-            </a:r>
-            <a:r>
-              <a:rPr lang="en-US" sz="2400" dirty="0"/>
-              <a:t> this means all except left are 0, so we have a </a:t>
-            </a:r>
-            <a:r>
-              <a:rPr lang="en-US" sz="2800" dirty="0"/>
-              <a:t>big</a:t>
-            </a:r>
-            <a:r>
-              <a:rPr lang="en-US" sz="2400" dirty="0"/>
-              <a:t> number as a result. </a:t>
-            </a:r>
-          </a:p>
-          <a:p>
-            <a:r>
-              <a:rPr lang="en-US" sz="2400" dirty="0"/>
-              <a:t>We found an edge!!</a:t>
-            </a:r>
-          </a:p>
-          <a:p>
-            <a:r>
-              <a:rPr lang="en-US" sz="2400" dirty="0"/>
-              <a:t>The output ”sees” vertical edges.</a:t>
-            </a:r>
-          </a:p>
-        </p:txBody>
-      </p:sp>
-    </p:spTree>
-    <p:extLst>
-      <p:ext uri="{BB962C8B-B14F-4D97-AF65-F5344CB8AC3E}">
-        <p14:creationId xmlns:p14="http://schemas.microsoft.com/office/powerpoint/2010/main" val="2581238970"/>
-      </p:ext>
-    </p:extLst>
-  </p:cSld>
-  <p:clrMapOvr>
-    <a:masterClrMapping/>
-  </p:clrMapOvr>
-</p:sld>
-</file>
-
-<file path=ppt/slides/slide19.xml><?xml version="1.0" encoding="utf-8"?>
-<p:sld xmlns:a="http://schemas.openxmlformats.org/drawingml/2006/main" xmlns:r="http://schemas.openxmlformats.org/officeDocument/2006/relationships" xmlns:p="http://schemas.openxmlformats.org/presentationml/2006/main">
-  <p:cSld>
-    <p:spTree>
-      <p:nvGrpSpPr>
-        <p:cNvPr id="1" name=""/>
-        <p:cNvGrpSpPr/>
-        <p:nvPr/>
-      </p:nvGrpSpPr>
-      <p:grpSpPr>
-        <a:xfrm>
-          <a:off x="0" y="0"/>
-          <a:ext cx="0" cy="0"/>
-          <a:chOff x="0" y="0"/>
-          <a:chExt cx="0" cy="0"/>
-        </a:xfrm>
-      </p:grpSpPr>
-      <p:sp>
-        <p:nvSpPr>
-          <p:cNvPr id="2" name="Title 1">
-            <a:extLst>
-              <a:ext uri="{FF2B5EF4-FFF2-40B4-BE49-F238E27FC236}">
-                <a16:creationId xmlns:a16="http://schemas.microsoft.com/office/drawing/2014/main" id="{DDBCE7D5-9876-9147-8D13-7B001AFF59DC}"/>
-              </a:ext>
-            </a:extLst>
-          </p:cNvPr>
-          <p:cNvSpPr>
-            <a:spLocks noGrp="1"/>
-          </p:cNvSpPr>
-          <p:nvPr>
-            <p:ph type="title"/>
-          </p:nvPr>
-        </p:nvSpPr>
-        <p:spPr/>
-        <p:txBody>
-          <a:bodyPr/>
-          <a:lstStyle/>
-          <a:p>
-            <a:r>
-              <a:rPr lang="en-US" dirty="0"/>
-              <a:t>Filters in Practice</a:t>
-            </a:r>
-          </a:p>
-        </p:txBody>
-      </p:sp>
-      <p:sp>
-        <p:nvSpPr>
-          <p:cNvPr id="3" name="Content Placeholder 2">
-            <a:extLst>
-              <a:ext uri="{FF2B5EF4-FFF2-40B4-BE49-F238E27FC236}">
-                <a16:creationId xmlns:a16="http://schemas.microsoft.com/office/drawing/2014/main" id="{A73155D5-89A7-EC4B-B589-D9A74A29464D}"/>
-              </a:ext>
-            </a:extLst>
-          </p:cNvPr>
-          <p:cNvSpPr>
-            <a:spLocks noGrp="1"/>
-          </p:cNvSpPr>
-          <p:nvPr>
-            <p:ph idx="1"/>
-          </p:nvPr>
-        </p:nvSpPr>
-        <p:spPr/>
-        <p:txBody>
-          <a:bodyPr/>
-          <a:lstStyle/>
-          <a:p>
-            <a:r>
-              <a:rPr lang="en-US" dirty="0"/>
-              <a:t>Like other layers in a NN, the filters in a convolutional layer learn during fitting. </a:t>
-            </a:r>
-          </a:p>
-          <a:p>
-            <a:r>
-              <a:rPr lang="en-US" dirty="0"/>
-              <a:t>Each filter learns to identify some aspect of the image. </a:t>
-            </a:r>
-          </a:p>
-          <a:p>
-            <a:pPr lvl="1"/>
-            <a:r>
-              <a:rPr lang="en-US" dirty="0"/>
-              <a:t>E.g. a model trained to differentiate cars from trucks might identify the horizontal rectangle shape of a truck bed. Another filter might recognize the slope of a car rear window. </a:t>
-            </a:r>
-          </a:p>
-          <a:p>
-            <a:endParaRPr lang="en-US" dirty="0"/>
-          </a:p>
-        </p:txBody>
-      </p:sp>
-    </p:spTree>
-    <p:extLst>
-      <p:ext uri="{BB962C8B-B14F-4D97-AF65-F5344CB8AC3E}">
-        <p14:creationId xmlns:p14="http://schemas.microsoft.com/office/powerpoint/2010/main" val="2221904628"/>
-      </p:ext>
-    </p:extLst>
-  </p:cSld>
-  <p:clrMapOvr>
-    <a:masterClrMapping/>
-  </p:clrMapOvr>
-</p:sld>
-</file>
-
-<file path=ppt/slides/slide2.xml><?xml version="1.0" encoding="utf-8"?>
-<p:sld xmlns:a="http://schemas.openxmlformats.org/drawingml/2006/main" xmlns:r="http://schemas.openxmlformats.org/officeDocument/2006/relationships" xmlns:p="http://schemas.openxmlformats.org/presentationml/2006/main">
-  <p:cSld>
-    <p:spTree>
-      <p:nvGrpSpPr>
-        <p:cNvPr id="1" name=""/>
-        <p:cNvGrpSpPr/>
-        <p:nvPr/>
-      </p:nvGrpSpPr>
-      <p:grpSpPr>
-        <a:xfrm>
-          <a:off x="0" y="0"/>
-          <a:ext cx="0" cy="0"/>
-          <a:chOff x="0" y="0"/>
-          <a:chExt cx="0" cy="0"/>
-        </a:xfrm>
-      </p:grpSpPr>
-      <p:sp>
-        <p:nvSpPr>
-          <p:cNvPr id="2" name="Title 1">
-            <a:extLst>
-              <a:ext uri="{FF2B5EF4-FFF2-40B4-BE49-F238E27FC236}">
-                <a16:creationId xmlns:a16="http://schemas.microsoft.com/office/drawing/2014/main" id="{BF512CCA-4F11-3249-AED9-0D0D7D9D77E9}"/>
-              </a:ext>
-            </a:extLst>
-          </p:cNvPr>
-          <p:cNvSpPr>
-            <a:spLocks noGrp="1"/>
-          </p:cNvSpPr>
-          <p:nvPr>
-            <p:ph type="title"/>
-          </p:nvPr>
-        </p:nvSpPr>
-        <p:spPr/>
-        <p:txBody>
-          <a:bodyPr/>
-          <a:lstStyle/>
-          <a:p>
-            <a:r>
-              <a:rPr lang="en-US" dirty="0"/>
-              <a:t>Detour 1 – Sequential vs Functional</a:t>
-            </a:r>
-          </a:p>
-        </p:txBody>
-      </p:sp>
-      <p:sp>
-        <p:nvSpPr>
-          <p:cNvPr id="3" name="Content Placeholder 2">
-            <a:extLst>
-              <a:ext uri="{FF2B5EF4-FFF2-40B4-BE49-F238E27FC236}">
-                <a16:creationId xmlns:a16="http://schemas.microsoft.com/office/drawing/2014/main" id="{852D2B1B-77A8-6C42-83C7-6FEEC4193082}"/>
-              </a:ext>
-            </a:extLst>
-          </p:cNvPr>
-          <p:cNvSpPr>
-            <a:spLocks noGrp="1"/>
-          </p:cNvSpPr>
-          <p:nvPr>
-            <p:ph idx="1"/>
-          </p:nvPr>
-        </p:nvSpPr>
-        <p:spPr>
-          <a:xfrm>
-            <a:off x="1451579" y="2015732"/>
-            <a:ext cx="9603275" cy="4137642"/>
-          </a:xfrm>
-        </p:spPr>
-        <p:txBody>
-          <a:bodyPr>
-            <a:normAutofit/>
-          </a:bodyPr>
-          <a:lstStyle/>
-          <a:p>
-            <a:r>
-              <a:rPr lang="en-US" dirty="0"/>
-              <a:t>Sequential models work sequentially – one layer after the other. </a:t>
-            </a:r>
-          </a:p>
-          <a:p>
-            <a:r>
-              <a:rPr lang="en-US" dirty="0"/>
-              <a:t>Functional neural network types allow for that rule to be broken:</a:t>
-            </a:r>
-          </a:p>
-          <a:p>
-            <a:pPr lvl="1"/>
-            <a:r>
-              <a:rPr lang="en-US" dirty="0"/>
-              <a:t>Slicing and concatenating parts of a model. </a:t>
-            </a:r>
-          </a:p>
-          <a:p>
-            <a:pPr lvl="1"/>
-            <a:r>
-              <a:rPr lang="en-US" dirty="0"/>
-              <a:t>Looping inputs back to previous layers. </a:t>
-            </a:r>
-          </a:p>
-          <a:p>
-            <a:r>
-              <a:rPr lang="en-US" dirty="0"/>
-              <a:t>Image processing – examine different portions of an image differently. </a:t>
-            </a:r>
-          </a:p>
-          <a:p>
-            <a:r>
-              <a:rPr lang="en-US" dirty="0"/>
-              <a:t>Generally allows for task specific adaptation of the model to the data. </a:t>
-            </a:r>
-          </a:p>
-        </p:txBody>
-      </p:sp>
-    </p:spTree>
-    <p:extLst>
-      <p:ext uri="{BB962C8B-B14F-4D97-AF65-F5344CB8AC3E}">
-        <p14:creationId xmlns:p14="http://schemas.microsoft.com/office/powerpoint/2010/main" val="3592937072"/>
-      </p:ext>
-    </p:extLst>
-  </p:cSld>
-  <p:clrMapOvr>
-    <a:masterClrMapping/>
-  </p:clrMapOvr>
-</p:sld>
-</file>
-
-<file path=ppt/slides/slide20.xml><?xml version="1.0" encoding="utf-8"?>
-<p:sld xmlns:a="http://schemas.openxmlformats.org/drawingml/2006/main" xmlns:r="http://schemas.openxmlformats.org/officeDocument/2006/relationships" xmlns:p="http://schemas.openxmlformats.org/presentationml/2006/main">
-  <p:cSld>
-    <p:spTree>
-      <p:nvGrpSpPr>
-        <p:cNvPr id="1" name=""/>
-        <p:cNvGrpSpPr/>
-        <p:nvPr/>
-      </p:nvGrpSpPr>
-      <p:grpSpPr>
-        <a:xfrm>
-          <a:off x="0" y="0"/>
-          <a:ext cx="0" cy="0"/>
-          <a:chOff x="0" y="0"/>
-          <a:chExt cx="0" cy="0"/>
-        </a:xfrm>
-      </p:grpSpPr>
-      <p:sp>
-        <p:nvSpPr>
-          <p:cNvPr id="2" name="Title 1">
-            <a:extLst>
-              <a:ext uri="{FF2B5EF4-FFF2-40B4-BE49-F238E27FC236}">
-                <a16:creationId xmlns:a16="http://schemas.microsoft.com/office/drawing/2014/main" id="{4DABF1C1-41FC-2E40-A08D-984A261CE072}"/>
-              </a:ext>
-            </a:extLst>
-          </p:cNvPr>
-          <p:cNvSpPr>
-            <a:spLocks noGrp="1"/>
-          </p:cNvSpPr>
-          <p:nvPr>
-            <p:ph type="title"/>
-          </p:nvPr>
-        </p:nvSpPr>
-        <p:spPr/>
-        <p:txBody>
-          <a:bodyPr/>
-          <a:lstStyle/>
-          <a:p>
-            <a:r>
-              <a:rPr lang="en-US" dirty="0"/>
-              <a:t>Padding</a:t>
-            </a:r>
-          </a:p>
-        </p:txBody>
-      </p:sp>
-      <p:sp>
-        <p:nvSpPr>
-          <p:cNvPr id="3" name="Content Placeholder 2">
-            <a:extLst>
-              <a:ext uri="{FF2B5EF4-FFF2-40B4-BE49-F238E27FC236}">
-                <a16:creationId xmlns:a16="http://schemas.microsoft.com/office/drawing/2014/main" id="{D335DCCD-D9B8-EA42-94E9-4CBCFA0D777F}"/>
-              </a:ext>
-            </a:extLst>
-          </p:cNvPr>
-          <p:cNvSpPr>
-            <a:spLocks noGrp="1"/>
-          </p:cNvSpPr>
-          <p:nvPr>
-            <p:ph idx="1"/>
-          </p:nvPr>
-        </p:nvSpPr>
-        <p:spPr>
-          <a:xfrm>
-            <a:off x="903249" y="1853755"/>
-            <a:ext cx="10549053" cy="2398932"/>
-          </a:xfrm>
-        </p:spPr>
-        <p:txBody>
-          <a:bodyPr/>
-          <a:lstStyle/>
-          <a:p>
-            <a:r>
-              <a:rPr lang="en-US" dirty="0"/>
-              <a:t>Padding determines what happens at the edge of an image.</a:t>
-            </a:r>
-          </a:p>
-          <a:p>
-            <a:r>
-              <a:rPr lang="en-US" dirty="0"/>
-              <a:t>The filter window can either:</a:t>
-            </a:r>
-          </a:p>
-          <a:p>
-            <a:pPr lvl="1"/>
-            <a:r>
-              <a:rPr lang="en-US" dirty="0"/>
-              <a:t>Stop at the edge. Reduces dimension. Valid padding.</a:t>
-            </a:r>
-          </a:p>
-          <a:p>
-            <a:pPr lvl="1"/>
-            <a:r>
-              <a:rPr lang="en-US" dirty="0"/>
-              <a:t>Go over the edge, filling in a border of 0s. Maintaining dimension. Same padding. </a:t>
-            </a:r>
-          </a:p>
-          <a:p>
-            <a:r>
-              <a:rPr lang="en-US" dirty="0"/>
-              <a:t>Padding does what we’d expect, better maintains information in the corners. (Border effects).</a:t>
-            </a:r>
-          </a:p>
-        </p:txBody>
-      </p:sp>
-      <p:pic>
-        <p:nvPicPr>
-          <p:cNvPr id="1026" name="Picture 2">
-            <a:extLst>
-              <a:ext uri="{FF2B5EF4-FFF2-40B4-BE49-F238E27FC236}">
-                <a16:creationId xmlns:a16="http://schemas.microsoft.com/office/drawing/2014/main" id="{C742A5F5-BEDF-3B40-973A-D9260A686487}"/>
-              </a:ext>
-            </a:extLst>
-          </p:cNvPr>
-          <p:cNvPicPr>
-            <a:picLocks noChangeAspect="1" noChangeArrowheads="1"/>
-          </p:cNvPicPr>
-          <p:nvPr/>
-        </p:nvPicPr>
-        <p:blipFill>
-          <a:blip r:embed="rId2">
-            <a:extLst>
-              <a:ext uri="{28A0092B-C50C-407E-A947-70E740481C1C}">
-                <a14:useLocalDpi xmlns:a14="http://schemas.microsoft.com/office/drawing/2010/main" val="0"/>
-              </a:ext>
-            </a:extLst>
-          </a:blip>
-          <a:srcRect/>
-          <a:stretch>
-            <a:fillRect/>
-          </a:stretch>
-        </p:blipFill>
-        <p:spPr bwMode="auto">
-          <a:xfrm>
-            <a:off x="3178629" y="4107838"/>
-            <a:ext cx="6229960" cy="2750162"/>
-          </a:xfrm>
-          <a:prstGeom prst="rect">
-            <a:avLst/>
-          </a:prstGeom>
-          <a:noFill/>
-          <a:extLst>
-            <a:ext uri="{909E8E84-426E-40DD-AFC4-6F175D3DCCD1}">
-              <a14:hiddenFill xmlns:a14="http://schemas.microsoft.com/office/drawing/2010/main">
-                <a:solidFill>
-                  <a:srgbClr val="FFFFFF"/>
-                </a:solidFill>
-              </a14:hiddenFill>
-            </a:ext>
-          </a:extLst>
-        </p:spPr>
-      </p:pic>
-    </p:spTree>
-    <p:extLst>
-      <p:ext uri="{BB962C8B-B14F-4D97-AF65-F5344CB8AC3E}">
-        <p14:creationId xmlns:p14="http://schemas.microsoft.com/office/powerpoint/2010/main" val="4121109973"/>
-      </p:ext>
-    </p:extLst>
-  </p:cSld>
-  <p:clrMapOvr>
-    <a:masterClrMapping/>
-  </p:clrMapOvr>
-</p:sld>
-</file>
-
-<file path=ppt/slides/slide21.xml><?xml version="1.0" encoding="utf-8"?>
-<p:sld xmlns:a="http://schemas.openxmlformats.org/drawingml/2006/main" xmlns:r="http://schemas.openxmlformats.org/officeDocument/2006/relationships" xmlns:p="http://schemas.openxmlformats.org/presentationml/2006/main">
-  <p:cSld>
-    <p:spTree>
-      <p:nvGrpSpPr>
-        <p:cNvPr id="1" name=""/>
-        <p:cNvGrpSpPr/>
-        <p:nvPr/>
-      </p:nvGrpSpPr>
-      <p:grpSpPr>
-        <a:xfrm>
-          <a:off x="0" y="0"/>
-          <a:ext cx="0" cy="0"/>
-          <a:chOff x="0" y="0"/>
-          <a:chExt cx="0" cy="0"/>
-        </a:xfrm>
-      </p:grpSpPr>
-      <p:sp>
-        <p:nvSpPr>
-          <p:cNvPr id="2" name="Title 1">
-            <a:extLst>
-              <a:ext uri="{FF2B5EF4-FFF2-40B4-BE49-F238E27FC236}">
-                <a16:creationId xmlns:a16="http://schemas.microsoft.com/office/drawing/2014/main" id="{82439B48-B76E-FA43-8931-D350934B45F1}"/>
-              </a:ext>
-            </a:extLst>
-          </p:cNvPr>
-          <p:cNvSpPr>
-            <a:spLocks noGrp="1"/>
-          </p:cNvSpPr>
-          <p:nvPr>
-            <p:ph type="title"/>
-          </p:nvPr>
-        </p:nvSpPr>
-        <p:spPr/>
-        <p:txBody>
-          <a:bodyPr/>
-          <a:lstStyle/>
-          <a:p>
-            <a:r>
-              <a:rPr lang="en-US" dirty="0"/>
-              <a:t>Pooling</a:t>
-            </a:r>
-          </a:p>
-        </p:txBody>
-      </p:sp>
-      <p:sp>
-        <p:nvSpPr>
-          <p:cNvPr id="3" name="Content Placeholder 2">
-            <a:extLst>
-              <a:ext uri="{FF2B5EF4-FFF2-40B4-BE49-F238E27FC236}">
-                <a16:creationId xmlns:a16="http://schemas.microsoft.com/office/drawing/2014/main" id="{7BAECDE2-7DFA-2140-8B96-BE7B4B18F53E}"/>
-              </a:ext>
-            </a:extLst>
-          </p:cNvPr>
-          <p:cNvSpPr>
-            <a:spLocks noGrp="1"/>
-          </p:cNvSpPr>
-          <p:nvPr>
-            <p:ph idx="1"/>
-          </p:nvPr>
-        </p:nvSpPr>
-        <p:spPr>
-          <a:xfrm>
-            <a:off x="1451579" y="2015732"/>
-            <a:ext cx="9603275" cy="4117439"/>
-          </a:xfrm>
-        </p:spPr>
-        <p:txBody>
-          <a:bodyPr>
-            <a:normAutofit lnSpcReduction="10000"/>
-          </a:bodyPr>
-          <a:lstStyle/>
-          <a:p>
-            <a:r>
-              <a:rPr lang="en-US" dirty="0"/>
-              <a:t>The other new type of layer is a pooling layer. </a:t>
-            </a:r>
-          </a:p>
-          <a:p>
-            <a:r>
-              <a:rPr lang="en-US" dirty="0"/>
-              <a:t>Pooling layers “down sample” the images passed to them. </a:t>
-            </a:r>
-          </a:p>
-          <a:p>
-            <a:pPr lvl="1"/>
-            <a:r>
-              <a:rPr lang="en-US" dirty="0"/>
-              <a:t>I.e. Reduces the resolution of the image. </a:t>
-            </a:r>
-          </a:p>
-          <a:p>
-            <a:r>
-              <a:rPr lang="en-US" dirty="0"/>
-              <a:t>Reduces amount of data to process, which can be large. </a:t>
-            </a:r>
-          </a:p>
-          <a:p>
-            <a:r>
-              <a:rPr lang="en-US" dirty="0"/>
-              <a:t>Makes features seen in the convolutional layer more generalizable:</a:t>
-            </a:r>
-          </a:p>
-          <a:p>
-            <a:pPr lvl="1"/>
-            <a:r>
-              <a:rPr lang="en-US" dirty="0"/>
-              <a:t>E.g. every edge won’t look exactly the same, but they’ll resemble each other. </a:t>
-            </a:r>
-          </a:p>
-          <a:p>
-            <a:pPr lvl="1"/>
-            <a:r>
-              <a:rPr lang="en-US" dirty="0"/>
-              <a:t>Intuitively, think of a sharp images of two people, it is easy to differentiate them. Now think of blurrier pictures (e.g. they are in the background of a photo) – the differences fade and they look more similar. </a:t>
-            </a:r>
-          </a:p>
-          <a:p>
-            <a:pPr lvl="1"/>
-            <a:r>
-              <a:rPr lang="en-US" dirty="0"/>
-              <a:t>The above is the goal – identify edges, circles, head shapes, </a:t>
-            </a:r>
-            <a:r>
-              <a:rPr lang="en-US" dirty="0" err="1"/>
-              <a:t>etc</a:t>
-            </a:r>
-            <a:r>
-              <a:rPr lang="en-US" dirty="0"/>
-              <a:t>… in their general form. </a:t>
-            </a:r>
-          </a:p>
-        </p:txBody>
-      </p:sp>
-    </p:spTree>
-    <p:extLst>
-      <p:ext uri="{BB962C8B-B14F-4D97-AF65-F5344CB8AC3E}">
-        <p14:creationId xmlns:p14="http://schemas.microsoft.com/office/powerpoint/2010/main" val="285721268"/>
-      </p:ext>
-    </p:extLst>
-  </p:cSld>
-  <p:clrMapOvr>
-    <a:masterClrMapping/>
-  </p:clrMapOvr>
-</p:sld>
-</file>
-
-<file path=ppt/slides/slide22.xml><?xml version="1.0" encoding="utf-8"?>
-<p:sld xmlns:a="http://schemas.openxmlformats.org/drawingml/2006/main" xmlns:r="http://schemas.openxmlformats.org/officeDocument/2006/relationships" xmlns:p="http://schemas.openxmlformats.org/presentationml/2006/main">
-  <p:cSld>
-    <p:spTree>
-      <p:nvGrpSpPr>
-        <p:cNvPr id="1" name=""/>
-        <p:cNvGrpSpPr/>
-        <p:nvPr/>
-      </p:nvGrpSpPr>
-      <p:grpSpPr>
-        <a:xfrm>
-          <a:off x="0" y="0"/>
-          <a:ext cx="0" cy="0"/>
-          <a:chOff x="0" y="0"/>
-          <a:chExt cx="0" cy="0"/>
-        </a:xfrm>
-      </p:grpSpPr>
-      <p:sp>
-        <p:nvSpPr>
-          <p:cNvPr id="2" name="Title 1">
-            <a:extLst>
-              <a:ext uri="{FF2B5EF4-FFF2-40B4-BE49-F238E27FC236}">
-                <a16:creationId xmlns:a16="http://schemas.microsoft.com/office/drawing/2014/main" id="{6C5F180D-765D-024B-B502-7E5432F846E8}"/>
-              </a:ext>
-            </a:extLst>
-          </p:cNvPr>
-          <p:cNvSpPr>
-            <a:spLocks noGrp="1"/>
-          </p:cNvSpPr>
-          <p:nvPr>
-            <p:ph type="title"/>
-          </p:nvPr>
-        </p:nvSpPr>
-        <p:spPr/>
-        <p:txBody>
-          <a:bodyPr/>
-          <a:lstStyle/>
-          <a:p>
-            <a:r>
-              <a:rPr lang="en-US" dirty="0"/>
-              <a:t>Pooling</a:t>
-            </a:r>
-          </a:p>
-        </p:txBody>
-      </p:sp>
-      <p:sp>
-        <p:nvSpPr>
-          <p:cNvPr id="3" name="Content Placeholder 2">
-            <a:extLst>
-              <a:ext uri="{FF2B5EF4-FFF2-40B4-BE49-F238E27FC236}">
-                <a16:creationId xmlns:a16="http://schemas.microsoft.com/office/drawing/2014/main" id="{2B7E718D-D621-A247-A674-26ACBD4EDB30}"/>
-              </a:ext>
-            </a:extLst>
-          </p:cNvPr>
-          <p:cNvSpPr>
-            <a:spLocks noGrp="1"/>
-          </p:cNvSpPr>
-          <p:nvPr>
-            <p:ph idx="1"/>
-          </p:nvPr>
-        </p:nvSpPr>
-        <p:spPr>
-          <a:xfrm>
-            <a:off x="1451579" y="2015732"/>
-            <a:ext cx="9603275" cy="4037749"/>
-          </a:xfrm>
-        </p:spPr>
-        <p:txBody>
-          <a:bodyPr/>
-          <a:lstStyle/>
-          <a:p>
-            <a:r>
-              <a:rPr lang="en-US" dirty="0"/>
-              <a:t>Pooling down samples, or transforms the data into a lower pixel representation. </a:t>
-            </a:r>
-          </a:p>
-          <a:p>
-            <a:r>
-              <a:rPr lang="en-US" dirty="0"/>
-              <a:t>Reduces the resolution (# of pixels) of the data, making processing easier. </a:t>
-            </a:r>
-          </a:p>
-          <a:p>
-            <a:r>
-              <a:rPr lang="en-US" dirty="0"/>
-              <a:t>Makes the characteristics found in the images more generalizable. </a:t>
-            </a:r>
-          </a:p>
-          <a:p>
-            <a:pPr lvl="1"/>
-            <a:r>
-              <a:rPr lang="en-US" dirty="0"/>
-              <a:t>The filter learns to identify some characteristic. </a:t>
-            </a:r>
-          </a:p>
-          <a:p>
-            <a:pPr lvl="1"/>
-            <a:r>
-              <a:rPr lang="en-US" dirty="0"/>
-              <a:t>We want to be able to identify said characteristic in other images. </a:t>
-            </a:r>
-          </a:p>
-          <a:p>
-            <a:pPr lvl="1"/>
-            <a:r>
-              <a:rPr lang="en-US" dirty="0"/>
-              <a:t>The pooling makes it into a lower definition representation, removing details. </a:t>
-            </a:r>
-          </a:p>
-          <a:p>
-            <a:pPr lvl="1"/>
-            <a:r>
-              <a:rPr lang="en-US" dirty="0"/>
-              <a:t>Our characteristic is now more tolerant to small changes. </a:t>
-            </a:r>
-          </a:p>
-          <a:p>
-            <a:pPr lvl="1"/>
-            <a:r>
-              <a:rPr lang="en-US" dirty="0"/>
-              <a:t>I.E. a very HD photo of a bike wheel will allow you to identify spokes, rim thickness, </a:t>
-            </a:r>
-            <a:r>
-              <a:rPr lang="en-US" dirty="0" err="1"/>
-              <a:t>etc</a:t>
-            </a:r>
-            <a:r>
-              <a:rPr lang="en-US" dirty="0"/>
-              <a:t>…</a:t>
-            </a:r>
-          </a:p>
-          <a:p>
-            <a:pPr lvl="1"/>
-            <a:r>
-              <a:rPr lang="en-US" dirty="0"/>
-              <a:t>A lower definition one will just look like a circle – this is what we (generally) want. </a:t>
-            </a:r>
-          </a:p>
-        </p:txBody>
-      </p:sp>
-    </p:spTree>
-    <p:extLst>
-      <p:ext uri="{BB962C8B-B14F-4D97-AF65-F5344CB8AC3E}">
-        <p14:creationId xmlns:p14="http://schemas.microsoft.com/office/powerpoint/2010/main" val="2655928309"/>
-      </p:ext>
-    </p:extLst>
-  </p:cSld>
-  <p:clrMapOvr>
-    <a:masterClrMapping/>
-  </p:clrMapOvr>
-</p:sld>
-</file>
-
-<file path=ppt/slides/slide23.xml><?xml version="1.0" encoding="utf-8"?>
-<p:sld xmlns:a="http://schemas.openxmlformats.org/drawingml/2006/main" xmlns:r="http://schemas.openxmlformats.org/officeDocument/2006/relationships" xmlns:p="http://schemas.openxmlformats.org/presentationml/2006/main">
-  <p:cSld>
-    <p:spTree>
-      <p:nvGrpSpPr>
-        <p:cNvPr id="1" name=""/>
-        <p:cNvGrpSpPr/>
-        <p:nvPr/>
-      </p:nvGrpSpPr>
-      <p:grpSpPr>
-        <a:xfrm>
-          <a:off x="0" y="0"/>
-          <a:ext cx="0" cy="0"/>
-          <a:chOff x="0" y="0"/>
-          <a:chExt cx="0" cy="0"/>
-        </a:xfrm>
-      </p:grpSpPr>
-      <p:sp>
-        <p:nvSpPr>
-          <p:cNvPr id="2" name="Title 1">
-            <a:extLst>
-              <a:ext uri="{FF2B5EF4-FFF2-40B4-BE49-F238E27FC236}">
-                <a16:creationId xmlns:a16="http://schemas.microsoft.com/office/drawing/2014/main" id="{F7169BC0-7C39-4D4E-B428-EDEAAEA16D83}"/>
-              </a:ext>
-            </a:extLst>
-          </p:cNvPr>
-          <p:cNvSpPr>
-            <a:spLocks noGrp="1"/>
-          </p:cNvSpPr>
-          <p:nvPr>
-            <p:ph type="title"/>
-          </p:nvPr>
-        </p:nvSpPr>
-        <p:spPr/>
-        <p:txBody>
-          <a:bodyPr/>
-          <a:lstStyle/>
-          <a:p>
-            <a:endParaRPr lang="en-US"/>
-          </a:p>
-        </p:txBody>
-      </p:sp>
-      <p:sp>
-        <p:nvSpPr>
-          <p:cNvPr id="3" name="Content Placeholder 2">
-            <a:extLst>
-              <a:ext uri="{FF2B5EF4-FFF2-40B4-BE49-F238E27FC236}">
-                <a16:creationId xmlns:a16="http://schemas.microsoft.com/office/drawing/2014/main" id="{08A783C3-5887-DB41-B5E2-29CAAB69961E}"/>
-              </a:ext>
-            </a:extLst>
-          </p:cNvPr>
-          <p:cNvSpPr>
-            <a:spLocks noGrp="1"/>
-          </p:cNvSpPr>
-          <p:nvPr>
-            <p:ph idx="1"/>
-          </p:nvPr>
-        </p:nvSpPr>
-        <p:spPr/>
-        <p:txBody>
-          <a:bodyPr/>
-          <a:lstStyle/>
-          <a:p>
-            <a:endParaRPr lang="en-US"/>
-          </a:p>
-        </p:txBody>
-      </p:sp>
-      <p:pic>
-        <p:nvPicPr>
-          <p:cNvPr id="7170" name="Picture 2" descr="Convolutional neural net Part 3 Downsampling">
-            <a:extLst>
-              <a:ext uri="{FF2B5EF4-FFF2-40B4-BE49-F238E27FC236}">
-                <a16:creationId xmlns:a16="http://schemas.microsoft.com/office/drawing/2014/main" id="{7DC2CE24-CF74-5E48-8F1E-F173F2BDA98E}"/>
-              </a:ext>
-            </a:extLst>
-          </p:cNvPr>
-          <p:cNvPicPr>
-            <a:picLocks noChangeAspect="1" noChangeArrowheads="1"/>
-          </p:cNvPicPr>
-          <p:nvPr/>
-        </p:nvPicPr>
-        <p:blipFill>
-          <a:blip r:embed="rId2">
-            <a:extLst>
-              <a:ext uri="{28A0092B-C50C-407E-A947-70E740481C1C}">
-                <a14:useLocalDpi xmlns:a14="http://schemas.microsoft.com/office/drawing/2010/main" val="0"/>
-              </a:ext>
-            </a:extLst>
-          </a:blip>
-          <a:srcRect/>
-          <a:stretch>
-            <a:fillRect/>
-          </a:stretch>
-        </p:blipFill>
-        <p:spPr bwMode="auto">
-          <a:xfrm>
-            <a:off x="0" y="428625"/>
-            <a:ext cx="12192000" cy="5999163"/>
-          </a:xfrm>
-          <a:prstGeom prst="rect">
-            <a:avLst/>
-          </a:prstGeom>
-          <a:noFill/>
-          <a:extLst>
-            <a:ext uri="{909E8E84-426E-40DD-AFC4-6F175D3DCCD1}">
-              <a14:hiddenFill xmlns:a14="http://schemas.microsoft.com/office/drawing/2010/main">
-                <a:solidFill>
-                  <a:srgbClr val="FFFFFF"/>
-                </a:solidFill>
-              </a14:hiddenFill>
-            </a:ext>
-          </a:extLst>
-        </p:spPr>
-      </p:pic>
-      <p:sp>
-        <p:nvSpPr>
-          <p:cNvPr id="5" name="Rectangle 4">
-            <a:extLst>
-              <a:ext uri="{FF2B5EF4-FFF2-40B4-BE49-F238E27FC236}">
-                <a16:creationId xmlns:a16="http://schemas.microsoft.com/office/drawing/2014/main" id="{5D68F2B2-BF9B-E247-9A18-A1A619BAEA81}"/>
-              </a:ext>
-            </a:extLst>
-          </p:cNvPr>
-          <p:cNvSpPr/>
-          <p:nvPr/>
-        </p:nvSpPr>
-        <p:spPr>
-          <a:xfrm>
-            <a:off x="3325967" y="1554067"/>
-            <a:ext cx="8035854" cy="923330"/>
-          </a:xfrm>
-          <a:prstGeom prst="rect">
-            <a:avLst/>
-          </a:prstGeom>
-          <a:noFill/>
-        </p:spPr>
-        <p:txBody>
-          <a:bodyPr wrap="none" lIns="91440" tIns="45720" rIns="91440" bIns="45720">
-            <a:spAutoFit/>
-          </a:bodyPr>
-          <a:lstStyle/>
-          <a:p>
-            <a:pPr algn="ctr"/>
-            <a:r>
-              <a:rPr lang="en-US" sz="5400" b="0" cap="none" spc="0" dirty="0">
-                <a:ln w="0"/>
-                <a:solidFill>
-                  <a:schemeClr val="tx1"/>
-                </a:solidFill>
-                <a:effectLst>
-                  <a:outerShdw blurRad="38100" dist="19050" dir="2700000" algn="tl" rotWithShape="0">
-                    <a:schemeClr val="dk1">
-                      <a:alpha val="40000"/>
-                    </a:schemeClr>
-                  </a:outerShdw>
-                </a:effectLst>
-              </a:rPr>
-              <a:t>Higher def -------</a:t>
-            </a:r>
-            <a:r>
-              <a:rPr lang="en-US" sz="5400" b="0" cap="none" spc="0" dirty="0">
-                <a:ln w="0"/>
-                <a:solidFill>
-                  <a:schemeClr val="tx1"/>
-                </a:solidFill>
-                <a:effectLst>
-                  <a:outerShdw blurRad="38100" dist="19050" dir="2700000" algn="tl" rotWithShape="0">
-                    <a:schemeClr val="dk1">
-                      <a:alpha val="40000"/>
-                    </a:schemeClr>
-                  </a:outerShdw>
-                </a:effectLst>
-                <a:sym typeface="Wingdings" pitchFamily="2" charset="2"/>
-              </a:rPr>
-              <a:t> Low def</a:t>
-            </a:r>
-            <a:endParaRPr lang="en-US" sz="5400" b="0" cap="none" spc="0" dirty="0">
-              <a:ln w="0"/>
-              <a:solidFill>
-                <a:schemeClr val="tx1"/>
-              </a:solidFill>
-              <a:effectLst>
-                <a:outerShdw blurRad="38100" dist="19050" dir="2700000" algn="tl" rotWithShape="0">
-                  <a:schemeClr val="dk1">
-                    <a:alpha val="40000"/>
-                  </a:schemeClr>
-                </a:outerShdw>
-              </a:effectLst>
-            </a:endParaRPr>
-          </a:p>
-        </p:txBody>
-      </p:sp>
-    </p:spTree>
-    <p:extLst>
-      <p:ext uri="{BB962C8B-B14F-4D97-AF65-F5344CB8AC3E}">
-        <p14:creationId xmlns:p14="http://schemas.microsoft.com/office/powerpoint/2010/main" val="2971895048"/>
-      </p:ext>
-    </p:extLst>
-  </p:cSld>
-  <p:clrMapOvr>
-    <a:masterClrMapping/>
-  </p:clrMapOvr>
-</p:sld>
-</file>
-
-<file path=ppt/slides/slide24.xml><?xml version="1.0" encoding="utf-8"?>
-<p:sld xmlns:a="http://schemas.openxmlformats.org/drawingml/2006/main" xmlns:r="http://schemas.openxmlformats.org/officeDocument/2006/relationships" xmlns:p="http://schemas.openxmlformats.org/presentationml/2006/main">
-  <p:cSld>
-    <p:bg>
-      <p:bgPr>
-        <a:gradFill rotWithShape="1">
-          <a:gsLst>
-            <a:gs pos="0">
-              <a:schemeClr val="bg2">
-                <a:tint val="94000"/>
-                <a:satMod val="80000"/>
-                <a:lumMod val="106000"/>
-              </a:schemeClr>
-            </a:gs>
-            <a:gs pos="100000">
-              <a:schemeClr val="bg2">
-                <a:shade val="80000"/>
-              </a:schemeClr>
-            </a:gs>
-          </a:gsLst>
-          <a:path path="circle">
-            <a:fillToRect l="43000" r="43000" b="100000"/>
-          </a:path>
-        </a:gradFill>
-        <a:effectLst/>
-      </p:bgPr>
-    </p:bg>
-    <p:spTree>
-      <p:nvGrpSpPr>
-        <p:cNvPr id="1" name=""/>
-        <p:cNvGrpSpPr/>
-        <p:nvPr/>
-      </p:nvGrpSpPr>
-      <p:grpSpPr>
-        <a:xfrm>
-          <a:off x="0" y="0"/>
-          <a:ext cx="0" cy="0"/>
-          <a:chOff x="0" y="0"/>
-          <a:chExt cx="0" cy="0"/>
-        </a:xfrm>
-      </p:grpSpPr>
-      <p:sp>
-        <p:nvSpPr>
-          <p:cNvPr id="2" name="Title 1">
-            <a:extLst>
-              <a:ext uri="{FF2B5EF4-FFF2-40B4-BE49-F238E27FC236}">
                 <a16:creationId xmlns:a16="http://schemas.microsoft.com/office/drawing/2014/main" id="{C4A0C369-05A4-D342-83D0-156E6DF2FA96}"/>
               </a:ext>
             </a:extLst>
@@ -6233,6 +6108,103 @@
 </p:sld>
 </file>
 
+<file path=ppt/slides/slide24.xml><?xml version="1.0" encoding="utf-8"?>
+<p:sld xmlns:a="http://schemas.openxmlformats.org/drawingml/2006/main" xmlns:r="http://schemas.openxmlformats.org/officeDocument/2006/relationships" xmlns:p="http://schemas.openxmlformats.org/presentationml/2006/main">
+  <p:cSld>
+    <p:spTree>
+      <p:nvGrpSpPr>
+        <p:cNvPr id="1" name=""/>
+        <p:cNvGrpSpPr/>
+        <p:nvPr/>
+      </p:nvGrpSpPr>
+      <p:grpSpPr>
+        <a:xfrm>
+          <a:off x="0" y="0"/>
+          <a:ext cx="0" cy="0"/>
+          <a:chOff x="0" y="0"/>
+          <a:chExt cx="0" cy="0"/>
+        </a:xfrm>
+      </p:grpSpPr>
+      <p:sp>
+        <p:nvSpPr>
+          <p:cNvPr id="2" name="Title 1">
+            <a:extLst>
+              <a:ext uri="{FF2B5EF4-FFF2-40B4-BE49-F238E27FC236}">
+                <a16:creationId xmlns:a16="http://schemas.microsoft.com/office/drawing/2014/main" id="{AAA6434D-F1B0-8241-A5E2-9406155B278C}"/>
+              </a:ext>
+            </a:extLst>
+          </p:cNvPr>
+          <p:cNvSpPr>
+            <a:spLocks noGrp="1"/>
+          </p:cNvSpPr>
+          <p:nvPr>
+            <p:ph type="title"/>
+          </p:nvPr>
+        </p:nvSpPr>
+        <p:spPr/>
+        <p:txBody>
+          <a:bodyPr/>
+          <a:lstStyle/>
+          <a:p>
+            <a:r>
+              <a:rPr lang="en-US" dirty="0"/>
+              <a:t>Batch Normalization</a:t>
+            </a:r>
+          </a:p>
+        </p:txBody>
+      </p:sp>
+      <p:sp>
+        <p:nvSpPr>
+          <p:cNvPr id="3" name="Content Placeholder 2">
+            <a:extLst>
+              <a:ext uri="{FF2B5EF4-FFF2-40B4-BE49-F238E27FC236}">
+                <a16:creationId xmlns:a16="http://schemas.microsoft.com/office/drawing/2014/main" id="{095ABC4B-532E-B641-9900-2BD7C61B478F}"/>
+              </a:ext>
+            </a:extLst>
+          </p:cNvPr>
+          <p:cNvSpPr>
+            <a:spLocks noGrp="1"/>
+          </p:cNvSpPr>
+          <p:nvPr>
+            <p:ph idx="1"/>
+          </p:nvPr>
+        </p:nvSpPr>
+        <p:spPr>
+          <a:xfrm>
+            <a:off x="1451579" y="1853754"/>
+            <a:ext cx="9603275" cy="3612591"/>
+          </a:xfrm>
+        </p:spPr>
+        <p:txBody>
+          <a:bodyPr/>
+          <a:lstStyle/>
+          <a:p>
+            <a:r>
+              <a:rPr lang="en-US" dirty="0"/>
+              <a:t>Batch normalization is a common step used in CNNs. </a:t>
+            </a:r>
+          </a:p>
+          <a:p>
+            <a:r>
+              <a:rPr lang="en-US" dirty="0"/>
+              <a:t>Standardizes the data between layer and activation. </a:t>
+            </a:r>
+          </a:p>
+        </p:txBody>
+      </p:sp>
+    </p:spTree>
+    <p:extLst>
+      <p:ext uri="{BB962C8B-B14F-4D97-AF65-F5344CB8AC3E}">
+        <p14:creationId xmlns:p14="http://schemas.microsoft.com/office/powerpoint/2010/main" val="2557233317"/>
+      </p:ext>
+    </p:extLst>
+  </p:cSld>
+  <p:clrMapOvr>
+    <a:masterClrMapping/>
+  </p:clrMapOvr>
+</p:sld>
+</file>
+
 <file path=ppt/slides/slide25.xml><?xml version="1.0" encoding="utf-8"?>
 <p:sld xmlns:a="http://schemas.openxmlformats.org/drawingml/2006/main" xmlns:r="http://schemas.openxmlformats.org/officeDocument/2006/relationships" xmlns:p="http://schemas.openxmlformats.org/presentationml/2006/main">
   <p:cSld>
@@ -6255,7 +6227,7 @@
           <p:cNvPr id="2" name="Title 1">
             <a:extLst>
               <a:ext uri="{FF2B5EF4-FFF2-40B4-BE49-F238E27FC236}">
-                <a16:creationId xmlns:a16="http://schemas.microsoft.com/office/drawing/2014/main" id="{AAA6434D-F1B0-8241-A5E2-9406155B278C}"/>
+                <a16:creationId xmlns:a16="http://schemas.microsoft.com/office/drawing/2014/main" id="{03771A9C-C120-464F-975D-15A7A52C9BBE}"/>
               </a:ext>
             </a:extLst>
           </p:cNvPr>
@@ -6273,7 +6245,7 @@
           <a:p>
             <a:r>
               <a:rPr lang="en-US" dirty="0"/>
-              <a:t>Batch Normalization</a:t>
+              <a:t>Convolutional Portion</a:t>
             </a:r>
           </a:p>
         </p:txBody>
@@ -6283,7 +6255,7 @@
           <p:cNvPr id="3" name="Content Placeholder 2">
             <a:extLst>
               <a:ext uri="{FF2B5EF4-FFF2-40B4-BE49-F238E27FC236}">
-                <a16:creationId xmlns:a16="http://schemas.microsoft.com/office/drawing/2014/main" id="{095ABC4B-532E-B641-9900-2BD7C61B478F}"/>
+                <a16:creationId xmlns:a16="http://schemas.microsoft.com/office/drawing/2014/main" id="{3BEFB6C6-C30E-A34C-80CD-1114FFB7AFC1}"/>
               </a:ext>
             </a:extLst>
           </p:cNvPr>
@@ -6294,33 +6266,39 @@
             <p:ph idx="1"/>
           </p:nvPr>
         </p:nvSpPr>
-        <p:spPr>
-          <a:xfrm>
-            <a:off x="1451579" y="1853754"/>
-            <a:ext cx="9603275" cy="3612591"/>
-          </a:xfrm>
-        </p:spPr>
+        <p:spPr/>
         <p:txBody>
           <a:bodyPr/>
           <a:lstStyle/>
           <a:p>
             <a:r>
               <a:rPr lang="en-US" dirty="0"/>
-              <a:t>Batch normalization is a common step used in CNNs. </a:t>
-            </a:r>
-          </a:p>
-          <a:p>
-            <a:r>
-              <a:rPr lang="en-US" dirty="0"/>
-              <a:t>Standardizes the data between layer and activation. </a:t>
-            </a:r>
+              <a:t>The convolutional parts of a CNN normally repeat this through several layers:</a:t>
+            </a:r>
+          </a:p>
+          <a:p>
+            <a:pPr lvl="1"/>
+            <a:r>
+              <a:rPr lang="en-US" dirty="0"/>
+              <a:t>Convolutional layer finds component image features. </a:t>
+            </a:r>
+          </a:p>
+          <a:p>
+            <a:pPr lvl="1"/>
+            <a:r>
+              <a:rPr lang="en-US" dirty="0"/>
+              <a:t>Pooling layer generalizes. </a:t>
+            </a:r>
+          </a:p>
+          <a:p>
+            <a:endParaRPr lang="en-US" dirty="0"/>
           </a:p>
         </p:txBody>
       </p:sp>
     </p:spTree>
     <p:extLst>
       <p:ext uri="{BB962C8B-B14F-4D97-AF65-F5344CB8AC3E}">
-        <p14:creationId xmlns:p14="http://schemas.microsoft.com/office/powerpoint/2010/main" val="2557233317"/>
+        <p14:creationId xmlns:p14="http://schemas.microsoft.com/office/powerpoint/2010/main" val="2981774519"/>
       </p:ext>
     </p:extLst>
   </p:cSld>
@@ -6352,109 +6330,6 @@
           <p:cNvPr id="2" name="Title 1">
             <a:extLst>
               <a:ext uri="{FF2B5EF4-FFF2-40B4-BE49-F238E27FC236}">
-                <a16:creationId xmlns:a16="http://schemas.microsoft.com/office/drawing/2014/main" id="{03771A9C-C120-464F-975D-15A7A52C9BBE}"/>
-              </a:ext>
-            </a:extLst>
-          </p:cNvPr>
-          <p:cNvSpPr>
-            <a:spLocks noGrp="1"/>
-          </p:cNvSpPr>
-          <p:nvPr>
-            <p:ph type="title"/>
-          </p:nvPr>
-        </p:nvSpPr>
-        <p:spPr/>
-        <p:txBody>
-          <a:bodyPr/>
-          <a:lstStyle/>
-          <a:p>
-            <a:r>
-              <a:rPr lang="en-US" dirty="0"/>
-              <a:t>Convolutional Portion</a:t>
-            </a:r>
-          </a:p>
-        </p:txBody>
-      </p:sp>
-      <p:sp>
-        <p:nvSpPr>
-          <p:cNvPr id="3" name="Content Placeholder 2">
-            <a:extLst>
-              <a:ext uri="{FF2B5EF4-FFF2-40B4-BE49-F238E27FC236}">
-                <a16:creationId xmlns:a16="http://schemas.microsoft.com/office/drawing/2014/main" id="{3BEFB6C6-C30E-A34C-80CD-1114FFB7AFC1}"/>
-              </a:ext>
-            </a:extLst>
-          </p:cNvPr>
-          <p:cNvSpPr>
-            <a:spLocks noGrp="1"/>
-          </p:cNvSpPr>
-          <p:nvPr>
-            <p:ph idx="1"/>
-          </p:nvPr>
-        </p:nvSpPr>
-        <p:spPr/>
-        <p:txBody>
-          <a:bodyPr/>
-          <a:lstStyle/>
-          <a:p>
-            <a:r>
-              <a:rPr lang="en-US" dirty="0"/>
-              <a:t>The convolutional parts of a CNN normally repeat this through several layers:</a:t>
-            </a:r>
-          </a:p>
-          <a:p>
-            <a:pPr lvl="1"/>
-            <a:r>
-              <a:rPr lang="en-US" dirty="0"/>
-              <a:t>Convolutional layer finds component image features. </a:t>
-            </a:r>
-          </a:p>
-          <a:p>
-            <a:pPr lvl="1"/>
-            <a:r>
-              <a:rPr lang="en-US" dirty="0"/>
-              <a:t>Pooling layer generalizes. </a:t>
-            </a:r>
-          </a:p>
-          <a:p>
-            <a:endParaRPr lang="en-US" dirty="0"/>
-          </a:p>
-        </p:txBody>
-      </p:sp>
-    </p:spTree>
-    <p:extLst>
-      <p:ext uri="{BB962C8B-B14F-4D97-AF65-F5344CB8AC3E}">
-        <p14:creationId xmlns:p14="http://schemas.microsoft.com/office/powerpoint/2010/main" val="2981774519"/>
-      </p:ext>
-    </p:extLst>
-  </p:cSld>
-  <p:clrMapOvr>
-    <a:masterClrMapping/>
-  </p:clrMapOvr>
-</p:sld>
-</file>
-
-<file path=ppt/slides/slide27.xml><?xml version="1.0" encoding="utf-8"?>
-<p:sld xmlns:a="http://schemas.openxmlformats.org/drawingml/2006/main" xmlns:r="http://schemas.openxmlformats.org/officeDocument/2006/relationships" xmlns:p="http://schemas.openxmlformats.org/presentationml/2006/main">
-  <p:cSld>
-    <p:spTree>
-      <p:nvGrpSpPr>
-        <p:cNvPr id="1" name=""/>
-        <p:cNvGrpSpPr/>
-        <p:nvPr/>
-      </p:nvGrpSpPr>
-      <p:grpSpPr>
-        <a:xfrm>
-          <a:off x="0" y="0"/>
-          <a:ext cx="0" cy="0"/>
-          <a:chOff x="0" y="0"/>
-          <a:chExt cx="0" cy="0"/>
-        </a:xfrm>
-      </p:grpSpPr>
-      <p:sp>
-        <p:nvSpPr>
-          <p:cNvPr id="2" name="Title 1">
-            <a:extLst>
-              <a:ext uri="{FF2B5EF4-FFF2-40B4-BE49-F238E27FC236}">
                 <a16:creationId xmlns:a16="http://schemas.microsoft.com/office/drawing/2014/main" id="{FBA22446-0940-1C4C-A480-6DE6DD8AA8D8}"/>
               </a:ext>
             </a:extLst>
@@ -6626,7 +6501,7 @@
 </p:sld>
 </file>
 
-<file path=ppt/slides/slide28.xml><?xml version="1.0" encoding="utf-8"?>
+<file path=ppt/slides/slide27.xml><?xml version="1.0" encoding="utf-8"?>
 <p:sld xmlns:a="http://schemas.openxmlformats.org/drawingml/2006/main" xmlns:r="http://schemas.openxmlformats.org/officeDocument/2006/relationships" xmlns:p="http://schemas.openxmlformats.org/presentationml/2006/main">
   <p:cSld>
     <p:spTree>
@@ -6790,7 +6665,7 @@
 </p:sld>
 </file>
 
-<file path=ppt/slides/slide29.xml><?xml version="1.0" encoding="utf-8"?>
+<file path=ppt/slides/slide28.xml><?xml version="1.0" encoding="utf-8"?>
 <p:sld xmlns:a="http://schemas.openxmlformats.org/drawingml/2006/main" xmlns:r="http://schemas.openxmlformats.org/officeDocument/2006/relationships" xmlns:p="http://schemas.openxmlformats.org/presentationml/2006/main">
   <p:cSld>
     <p:spTree>
@@ -6941,440 +6816,6 @@
           <p:cNvPr id="2" name="Title 1">
             <a:extLst>
               <a:ext uri="{FF2B5EF4-FFF2-40B4-BE49-F238E27FC236}">
-                <a16:creationId xmlns:a16="http://schemas.microsoft.com/office/drawing/2014/main" id="{2F60C8D4-416E-484B-8E0D-9522CD4C1216}"/>
-              </a:ext>
-            </a:extLst>
-          </p:cNvPr>
-          <p:cNvSpPr>
-            <a:spLocks noGrp="1"/>
-          </p:cNvSpPr>
-          <p:nvPr>
-            <p:ph type="title"/>
-          </p:nvPr>
-        </p:nvSpPr>
-        <p:spPr/>
-        <p:txBody>
-          <a:bodyPr/>
-          <a:lstStyle/>
-          <a:p>
-            <a:r>
-              <a:rPr lang="en-US" dirty="0"/>
-              <a:t>Detour 2 - Loss Measures</a:t>
-            </a:r>
-          </a:p>
-        </p:txBody>
-      </p:sp>
-      <p:sp>
-        <p:nvSpPr>
-          <p:cNvPr id="3" name="Content Placeholder 2">
-            <a:extLst>
-              <a:ext uri="{FF2B5EF4-FFF2-40B4-BE49-F238E27FC236}">
-                <a16:creationId xmlns:a16="http://schemas.microsoft.com/office/drawing/2014/main" id="{51523A4C-F5B3-4E47-9AA7-B4A74F9D9A74}"/>
-              </a:ext>
-            </a:extLst>
-          </p:cNvPr>
-          <p:cNvSpPr>
-            <a:spLocks noGrp="1"/>
-          </p:cNvSpPr>
-          <p:nvPr>
-            <p:ph idx="1"/>
-          </p:nvPr>
-        </p:nvSpPr>
-        <p:spPr>
-          <a:xfrm>
-            <a:off x="1451579" y="1853754"/>
-            <a:ext cx="9603275" cy="4199727"/>
-          </a:xfrm>
-        </p:spPr>
-        <p:txBody>
-          <a:bodyPr>
-            <a:normAutofit lnSpcReduction="10000"/>
-          </a:bodyPr>
-          <a:lstStyle/>
-          <a:p>
-            <a:r>
-              <a:rPr lang="en-US" dirty="0"/>
-              <a:t>Cross entropy is the most common way to measure classification losses. </a:t>
-            </a:r>
-          </a:p>
-          <a:p>
-            <a:r>
-              <a:rPr lang="en-US" dirty="0"/>
-              <a:t>Binary cross-entropy:</a:t>
-            </a:r>
-          </a:p>
-          <a:p>
-            <a:pPr lvl="1"/>
-            <a:r>
-              <a:rPr lang="en-US" dirty="0"/>
-              <a:t>Used when we have a true/false classification. </a:t>
-            </a:r>
-          </a:p>
-          <a:p>
-            <a:r>
-              <a:rPr lang="en-US" dirty="0"/>
-              <a:t>Categorical cross-entropy:</a:t>
-            </a:r>
-          </a:p>
-          <a:p>
-            <a:pPr lvl="1"/>
-            <a:r>
-              <a:rPr lang="en-US" dirty="0"/>
-              <a:t>Used when we have a multiclass classification. </a:t>
-            </a:r>
-          </a:p>
-          <a:p>
-            <a:pPr lvl="1"/>
-            <a:r>
-              <a:rPr lang="en-US" dirty="0"/>
-              <a:t>Assumes y values are 1-hot - i.e. output of the “</a:t>
-            </a:r>
-            <a:r>
-              <a:rPr lang="en-US" dirty="0" err="1"/>
-              <a:t>to_categortical</a:t>
-            </a:r>
-            <a:r>
-              <a:rPr lang="en-US" dirty="0"/>
-              <a:t>” function. </a:t>
-            </a:r>
-          </a:p>
-          <a:p>
-            <a:r>
-              <a:rPr lang="en-US" dirty="0"/>
-              <a:t>Sparse categorical cross-entropy:</a:t>
-            </a:r>
-          </a:p>
-          <a:p>
-            <a:pPr lvl="1"/>
-            <a:r>
-              <a:rPr lang="en-US" dirty="0"/>
-              <a:t>Used when we have a multiclass classification. </a:t>
-            </a:r>
-          </a:p>
-          <a:p>
-            <a:pPr lvl="1"/>
-            <a:r>
-              <a:rPr lang="en-US" dirty="0"/>
-              <a:t>Assumes y values are integers. </a:t>
-            </a:r>
-          </a:p>
-          <a:p>
-            <a:r>
-              <a:rPr lang="en-US" dirty="0"/>
-              <a:t>Categorical and sparse are separated by the encoding of the target. Easy to confuse. </a:t>
-            </a:r>
-          </a:p>
-        </p:txBody>
-      </p:sp>
-    </p:spTree>
-    <p:extLst>
-      <p:ext uri="{BB962C8B-B14F-4D97-AF65-F5344CB8AC3E}">
-        <p14:creationId xmlns:p14="http://schemas.microsoft.com/office/powerpoint/2010/main" val="1603897420"/>
-      </p:ext>
-    </p:extLst>
-  </p:cSld>
-  <p:clrMapOvr>
-    <a:masterClrMapping/>
-  </p:clrMapOvr>
-</p:sld>
-</file>
-
-<file path=ppt/slides/slide4.xml><?xml version="1.0" encoding="utf-8"?>
-<p:sld xmlns:a="http://schemas.openxmlformats.org/drawingml/2006/main" xmlns:r="http://schemas.openxmlformats.org/officeDocument/2006/relationships" xmlns:p="http://schemas.openxmlformats.org/presentationml/2006/main">
-  <p:cSld>
-    <p:spTree>
-      <p:nvGrpSpPr>
-        <p:cNvPr id="1" name=""/>
-        <p:cNvGrpSpPr/>
-        <p:nvPr/>
-      </p:nvGrpSpPr>
-      <p:grpSpPr>
-        <a:xfrm>
-          <a:off x="0" y="0"/>
-          <a:ext cx="0" cy="0"/>
-          <a:chOff x="0" y="0"/>
-          <a:chExt cx="0" cy="0"/>
-        </a:xfrm>
-      </p:grpSpPr>
-      <p:sp>
-        <p:nvSpPr>
-          <p:cNvPr id="2" name="Title 1">
-            <a:extLst>
-              <a:ext uri="{FF2B5EF4-FFF2-40B4-BE49-F238E27FC236}">
-                <a16:creationId xmlns:a16="http://schemas.microsoft.com/office/drawing/2014/main" id="{966F8DD6-509E-3047-89DF-0FBC6E95F2ED}"/>
-              </a:ext>
-            </a:extLst>
-          </p:cNvPr>
-          <p:cNvSpPr>
-            <a:spLocks noGrp="1"/>
-          </p:cNvSpPr>
-          <p:nvPr>
-            <p:ph type="title"/>
-          </p:nvPr>
-        </p:nvSpPr>
-        <p:spPr/>
-        <p:txBody>
-          <a:bodyPr/>
-          <a:lstStyle/>
-          <a:p>
-            <a:r>
-              <a:rPr lang="en-US" dirty="0"/>
-              <a:t>Cross-Entropy</a:t>
-            </a:r>
-          </a:p>
-        </p:txBody>
-      </p:sp>
-      <p:sp>
-        <p:nvSpPr>
-          <p:cNvPr id="3" name="Content Placeholder 2">
-            <a:extLst>
-              <a:ext uri="{FF2B5EF4-FFF2-40B4-BE49-F238E27FC236}">
-                <a16:creationId xmlns:a16="http://schemas.microsoft.com/office/drawing/2014/main" id="{09363BF3-B600-594C-B838-2AD7C02DEFC8}"/>
-              </a:ext>
-            </a:extLst>
-          </p:cNvPr>
-          <p:cNvSpPr>
-            <a:spLocks noGrp="1"/>
-          </p:cNvSpPr>
-          <p:nvPr>
-            <p:ph idx="1"/>
-          </p:nvPr>
-        </p:nvSpPr>
-        <p:spPr>
-          <a:xfrm>
-            <a:off x="1451579" y="2902988"/>
-            <a:ext cx="9603275" cy="2902725"/>
-          </a:xfrm>
-        </p:spPr>
-        <p:txBody>
-          <a:bodyPr/>
-          <a:lstStyle/>
-          <a:p>
-            <a:r>
-              <a:rPr lang="en-US" dirty="0"/>
-              <a:t>Cross entropy measures how close our prediction is to the true class.</a:t>
-            </a:r>
-          </a:p>
-          <a:p>
-            <a:pPr lvl="1"/>
-            <a:r>
-              <a:rPr lang="en-US" dirty="0"/>
-              <a:t>More specifically, how close our confidence was to the real class. </a:t>
-            </a:r>
-          </a:p>
-        </p:txBody>
-      </p:sp>
-      <p:pic>
-        <p:nvPicPr>
-          <p:cNvPr id="4098" name="Picture 2">
-            <a:extLst>
-              <a:ext uri="{FF2B5EF4-FFF2-40B4-BE49-F238E27FC236}">
-                <a16:creationId xmlns:a16="http://schemas.microsoft.com/office/drawing/2014/main" id="{3EB1F78B-F39A-E444-9306-5C63AA51BB80}"/>
-              </a:ext>
-            </a:extLst>
-          </p:cNvPr>
-          <p:cNvPicPr>
-            <a:picLocks noChangeAspect="1" noChangeArrowheads="1"/>
-          </p:cNvPicPr>
-          <p:nvPr/>
-        </p:nvPicPr>
-        <p:blipFill>
-          <a:blip r:embed="rId2">
-            <a:extLst>
-              <a:ext uri="{28A0092B-C50C-407E-A947-70E740481C1C}">
-                <a14:useLocalDpi xmlns:a14="http://schemas.microsoft.com/office/drawing/2010/main" val="0"/>
-              </a:ext>
-            </a:extLst>
-          </a:blip>
-          <a:srcRect/>
-          <a:stretch>
-            <a:fillRect/>
-          </a:stretch>
-        </p:blipFill>
-        <p:spPr bwMode="auto">
-          <a:xfrm>
-            <a:off x="0" y="1853754"/>
-            <a:ext cx="12192000" cy="896937"/>
-          </a:xfrm>
-          <a:prstGeom prst="rect">
-            <a:avLst/>
-          </a:prstGeom>
-          <a:noFill/>
-          <a:extLst>
-            <a:ext uri="{909E8E84-426E-40DD-AFC4-6F175D3DCCD1}">
-              <a14:hiddenFill xmlns:a14="http://schemas.microsoft.com/office/drawing/2010/main">
-                <a:solidFill>
-                  <a:srgbClr val="FFFFFF"/>
-                </a:solidFill>
-              </a14:hiddenFill>
-            </a:ext>
-          </a:extLst>
-        </p:spPr>
-      </p:pic>
-    </p:spTree>
-    <p:extLst>
-      <p:ext uri="{BB962C8B-B14F-4D97-AF65-F5344CB8AC3E}">
-        <p14:creationId xmlns:p14="http://schemas.microsoft.com/office/powerpoint/2010/main" val="3847029837"/>
-      </p:ext>
-    </p:extLst>
-  </p:cSld>
-  <p:clrMapOvr>
-    <a:masterClrMapping/>
-  </p:clrMapOvr>
-</p:sld>
-</file>
-
-<file path=ppt/slides/slide5.xml><?xml version="1.0" encoding="utf-8"?>
-<p:sld xmlns:a="http://schemas.openxmlformats.org/drawingml/2006/main" xmlns:r="http://schemas.openxmlformats.org/officeDocument/2006/relationships" xmlns:p="http://schemas.openxmlformats.org/presentationml/2006/main">
-  <p:cSld>
-    <p:spTree>
-      <p:nvGrpSpPr>
-        <p:cNvPr id="1" name=""/>
-        <p:cNvGrpSpPr/>
-        <p:nvPr/>
-      </p:nvGrpSpPr>
-      <p:grpSpPr>
-        <a:xfrm>
-          <a:off x="0" y="0"/>
-          <a:ext cx="0" cy="0"/>
-          <a:chOff x="0" y="0"/>
-          <a:chExt cx="0" cy="0"/>
-        </a:xfrm>
-      </p:grpSpPr>
-      <p:sp>
-        <p:nvSpPr>
-          <p:cNvPr id="2" name="Title 1">
-            <a:extLst>
-              <a:ext uri="{FF2B5EF4-FFF2-40B4-BE49-F238E27FC236}">
-                <a16:creationId xmlns:a16="http://schemas.microsoft.com/office/drawing/2014/main" id="{E179639E-D8B6-CB40-91C6-3D99651A369B}"/>
-              </a:ext>
-            </a:extLst>
-          </p:cNvPr>
-          <p:cNvSpPr>
-            <a:spLocks noGrp="1"/>
-          </p:cNvSpPr>
-          <p:nvPr>
-            <p:ph type="title"/>
-          </p:nvPr>
-        </p:nvSpPr>
-        <p:spPr/>
-        <p:txBody>
-          <a:bodyPr/>
-          <a:lstStyle/>
-          <a:p>
-            <a:r>
-              <a:rPr lang="en-US" dirty="0"/>
-              <a:t>Hinge Loss</a:t>
-            </a:r>
-          </a:p>
-        </p:txBody>
-      </p:sp>
-      <p:sp>
-        <p:nvSpPr>
-          <p:cNvPr id="3" name="Content Placeholder 2">
-            <a:extLst>
-              <a:ext uri="{FF2B5EF4-FFF2-40B4-BE49-F238E27FC236}">
-                <a16:creationId xmlns:a16="http://schemas.microsoft.com/office/drawing/2014/main" id="{72208AE0-52A3-194A-B3E7-60A25894A3EF}"/>
-              </a:ext>
-            </a:extLst>
-          </p:cNvPr>
-          <p:cNvSpPr>
-            <a:spLocks noGrp="1"/>
-          </p:cNvSpPr>
-          <p:nvPr>
-            <p:ph idx="1"/>
-          </p:nvPr>
-        </p:nvSpPr>
-        <p:spPr/>
-        <p:txBody>
-          <a:bodyPr/>
-          <a:lstStyle/>
-          <a:p>
-            <a:r>
-              <a:rPr lang="en-US" dirty="0"/>
-              <a:t>Hinge loss is another common loss for classifications. </a:t>
-            </a:r>
-          </a:p>
-          <a:p>
-            <a:pPr lvl="1"/>
-            <a:r>
-              <a:rPr lang="en-US" dirty="0"/>
-              <a:t>Sometimes referred to as SVM loss. </a:t>
-            </a:r>
-          </a:p>
-          <a:p>
-            <a:r>
-              <a:rPr lang="en-US" dirty="0"/>
-              <a:t>Hinge loss </a:t>
-            </a:r>
-          </a:p>
-        </p:txBody>
-      </p:sp>
-      <p:pic>
-        <p:nvPicPr>
-          <p:cNvPr id="4" name="Picture 3">
-            <a:extLst>
-              <a:ext uri="{FF2B5EF4-FFF2-40B4-BE49-F238E27FC236}">
-                <a16:creationId xmlns:a16="http://schemas.microsoft.com/office/drawing/2014/main" id="{E77C7464-381A-074B-8F03-589069D6E3D6}"/>
-              </a:ext>
-            </a:extLst>
-          </p:cNvPr>
-          <p:cNvPicPr>
-            <a:picLocks noChangeAspect="1"/>
-          </p:cNvPicPr>
-          <p:nvPr/>
-        </p:nvPicPr>
-        <p:blipFill>
-          <a:blip r:embed="rId2"/>
-          <a:stretch>
-            <a:fillRect/>
-          </a:stretch>
-        </p:blipFill>
-        <p:spPr>
-          <a:xfrm>
-            <a:off x="8748485" y="721062"/>
-            <a:ext cx="1574800" cy="419100"/>
-          </a:xfrm>
-          <a:prstGeom prst="rect">
-            <a:avLst/>
-          </a:prstGeom>
-        </p:spPr>
-      </p:pic>
-    </p:spTree>
-    <p:extLst>
-      <p:ext uri="{BB962C8B-B14F-4D97-AF65-F5344CB8AC3E}">
-        <p14:creationId xmlns:p14="http://schemas.microsoft.com/office/powerpoint/2010/main" val="78068358"/>
-      </p:ext>
-    </p:extLst>
-  </p:cSld>
-  <p:clrMapOvr>
-    <a:masterClrMapping/>
-  </p:clrMapOvr>
-</p:sld>
-</file>
-
-<file path=ppt/slides/slide6.xml><?xml version="1.0" encoding="utf-8"?>
-<p:sld xmlns:a="http://schemas.openxmlformats.org/drawingml/2006/main" xmlns:r="http://schemas.openxmlformats.org/officeDocument/2006/relationships" xmlns:p="http://schemas.openxmlformats.org/presentationml/2006/main">
-  <p:cSld>
-    <p:spTree>
-      <p:nvGrpSpPr>
-        <p:cNvPr id="1" name=""/>
-        <p:cNvGrpSpPr/>
-        <p:nvPr/>
-      </p:nvGrpSpPr>
-      <p:grpSpPr>
-        <a:xfrm>
-          <a:off x="0" y="0"/>
-          <a:ext cx="0" cy="0"/>
-          <a:chOff x="0" y="0"/>
-          <a:chExt cx="0" cy="0"/>
-        </a:xfrm>
-      </p:grpSpPr>
-      <p:sp>
-        <p:nvSpPr>
-          <p:cNvPr id="2" name="Title 1">
-            <a:extLst>
-              <a:ext uri="{FF2B5EF4-FFF2-40B4-BE49-F238E27FC236}">
                 <a16:creationId xmlns:a16="http://schemas.microsoft.com/office/drawing/2014/main" id="{CFA428F0-F517-494A-8A10-75A49AB04953}"/>
               </a:ext>
             </a:extLst>
@@ -7393,7 +6834,7 @@
           <a:p>
             <a:r>
               <a:rPr lang="en-US" dirty="0"/>
-              <a:t>Functional Models</a:t>
+              <a:t>Detour 1 - Functional Models</a:t>
             </a:r>
           </a:p>
         </p:txBody>
@@ -7847,7 +7288,312 @@
 </p:sld>
 </file>
 
-<file path=ppt/slides/slide7.xml><?xml version="1.0" encoding="utf-8"?>
+<file path=ppt/slides/slide4.xml><?xml version="1.0" encoding="utf-8"?>
+<p:sld xmlns:a="http://schemas.openxmlformats.org/drawingml/2006/main" xmlns:r="http://schemas.openxmlformats.org/officeDocument/2006/relationships" xmlns:p="http://schemas.openxmlformats.org/presentationml/2006/main">
+  <p:cSld>
+    <p:spTree>
+      <p:nvGrpSpPr>
+        <p:cNvPr id="1" name=""/>
+        <p:cNvGrpSpPr/>
+        <p:nvPr/>
+      </p:nvGrpSpPr>
+      <p:grpSpPr>
+        <a:xfrm>
+          <a:off x="0" y="0"/>
+          <a:ext cx="0" cy="0"/>
+          <a:chOff x="0" y="0"/>
+          <a:chExt cx="0" cy="0"/>
+        </a:xfrm>
+      </p:grpSpPr>
+      <p:sp>
+        <p:nvSpPr>
+          <p:cNvPr id="2" name="Title 1">
+            <a:extLst>
+              <a:ext uri="{FF2B5EF4-FFF2-40B4-BE49-F238E27FC236}">
+                <a16:creationId xmlns:a16="http://schemas.microsoft.com/office/drawing/2014/main" id="{2F60C8D4-416E-484B-8E0D-9522CD4C1216}"/>
+              </a:ext>
+            </a:extLst>
+          </p:cNvPr>
+          <p:cNvSpPr>
+            <a:spLocks noGrp="1"/>
+          </p:cNvSpPr>
+          <p:nvPr>
+            <p:ph type="title"/>
+          </p:nvPr>
+        </p:nvSpPr>
+        <p:spPr/>
+        <p:txBody>
+          <a:bodyPr/>
+          <a:lstStyle/>
+          <a:p>
+            <a:r>
+              <a:rPr lang="en-US" dirty="0"/>
+              <a:t>Detour 2 - Loss Measures</a:t>
+            </a:r>
+          </a:p>
+        </p:txBody>
+      </p:sp>
+      <p:sp>
+        <p:nvSpPr>
+          <p:cNvPr id="3" name="Content Placeholder 2">
+            <a:extLst>
+              <a:ext uri="{FF2B5EF4-FFF2-40B4-BE49-F238E27FC236}">
+                <a16:creationId xmlns:a16="http://schemas.microsoft.com/office/drawing/2014/main" id="{51523A4C-F5B3-4E47-9AA7-B4A74F9D9A74}"/>
+              </a:ext>
+            </a:extLst>
+          </p:cNvPr>
+          <p:cNvSpPr>
+            <a:spLocks noGrp="1"/>
+          </p:cNvSpPr>
+          <p:nvPr>
+            <p:ph idx="1"/>
+          </p:nvPr>
+        </p:nvSpPr>
+        <p:spPr>
+          <a:xfrm>
+            <a:off x="1451579" y="1853754"/>
+            <a:ext cx="9603275" cy="4199727"/>
+          </a:xfrm>
+        </p:spPr>
+        <p:txBody>
+          <a:bodyPr>
+            <a:normAutofit lnSpcReduction="10000"/>
+          </a:bodyPr>
+          <a:lstStyle/>
+          <a:p>
+            <a:r>
+              <a:rPr lang="en-US" dirty="0"/>
+              <a:t>Cross entropy is the most common way to measure classification losses. </a:t>
+            </a:r>
+          </a:p>
+          <a:p>
+            <a:r>
+              <a:rPr lang="en-US" dirty="0"/>
+              <a:t>Binary cross-entropy:</a:t>
+            </a:r>
+          </a:p>
+          <a:p>
+            <a:pPr lvl="1"/>
+            <a:r>
+              <a:rPr lang="en-US" dirty="0"/>
+              <a:t>Used when we have a true/false classification. </a:t>
+            </a:r>
+          </a:p>
+          <a:p>
+            <a:r>
+              <a:rPr lang="en-US" dirty="0"/>
+              <a:t>Categorical cross-entropy:</a:t>
+            </a:r>
+          </a:p>
+          <a:p>
+            <a:pPr lvl="1"/>
+            <a:r>
+              <a:rPr lang="en-US" dirty="0"/>
+              <a:t>Used when we have a multiclass classification. </a:t>
+            </a:r>
+          </a:p>
+          <a:p>
+            <a:pPr lvl="1"/>
+            <a:r>
+              <a:rPr lang="en-US" dirty="0"/>
+              <a:t>Assumes y values are 1-hot - i.e. output of the “</a:t>
+            </a:r>
+            <a:r>
+              <a:rPr lang="en-US" dirty="0" err="1"/>
+              <a:t>to_categortical</a:t>
+            </a:r>
+            <a:r>
+              <a:rPr lang="en-US" dirty="0"/>
+              <a:t>” function. </a:t>
+            </a:r>
+          </a:p>
+          <a:p>
+            <a:r>
+              <a:rPr lang="en-US" dirty="0"/>
+              <a:t>Sparse categorical cross-entropy:</a:t>
+            </a:r>
+          </a:p>
+          <a:p>
+            <a:pPr lvl="1"/>
+            <a:r>
+              <a:rPr lang="en-US" dirty="0"/>
+              <a:t>Used when we have a multiclass classification. </a:t>
+            </a:r>
+          </a:p>
+          <a:p>
+            <a:pPr lvl="1"/>
+            <a:r>
+              <a:rPr lang="en-US" dirty="0"/>
+              <a:t>Assumes y values are integers. </a:t>
+            </a:r>
+          </a:p>
+          <a:p>
+            <a:r>
+              <a:rPr lang="en-US" dirty="0"/>
+              <a:t>Categorical and sparse are separated by the encoding of the target. Easy to confuse. </a:t>
+            </a:r>
+          </a:p>
+        </p:txBody>
+      </p:sp>
+    </p:spTree>
+    <p:extLst>
+      <p:ext uri="{BB962C8B-B14F-4D97-AF65-F5344CB8AC3E}">
+        <p14:creationId xmlns:p14="http://schemas.microsoft.com/office/powerpoint/2010/main" val="1603897420"/>
+      </p:ext>
+    </p:extLst>
+  </p:cSld>
+  <p:clrMapOvr>
+    <a:masterClrMapping/>
+  </p:clrMapOvr>
+</p:sld>
+</file>
+
+<file path=ppt/slides/slide5.xml><?xml version="1.0" encoding="utf-8"?>
+<p:sld xmlns:a="http://schemas.openxmlformats.org/drawingml/2006/main" xmlns:r="http://schemas.openxmlformats.org/officeDocument/2006/relationships" xmlns:p="http://schemas.openxmlformats.org/presentationml/2006/main">
+  <p:cSld>
+    <p:spTree>
+      <p:nvGrpSpPr>
+        <p:cNvPr id="1" name=""/>
+        <p:cNvGrpSpPr/>
+        <p:nvPr/>
+      </p:nvGrpSpPr>
+      <p:grpSpPr>
+        <a:xfrm>
+          <a:off x="0" y="0"/>
+          <a:ext cx="0" cy="0"/>
+          <a:chOff x="0" y="0"/>
+          <a:chExt cx="0" cy="0"/>
+        </a:xfrm>
+      </p:grpSpPr>
+      <p:sp>
+        <p:nvSpPr>
+          <p:cNvPr id="2" name="Title 1">
+            <a:extLst>
+              <a:ext uri="{FF2B5EF4-FFF2-40B4-BE49-F238E27FC236}">
+                <a16:creationId xmlns:a16="http://schemas.microsoft.com/office/drawing/2014/main" id="{966F8DD6-509E-3047-89DF-0FBC6E95F2ED}"/>
+              </a:ext>
+            </a:extLst>
+          </p:cNvPr>
+          <p:cNvSpPr>
+            <a:spLocks noGrp="1"/>
+          </p:cNvSpPr>
+          <p:nvPr>
+            <p:ph type="title"/>
+          </p:nvPr>
+        </p:nvSpPr>
+        <p:spPr/>
+        <p:txBody>
+          <a:bodyPr/>
+          <a:lstStyle/>
+          <a:p>
+            <a:r>
+              <a:rPr lang="en-US" dirty="0"/>
+              <a:t>Detour 2 - Cross-Entropy</a:t>
+            </a:r>
+          </a:p>
+        </p:txBody>
+      </p:sp>
+      <p:sp>
+        <p:nvSpPr>
+          <p:cNvPr id="3" name="Content Placeholder 2">
+            <a:extLst>
+              <a:ext uri="{FF2B5EF4-FFF2-40B4-BE49-F238E27FC236}">
+                <a16:creationId xmlns:a16="http://schemas.microsoft.com/office/drawing/2014/main" id="{09363BF3-B600-594C-B838-2AD7C02DEFC8}"/>
+              </a:ext>
+            </a:extLst>
+          </p:cNvPr>
+          <p:cNvSpPr>
+            <a:spLocks noGrp="1"/>
+          </p:cNvSpPr>
+          <p:nvPr>
+            <p:ph idx="1"/>
+          </p:nvPr>
+        </p:nvSpPr>
+        <p:spPr>
+          <a:xfrm>
+            <a:off x="1451579" y="2902988"/>
+            <a:ext cx="9603275" cy="2902725"/>
+          </a:xfrm>
+        </p:spPr>
+        <p:txBody>
+          <a:bodyPr/>
+          <a:lstStyle/>
+          <a:p>
+            <a:r>
+              <a:rPr lang="en-US" dirty="0"/>
+              <a:t>Cross entropy measures how close our prediction is to the true class.</a:t>
+            </a:r>
+          </a:p>
+          <a:p>
+            <a:pPr lvl="1"/>
+            <a:r>
+              <a:rPr lang="en-US" dirty="0"/>
+              <a:t>More specifically, how close our confidence was to the real class. </a:t>
+            </a:r>
+          </a:p>
+        </p:txBody>
+      </p:sp>
+      <p:pic>
+        <p:nvPicPr>
+          <p:cNvPr id="4098" name="Picture 2">
+            <a:extLst>
+              <a:ext uri="{FF2B5EF4-FFF2-40B4-BE49-F238E27FC236}">
+                <a16:creationId xmlns:a16="http://schemas.microsoft.com/office/drawing/2014/main" id="{3EB1F78B-F39A-E444-9306-5C63AA51BB80}"/>
+              </a:ext>
+            </a:extLst>
+          </p:cNvPr>
+          <p:cNvPicPr>
+            <a:picLocks noChangeAspect="1" noChangeArrowheads="1"/>
+          </p:cNvPicPr>
+          <p:nvPr/>
+        </p:nvPicPr>
+        <p:blipFill>
+          <a:blip r:embed="rId2">
+            <a:extLst>
+              <a:ext uri="{28A0092B-C50C-407E-A947-70E740481C1C}">
+                <a14:useLocalDpi xmlns:a14="http://schemas.microsoft.com/office/drawing/2010/main" val="0"/>
+              </a:ext>
+            </a:extLst>
+          </a:blip>
+          <a:srcRect/>
+          <a:stretch>
+            <a:fillRect/>
+          </a:stretch>
+        </p:blipFill>
+        <p:spPr bwMode="auto">
+          <a:xfrm>
+            <a:off x="0" y="1853754"/>
+            <a:ext cx="12192000" cy="896937"/>
+          </a:xfrm>
+          <a:prstGeom prst="rect">
+            <a:avLst/>
+          </a:prstGeom>
+          <a:noFill/>
+          <a:extLst>
+            <a:ext uri="{909E8E84-426E-40DD-AFC4-6F175D3DCCD1}">
+              <a14:hiddenFill xmlns:a14="http://schemas.microsoft.com/office/drawing/2010/main">
+                <a:solidFill>
+                  <a:srgbClr val="FFFFFF"/>
+                </a:solidFill>
+              </a14:hiddenFill>
+            </a:ext>
+          </a:extLst>
+        </p:spPr>
+      </p:pic>
+    </p:spTree>
+    <p:extLst>
+      <p:ext uri="{BB962C8B-B14F-4D97-AF65-F5344CB8AC3E}">
+        <p14:creationId xmlns:p14="http://schemas.microsoft.com/office/powerpoint/2010/main" val="3847029837"/>
+      </p:ext>
+    </p:extLst>
+  </p:cSld>
+  <p:clrMapOvr>
+    <a:masterClrMapping/>
+  </p:clrMapOvr>
+</p:sld>
+</file>
+
+<file path=ppt/slides/slide6.xml><?xml version="1.0" encoding="utf-8"?>
 <p:sld xmlns:a="http://schemas.openxmlformats.org/drawingml/2006/main" xmlns:r="http://schemas.openxmlformats.org/officeDocument/2006/relationships" xmlns:p="http://schemas.openxmlformats.org/presentationml/2006/main">
   <p:cSld>
     <p:bg>
@@ -8095,7 +7841,7 @@
 </p:sld>
 </file>
 
-<file path=ppt/slides/slide8.xml><?xml version="1.0" encoding="utf-8"?>
+<file path=ppt/slides/slide7.xml><?xml version="1.0" encoding="utf-8"?>
 <p:sld xmlns:a="http://schemas.openxmlformats.org/drawingml/2006/main" xmlns:r="http://schemas.openxmlformats.org/officeDocument/2006/relationships" xmlns:p="http://schemas.openxmlformats.org/presentationml/2006/main">
   <p:cSld>
     <p:spTree>
@@ -8274,6 +8020,136 @@
     <p:extLst>
       <p:ext uri="{BB962C8B-B14F-4D97-AF65-F5344CB8AC3E}">
         <p14:creationId xmlns:p14="http://schemas.microsoft.com/office/powerpoint/2010/main" val="3733473293"/>
+      </p:ext>
+    </p:extLst>
+  </p:cSld>
+  <p:clrMapOvr>
+    <a:masterClrMapping/>
+  </p:clrMapOvr>
+</p:sld>
+</file>
+
+<file path=ppt/slides/slide8.xml><?xml version="1.0" encoding="utf-8"?>
+<p:sld xmlns:a="http://schemas.openxmlformats.org/drawingml/2006/main" xmlns:r="http://schemas.openxmlformats.org/officeDocument/2006/relationships" xmlns:p="http://schemas.openxmlformats.org/presentationml/2006/main">
+  <p:cSld>
+    <p:spTree>
+      <p:nvGrpSpPr>
+        <p:cNvPr id="1" name=""/>
+        <p:cNvGrpSpPr/>
+        <p:nvPr/>
+      </p:nvGrpSpPr>
+      <p:grpSpPr>
+        <a:xfrm>
+          <a:off x="0" y="0"/>
+          <a:ext cx="0" cy="0"/>
+          <a:chOff x="0" y="0"/>
+          <a:chExt cx="0" cy="0"/>
+        </a:xfrm>
+      </p:grpSpPr>
+      <p:sp>
+        <p:nvSpPr>
+          <p:cNvPr id="2" name="Title 1">
+            <a:extLst>
+              <a:ext uri="{FF2B5EF4-FFF2-40B4-BE49-F238E27FC236}">
+                <a16:creationId xmlns:a16="http://schemas.microsoft.com/office/drawing/2014/main" id="{A9DF2AF1-B6CB-F74F-B8D0-3ABC4C802CB1}"/>
+              </a:ext>
+            </a:extLst>
+          </p:cNvPr>
+          <p:cNvSpPr>
+            <a:spLocks noGrp="1"/>
+          </p:cNvSpPr>
+          <p:nvPr>
+            <p:ph type="title"/>
+          </p:nvPr>
+        </p:nvSpPr>
+        <p:spPr/>
+        <p:txBody>
+          <a:bodyPr/>
+          <a:lstStyle/>
+          <a:p>
+            <a:r>
+              <a:rPr lang="en-US" dirty="0"/>
+              <a:t>Images in Neural Networks</a:t>
+            </a:r>
+          </a:p>
+        </p:txBody>
+      </p:sp>
+      <p:sp>
+        <p:nvSpPr>
+          <p:cNvPr id="3" name="Content Placeholder 2">
+            <a:extLst>
+              <a:ext uri="{FF2B5EF4-FFF2-40B4-BE49-F238E27FC236}">
+                <a16:creationId xmlns:a16="http://schemas.microsoft.com/office/drawing/2014/main" id="{C46F2DBC-406F-2840-82C9-58C0B16CC630}"/>
+              </a:ext>
+            </a:extLst>
+          </p:cNvPr>
+          <p:cNvSpPr>
+            <a:spLocks noGrp="1"/>
+          </p:cNvSpPr>
+          <p:nvPr>
+            <p:ph idx="1"/>
+          </p:nvPr>
+        </p:nvSpPr>
+        <p:spPr>
+          <a:xfrm>
+            <a:off x="1451579" y="2015732"/>
+            <a:ext cx="9603275" cy="4037749"/>
+          </a:xfrm>
+        </p:spPr>
+        <p:txBody>
+          <a:bodyPr/>
+          <a:lstStyle/>
+          <a:p>
+            <a:r>
+              <a:rPr lang="en-US" dirty="0"/>
+              <a:t>Image recognition is one of the big leaders in modern neural networks. </a:t>
+            </a:r>
+          </a:p>
+          <a:p>
+            <a:r>
+              <a:rPr lang="en-US" dirty="0"/>
+              <a:t>Can be far more accurate, especially in big data. </a:t>
+            </a:r>
+          </a:p>
+          <a:p>
+            <a:r>
+              <a:rPr lang="en-US" dirty="0"/>
+              <a:t>Images have spatial relationships not well represented in linear arrays:</a:t>
+            </a:r>
+          </a:p>
+          <a:p>
+            <a:pPr lvl="1"/>
+            <a:r>
+              <a:rPr lang="en-US" dirty="0"/>
+              <a:t>E.g. a bike has two wheels, and a triangle in between. </a:t>
+            </a:r>
+          </a:p>
+          <a:p>
+            <a:pPr lvl="1"/>
+            <a:r>
+              <a:rPr lang="en-US" dirty="0"/>
+              <a:t>It doesn’t matter where in an image this object is, only the location relative each other. </a:t>
+            </a:r>
+          </a:p>
+          <a:p>
+            <a:r>
+              <a:rPr lang="en-US" dirty="0"/>
+              <a:t>Convolutional neural networks are able to examine images in a way that captures spatial relationships. </a:t>
+            </a:r>
+          </a:p>
+          <a:p>
+            <a:pPr lvl="1"/>
+            <a:r>
+              <a:rPr lang="en-US" dirty="0"/>
+              <a:t>The deep networks from last time that do well at image recognition are CNNs. </a:t>
+            </a:r>
+          </a:p>
+        </p:txBody>
+      </p:sp>
+    </p:spTree>
+    <p:extLst>
+      <p:ext uri="{BB962C8B-B14F-4D97-AF65-F5344CB8AC3E}">
+        <p14:creationId xmlns:p14="http://schemas.microsoft.com/office/powerpoint/2010/main" val="4171629867"/>
       </p:ext>
     </p:extLst>
   </p:cSld>
@@ -8305,7 +8181,7 @@
           <p:cNvPr id="2" name="Title 1">
             <a:extLst>
               <a:ext uri="{FF2B5EF4-FFF2-40B4-BE49-F238E27FC236}">
-                <a16:creationId xmlns:a16="http://schemas.microsoft.com/office/drawing/2014/main" id="{A9DF2AF1-B6CB-F74F-B8D0-3ABC4C802CB1}"/>
+                <a16:creationId xmlns:a16="http://schemas.microsoft.com/office/drawing/2014/main" id="{2C9214A3-F495-2840-89CA-9D2DF72B8616}"/>
               </a:ext>
             </a:extLst>
           </p:cNvPr>
@@ -8323,7 +8199,7 @@
           <a:p>
             <a:r>
               <a:rPr lang="en-US" dirty="0"/>
-              <a:t>Images in Neural Networks</a:t>
+              <a:t>Convolutional Neural Networks (CNN)</a:t>
             </a:r>
           </a:p>
         </p:txBody>
@@ -8333,7 +8209,7 @@
           <p:cNvPr id="3" name="Content Placeholder 2">
             <a:extLst>
               <a:ext uri="{FF2B5EF4-FFF2-40B4-BE49-F238E27FC236}">
-                <a16:creationId xmlns:a16="http://schemas.microsoft.com/office/drawing/2014/main" id="{C46F2DBC-406F-2840-82C9-58C0B16CC630}"/>
+                <a16:creationId xmlns:a16="http://schemas.microsoft.com/office/drawing/2014/main" id="{FAF6FFA3-7135-8741-8D1E-810E84584270}"/>
               </a:ext>
             </a:extLst>
           </p:cNvPr>
@@ -8347,7 +8223,7 @@
         <p:spPr>
           <a:xfrm>
             <a:off x="1451579" y="2015732"/>
-            <a:ext cx="9603275" cy="4037749"/>
+            <a:ext cx="9603275" cy="4206164"/>
           </a:xfrm>
         </p:spPr>
         <p:txBody>
@@ -8356,46 +8232,40 @@
           <a:p>
             <a:r>
               <a:rPr lang="en-US" dirty="0"/>
-              <a:t>Image recognition is one of the big leaders in modern neural networks. </a:t>
-            </a:r>
-          </a:p>
-          <a:p>
-            <a:r>
-              <a:rPr lang="en-US" dirty="0"/>
-              <a:t>Can be far more accurate, especially in big data. </a:t>
-            </a:r>
-          </a:p>
-          <a:p>
-            <a:r>
-              <a:rPr lang="en-US" dirty="0"/>
-              <a:t>Images have spatial relationships not well represented in linear arrays:</a:t>
+              <a:t>A CNN is a different variation of neural network that does well with images.</a:t>
             </a:r>
           </a:p>
           <a:p>
             <a:pPr lvl="1"/>
             <a:r>
               <a:rPr lang="en-US" dirty="0"/>
-              <a:t>E.g. a bike has two wheels, and a triangle in between. </a:t>
+              <a:t>Until now we’ve used “standard” dense neural networks. Feed-forward. </a:t>
+            </a:r>
+          </a:p>
+          <a:p>
+            <a:r>
+              <a:rPr lang="en-US" dirty="0"/>
+              <a:t>CNN is based on the concept of “convolution”, a mathematical technique:</a:t>
             </a:r>
           </a:p>
           <a:p>
             <a:pPr lvl="1"/>
             <a:r>
               <a:rPr lang="en-US" dirty="0"/>
-              <a:t>It doesn’t matter where in an image this object is, only the location relative each other. </a:t>
-            </a:r>
-          </a:p>
-          <a:p>
-            <a:r>
-              <a:rPr lang="en-US" dirty="0"/>
-              <a:t>Convolutional neural networks are able to examine images in a way that captures spatial relationships. </a:t>
+              <a:t>Convolution is a mathematical operation on two functions that produces a third function that expresses how the shape of one is modified by the other.</a:t>
+            </a:r>
+          </a:p>
+          <a:p>
+            <a:r>
+              <a:rPr lang="en-US" dirty="0"/>
+              <a:t>For our purposes CNN has a small window (kernel/filter) that looks at one section of an image (e.g. 5 x 5), transforms that for an output, and slides pixel by pixel (stride) over the entire image. </a:t>
             </a:r>
           </a:p>
           <a:p>
             <a:pPr lvl="1"/>
             <a:r>
               <a:rPr lang="en-US" dirty="0"/>
-              <a:t>The deep networks from last time that do well at image recognition are CNNs. </a:t>
+              <a:t>Convoluted definition, simple idea to visualize…</a:t>
             </a:r>
           </a:p>
         </p:txBody>
@@ -8403,7 +8273,7 @@
     </p:spTree>
     <p:extLst>
       <p:ext uri="{BB962C8B-B14F-4D97-AF65-F5344CB8AC3E}">
-        <p14:creationId xmlns:p14="http://schemas.microsoft.com/office/powerpoint/2010/main" val="4171629867"/>
+        <p14:creationId xmlns:p14="http://schemas.microsoft.com/office/powerpoint/2010/main" val="197721867"/>
       </p:ext>
     </p:extLst>
   </p:cSld>
